--- a/docs/_images/images.pptx
+++ b/docs/_images/images.pptx
@@ -6,6 +6,8 @@
   </p:sldMasterIdLst>
   <p:sldIdLst>
     <p:sldId id="256" r:id="rId2"/>
+    <p:sldId id="257" r:id="rId3"/>
+    <p:sldId id="258" r:id="rId4"/>
   </p:sldIdLst>
   <p:sldSz cx="12192000" cy="6858000"/>
   <p:notesSz cx="6858000" cy="9144000"/>
@@ -104,6 +106,11 @@
       </a:defRPr>
     </a:lvl9pPr>
   </p:defaultTextStyle>
+  <p:extLst>
+    <p:ext uri="{EFAFB233-063F-42B5-8137-9DF3F51BA10A}">
+      <p15:sldGuideLst xmlns:p15="http://schemas.microsoft.com/office/powerpoint/2012/main"/>
+    </p:ext>
+  </p:extLst>
 </p:presentation>
 </file>
 
@@ -254,7 +261,7 @@
           <a:p>
             <a:fld id="{0AFD7C04-1572-0B4C-972B-A32FC7BA93A5}" type="datetimeFigureOut">
               <a:rPr lang="en-US" smtClean="0"/>
-              <a:t>3/12/19</a:t>
+              <a:t>10/1/19</a:t>
             </a:fld>
             <a:endParaRPr lang="en-US"/>
           </a:p>
@@ -452,7 +459,7 @@
           <a:p>
             <a:fld id="{0AFD7C04-1572-0B4C-972B-A32FC7BA93A5}" type="datetimeFigureOut">
               <a:rPr lang="en-US" smtClean="0"/>
-              <a:t>3/12/19</a:t>
+              <a:t>10/1/19</a:t>
             </a:fld>
             <a:endParaRPr lang="en-US"/>
           </a:p>
@@ -660,7 +667,7 @@
           <a:p>
             <a:fld id="{0AFD7C04-1572-0B4C-972B-A32FC7BA93A5}" type="datetimeFigureOut">
               <a:rPr lang="en-US" smtClean="0"/>
-              <a:t>3/12/19</a:t>
+              <a:t>10/1/19</a:t>
             </a:fld>
             <a:endParaRPr lang="en-US"/>
           </a:p>
@@ -858,7 +865,7 @@
           <a:p>
             <a:fld id="{0AFD7C04-1572-0B4C-972B-A32FC7BA93A5}" type="datetimeFigureOut">
               <a:rPr lang="en-US" smtClean="0"/>
-              <a:t>3/12/19</a:t>
+              <a:t>10/1/19</a:t>
             </a:fld>
             <a:endParaRPr lang="en-US"/>
           </a:p>
@@ -1133,7 +1140,7 @@
           <a:p>
             <a:fld id="{0AFD7C04-1572-0B4C-972B-A32FC7BA93A5}" type="datetimeFigureOut">
               <a:rPr lang="en-US" smtClean="0"/>
-              <a:t>3/12/19</a:t>
+              <a:t>10/1/19</a:t>
             </a:fld>
             <a:endParaRPr lang="en-US"/>
           </a:p>
@@ -1398,7 +1405,7 @@
           <a:p>
             <a:fld id="{0AFD7C04-1572-0B4C-972B-A32FC7BA93A5}" type="datetimeFigureOut">
               <a:rPr lang="en-US" smtClean="0"/>
-              <a:t>3/12/19</a:t>
+              <a:t>10/1/19</a:t>
             </a:fld>
             <a:endParaRPr lang="en-US"/>
           </a:p>
@@ -1810,7 +1817,7 @@
           <a:p>
             <a:fld id="{0AFD7C04-1572-0B4C-972B-A32FC7BA93A5}" type="datetimeFigureOut">
               <a:rPr lang="en-US" smtClean="0"/>
-              <a:t>3/12/19</a:t>
+              <a:t>10/1/19</a:t>
             </a:fld>
             <a:endParaRPr lang="en-US"/>
           </a:p>
@@ -1951,7 +1958,7 @@
           <a:p>
             <a:fld id="{0AFD7C04-1572-0B4C-972B-A32FC7BA93A5}" type="datetimeFigureOut">
               <a:rPr lang="en-US" smtClean="0"/>
-              <a:t>3/12/19</a:t>
+              <a:t>10/1/19</a:t>
             </a:fld>
             <a:endParaRPr lang="en-US"/>
           </a:p>
@@ -2064,7 +2071,7 @@
           <a:p>
             <a:fld id="{0AFD7C04-1572-0B4C-972B-A32FC7BA93A5}" type="datetimeFigureOut">
               <a:rPr lang="en-US" smtClean="0"/>
-              <a:t>3/12/19</a:t>
+              <a:t>10/1/19</a:t>
             </a:fld>
             <a:endParaRPr lang="en-US"/>
           </a:p>
@@ -2375,7 +2382,7 @@
           <a:p>
             <a:fld id="{0AFD7C04-1572-0B4C-972B-A32FC7BA93A5}" type="datetimeFigureOut">
               <a:rPr lang="en-US" smtClean="0"/>
-              <a:t>3/12/19</a:t>
+              <a:t>10/1/19</a:t>
             </a:fld>
             <a:endParaRPr lang="en-US"/>
           </a:p>
@@ -2663,7 +2670,7 @@
           <a:p>
             <a:fld id="{0AFD7C04-1572-0B4C-972B-A32FC7BA93A5}" type="datetimeFigureOut">
               <a:rPr lang="en-US" smtClean="0"/>
-              <a:t>3/12/19</a:t>
+              <a:t>10/1/19</a:t>
             </a:fld>
             <a:endParaRPr lang="en-US"/>
           </a:p>
@@ -2904,7 +2911,7 @@
           <a:p>
             <a:fld id="{0AFD7C04-1572-0B4C-972B-A32FC7BA93A5}" type="datetimeFigureOut">
               <a:rPr lang="en-US" smtClean="0"/>
-              <a:t>3/12/19</a:t>
+              <a:t>10/1/19</a:t>
             </a:fld>
             <a:endParaRPr lang="en-US"/>
           </a:p>
@@ -4161,6 +4168,2199 @@
 </p:sld>
 </file>
 
+<file path=ppt/slides/slide2.xml><?xml version="1.0" encoding="utf-8"?>
+<p:sld xmlns:a="http://schemas.openxmlformats.org/drawingml/2006/main" xmlns:r="http://schemas.openxmlformats.org/officeDocument/2006/relationships" xmlns:p="http://schemas.openxmlformats.org/presentationml/2006/main">
+  <p:cSld>
+    <p:spTree>
+      <p:nvGrpSpPr>
+        <p:cNvPr id="1" name=""/>
+        <p:cNvGrpSpPr/>
+        <p:nvPr/>
+      </p:nvGrpSpPr>
+      <p:grpSpPr>
+        <a:xfrm>
+          <a:off x="0" y="0"/>
+          <a:ext cx="0" cy="0"/>
+          <a:chOff x="0" y="0"/>
+          <a:chExt cx="0" cy="0"/>
+        </a:xfrm>
+      </p:grpSpPr>
+      <p:pic>
+        <p:nvPicPr>
+          <p:cNvPr id="4" name="Picture 3">
+            <a:extLst>
+              <a:ext uri="{FF2B5EF4-FFF2-40B4-BE49-F238E27FC236}">
+                <a16:creationId xmlns:a16="http://schemas.microsoft.com/office/drawing/2014/main" id="{01A83471-6E1E-6A49-A80D-15364DB4BFE2}"/>
+              </a:ext>
+            </a:extLst>
+          </p:cNvPr>
+          <p:cNvPicPr>
+            <a:picLocks noChangeAspect="1"/>
+          </p:cNvPicPr>
+          <p:nvPr/>
+        </p:nvPicPr>
+        <p:blipFill>
+          <a:blip r:embed="rId2"/>
+          <a:stretch>
+            <a:fillRect/>
+          </a:stretch>
+        </p:blipFill>
+        <p:spPr>
+          <a:xfrm rot="21286326">
+            <a:off x="3314169" y="786383"/>
+            <a:ext cx="2906486" cy="4069081"/>
+          </a:xfrm>
+          <a:prstGeom prst="rect">
+            <a:avLst/>
+          </a:prstGeom>
+          <a:ln w="12700">
+            <a:noFill/>
+          </a:ln>
+        </p:spPr>
+      </p:pic>
+      <p:sp>
+        <p:nvSpPr>
+          <p:cNvPr id="5" name="Right Triangle 4">
+            <a:extLst>
+              <a:ext uri="{FF2B5EF4-FFF2-40B4-BE49-F238E27FC236}">
+                <a16:creationId xmlns:a16="http://schemas.microsoft.com/office/drawing/2014/main" id="{E61782FF-25FA-C24B-8596-5F84076B3E4B}"/>
+              </a:ext>
+            </a:extLst>
+          </p:cNvPr>
+          <p:cNvSpPr/>
+          <p:nvPr/>
+        </p:nvSpPr>
+        <p:spPr>
+          <a:xfrm flipV="1">
+            <a:off x="4565034" y="1618486"/>
+            <a:ext cx="1140822" cy="3008375"/>
+          </a:xfrm>
+          <a:prstGeom prst="rtTriangle">
+            <a:avLst/>
+          </a:prstGeom>
+          <a:noFill/>
+          <a:ln w="76200">
+            <a:solidFill>
+              <a:schemeClr val="bg1"/>
+            </a:solidFill>
+            <a:prstDash val="solid"/>
+          </a:ln>
+        </p:spPr>
+        <p:style>
+          <a:lnRef idx="2">
+            <a:schemeClr val="accent1">
+              <a:shade val="50000"/>
+            </a:schemeClr>
+          </a:lnRef>
+          <a:fillRef idx="1">
+            <a:schemeClr val="accent1"/>
+          </a:fillRef>
+          <a:effectRef idx="0">
+            <a:schemeClr val="accent1"/>
+          </a:effectRef>
+          <a:fontRef idx="minor">
+            <a:schemeClr val="lt1"/>
+          </a:fontRef>
+        </p:style>
+        <p:txBody>
+          <a:bodyPr rtlCol="0" anchor="ctr"/>
+          <a:lstStyle/>
+          <a:p>
+            <a:pPr algn="ctr"/>
+            <a:endParaRPr lang="en-US"/>
+          </a:p>
+        </p:txBody>
+      </p:sp>
+      <p:sp>
+        <p:nvSpPr>
+          <p:cNvPr id="6" name="Arc 5">
+            <a:extLst>
+              <a:ext uri="{FF2B5EF4-FFF2-40B4-BE49-F238E27FC236}">
+                <a16:creationId xmlns:a16="http://schemas.microsoft.com/office/drawing/2014/main" id="{4DD47F0E-D25F-3A47-9D37-58F6D2DD1DAD}"/>
+              </a:ext>
+            </a:extLst>
+          </p:cNvPr>
+          <p:cNvSpPr/>
+          <p:nvPr/>
+        </p:nvSpPr>
+        <p:spPr>
+          <a:xfrm rot="19398617">
+            <a:off x="4449973" y="4032504"/>
+            <a:ext cx="448056" cy="457200"/>
+          </a:xfrm>
+          <a:prstGeom prst="arc">
+            <a:avLst/>
+          </a:prstGeom>
+          <a:ln w="38100">
+            <a:solidFill>
+              <a:schemeClr val="tx1"/>
+            </a:solidFill>
+          </a:ln>
+        </p:spPr>
+        <p:style>
+          <a:lnRef idx="1">
+            <a:schemeClr val="accent1"/>
+          </a:lnRef>
+          <a:fillRef idx="0">
+            <a:schemeClr val="accent1"/>
+          </a:fillRef>
+          <a:effectRef idx="0">
+            <a:schemeClr val="accent1"/>
+          </a:effectRef>
+          <a:fontRef idx="minor">
+            <a:schemeClr val="tx1"/>
+          </a:fontRef>
+        </p:style>
+        <p:txBody>
+          <a:bodyPr rtlCol="0" anchor="ctr"/>
+          <a:lstStyle/>
+          <a:p>
+            <a:pPr algn="ctr"/>
+            <a:endParaRPr lang="en-US">
+              <a:noFill/>
+            </a:endParaRPr>
+          </a:p>
+        </p:txBody>
+      </p:sp>
+      <mc:AlternateContent xmlns:mc="http://schemas.openxmlformats.org/markup-compatibility/2006" xmlns:a14="http://schemas.microsoft.com/office/drawing/2010/main">
+        <mc:Choice Requires="a14">
+          <p:sp>
+            <p:nvSpPr>
+              <p:cNvPr id="7" name="TextBox 6">
+                <a:extLst>
+                  <a:ext uri="{FF2B5EF4-FFF2-40B4-BE49-F238E27FC236}">
+                    <a16:creationId xmlns:a16="http://schemas.microsoft.com/office/drawing/2014/main" id="{DE602E4C-E64A-AA4D-A08D-94669199A50C}"/>
+                  </a:ext>
+                </a:extLst>
+              </p:cNvPr>
+              <p:cNvSpPr txBox="1"/>
+              <p:nvPr/>
+            </p:nvSpPr>
+            <p:spPr>
+              <a:xfrm>
+                <a:off x="4127331" y="3904491"/>
+                <a:ext cx="367600" cy="338554"/>
+              </a:xfrm>
+              <a:prstGeom prst="rect">
+                <a:avLst/>
+              </a:prstGeom>
+              <a:noFill/>
+            </p:spPr>
+            <p:txBody>
+              <a:bodyPr wrap="none" lIns="0" tIns="0" rIns="0" bIns="0" rtlCol="0">
+                <a:spAutoFit/>
+              </a:bodyPr>
+              <a:lstStyle/>
+              <a:p>
+                <a:pPr/>
+                <a14:m>
+                  <m:oMathPara xmlns:m="http://schemas.openxmlformats.org/officeDocument/2006/math">
+                    <m:oMathParaPr>
+                      <m:jc m:val="centerGroup"/>
+                    </m:oMathParaPr>
+                    <m:oMath xmlns:m="http://schemas.openxmlformats.org/officeDocument/2006/math">
+                      <m:sSub>
+                        <m:sSubPr>
+                          <m:ctrlPr>
+                            <a:rPr lang="en-US" sz="2200" b="1" i="1" smtClean="0">
+                              <a:ln w="12700">
+                                <a:solidFill>
+                                  <a:schemeClr val="bg1"/>
+                                </a:solidFill>
+                              </a:ln>
+                              <a:latin typeface="Cambria Math" panose="02040503050406030204" pitchFamily="18" charset="0"/>
+                            </a:rPr>
+                          </m:ctrlPr>
+                        </m:sSubPr>
+                        <m:e>
+                          <m:r>
+                            <a:rPr lang="en-US" sz="2200" b="1" i="1" smtClean="0">
+                              <a:ln w="12700">
+                                <a:solidFill>
+                                  <a:schemeClr val="bg1"/>
+                                </a:solidFill>
+                              </a:ln>
+                              <a:latin typeface="Cambria Math" panose="02040503050406030204" pitchFamily="18" charset="0"/>
+                              <a:ea typeface="Cambria Math" panose="02040503050406030204" pitchFamily="18" charset="0"/>
+                            </a:rPr>
+                            <m:t>𝝓</m:t>
+                          </m:r>
+                        </m:e>
+                        <m:sub>
+                          <m:r>
+                            <a:rPr lang="nl-NL" sz="2200" b="1" i="1" smtClean="0">
+                              <a:ln w="12700">
+                                <a:solidFill>
+                                  <a:schemeClr val="bg1"/>
+                                </a:solidFill>
+                              </a:ln>
+                              <a:latin typeface="Cambria Math" panose="02040503050406030204" pitchFamily="18" charset="0"/>
+                            </a:rPr>
+                            <m:t>𝒊</m:t>
+                          </m:r>
+                        </m:sub>
+                      </m:sSub>
+                    </m:oMath>
+                  </m:oMathPara>
+                </a14:m>
+                <a:endParaRPr lang="en-US" sz="2200" b="1" dirty="0">
+                  <a:ln w="12700">
+                    <a:solidFill>
+                      <a:schemeClr val="bg1"/>
+                    </a:solidFill>
+                  </a:ln>
+                </a:endParaRPr>
+              </a:p>
+            </p:txBody>
+          </p:sp>
+        </mc:Choice>
+        <mc:Fallback xmlns="">
+          <p:sp>
+            <p:nvSpPr>
+              <p:cNvPr id="7" name="TextBox 6">
+                <a:extLst>
+                  <a:ext uri="{FF2B5EF4-FFF2-40B4-BE49-F238E27FC236}">
+                    <a16:creationId xmlns:a16="http://schemas.microsoft.com/office/drawing/2014/main" id="{DE602E4C-E64A-AA4D-A08D-94669199A50C}"/>
+                  </a:ext>
+                </a:extLst>
+              </p:cNvPr>
+              <p:cNvSpPr txBox="1">
+                <a:spLocks noRot="1" noChangeAspect="1" noMove="1" noResize="1" noEditPoints="1" noAdjustHandles="1" noChangeArrowheads="1" noChangeShapeType="1" noTextEdit="1"/>
+              </p:cNvSpPr>
+              <p:nvPr/>
+            </p:nvSpPr>
+            <p:spPr>
+              <a:xfrm>
+                <a:off x="4127331" y="3904491"/>
+                <a:ext cx="367600" cy="338554"/>
+              </a:xfrm>
+              <a:prstGeom prst="rect">
+                <a:avLst/>
+              </a:prstGeom>
+              <a:blipFill>
+                <a:blip r:embed="rId3"/>
+                <a:stretch>
+                  <a:fillRect/>
+                </a:stretch>
+              </a:blipFill>
+            </p:spPr>
+            <p:txBody>
+              <a:bodyPr/>
+              <a:lstStyle/>
+              <a:p>
+                <a:r>
+                  <a:rPr lang="en-US">
+                    <a:noFill/>
+                  </a:rPr>
+                  <a:t> </a:t>
+                </a:r>
+              </a:p>
+            </p:txBody>
+          </p:sp>
+        </mc:Fallback>
+      </mc:AlternateContent>
+      <mc:AlternateContent xmlns:mc="http://schemas.openxmlformats.org/markup-compatibility/2006" xmlns:a14="http://schemas.microsoft.com/office/drawing/2010/main">
+        <mc:Choice Requires="a14">
+          <p:sp>
+            <p:nvSpPr>
+              <p:cNvPr id="8" name="TextBox 7">
+                <a:extLst>
+                  <a:ext uri="{FF2B5EF4-FFF2-40B4-BE49-F238E27FC236}">
+                    <a16:creationId xmlns:a16="http://schemas.microsoft.com/office/drawing/2014/main" id="{22FD3E0F-A9BD-444C-B0AF-38E94ED6CDC5}"/>
+                  </a:ext>
+                </a:extLst>
+              </p:cNvPr>
+              <p:cNvSpPr txBox="1"/>
+              <p:nvPr/>
+            </p:nvSpPr>
+            <p:spPr>
+              <a:xfrm>
+                <a:off x="5180301" y="1140964"/>
+                <a:ext cx="303480" cy="338554"/>
+              </a:xfrm>
+              <a:prstGeom prst="rect">
+                <a:avLst/>
+              </a:prstGeom>
+              <a:noFill/>
+            </p:spPr>
+            <p:txBody>
+              <a:bodyPr wrap="none" lIns="0" tIns="0" rIns="0" bIns="0" rtlCol="0">
+                <a:spAutoFit/>
+              </a:bodyPr>
+              <a:lstStyle/>
+              <a:p>
+                <a:pPr/>
+                <a14:m>
+                  <m:oMathPara xmlns:m="http://schemas.openxmlformats.org/officeDocument/2006/math">
+                    <m:oMathParaPr>
+                      <m:jc m:val="centerGroup"/>
+                    </m:oMathParaPr>
+                    <m:oMath xmlns:m="http://schemas.openxmlformats.org/officeDocument/2006/math">
+                      <m:sSub>
+                        <m:sSubPr>
+                          <m:ctrlPr>
+                            <a:rPr lang="en-US" sz="2200" b="1" i="1" smtClean="0">
+                              <a:ln w="12700">
+                                <a:solidFill>
+                                  <a:schemeClr val="bg1"/>
+                                </a:solidFill>
+                              </a:ln>
+                              <a:latin typeface="Cambria Math" panose="02040503050406030204" pitchFamily="18" charset="0"/>
+                            </a:rPr>
+                          </m:ctrlPr>
+                        </m:sSubPr>
+                        <m:e>
+                          <m:r>
+                            <a:rPr lang="nl-NL" sz="2200" b="1" i="1" smtClean="0">
+                              <a:ln w="12700">
+                                <a:solidFill>
+                                  <a:schemeClr val="bg1"/>
+                                </a:solidFill>
+                              </a:ln>
+                              <a:latin typeface="Cambria Math" panose="02040503050406030204" pitchFamily="18" charset="0"/>
+                              <a:ea typeface="Cambria Math" panose="02040503050406030204" pitchFamily="18" charset="0"/>
+                            </a:rPr>
+                            <m:t>𝒓</m:t>
+                          </m:r>
+                        </m:e>
+                        <m:sub>
+                          <m:r>
+                            <a:rPr lang="nl-NL" sz="2200" b="1" i="1" smtClean="0">
+                              <a:ln w="12700">
+                                <a:solidFill>
+                                  <a:schemeClr val="bg1"/>
+                                </a:solidFill>
+                              </a:ln>
+                              <a:latin typeface="Cambria Math" panose="02040503050406030204" pitchFamily="18" charset="0"/>
+                            </a:rPr>
+                            <m:t>𝒊</m:t>
+                          </m:r>
+                        </m:sub>
+                      </m:sSub>
+                    </m:oMath>
+                  </m:oMathPara>
+                </a14:m>
+                <a:endParaRPr lang="en-US" sz="2200" b="1" dirty="0">
+                  <a:ln w="12700">
+                    <a:solidFill>
+                      <a:schemeClr val="bg1"/>
+                    </a:solidFill>
+                  </a:ln>
+                </a:endParaRPr>
+              </a:p>
+            </p:txBody>
+          </p:sp>
+        </mc:Choice>
+        <mc:Fallback xmlns="">
+          <p:sp>
+            <p:nvSpPr>
+              <p:cNvPr id="8" name="TextBox 7">
+                <a:extLst>
+                  <a:ext uri="{FF2B5EF4-FFF2-40B4-BE49-F238E27FC236}">
+                    <a16:creationId xmlns:a16="http://schemas.microsoft.com/office/drawing/2014/main" id="{22FD3E0F-A9BD-444C-B0AF-38E94ED6CDC5}"/>
+                  </a:ext>
+                </a:extLst>
+              </p:cNvPr>
+              <p:cNvSpPr txBox="1">
+                <a:spLocks noRot="1" noChangeAspect="1" noMove="1" noResize="1" noEditPoints="1" noAdjustHandles="1" noChangeArrowheads="1" noChangeShapeType="1" noTextEdit="1"/>
+              </p:cNvSpPr>
+              <p:nvPr/>
+            </p:nvSpPr>
+            <p:spPr>
+              <a:xfrm>
+                <a:off x="5180301" y="1140964"/>
+                <a:ext cx="303480" cy="338554"/>
+              </a:xfrm>
+              <a:prstGeom prst="rect">
+                <a:avLst/>
+              </a:prstGeom>
+              <a:blipFill>
+                <a:blip r:embed="rId4"/>
+                <a:stretch>
+                  <a:fillRect/>
+                </a:stretch>
+              </a:blipFill>
+            </p:spPr>
+            <p:txBody>
+              <a:bodyPr/>
+              <a:lstStyle/>
+              <a:p>
+                <a:r>
+                  <a:rPr lang="en-US">
+                    <a:noFill/>
+                  </a:rPr>
+                  <a:t> </a:t>
+                </a:r>
+              </a:p>
+            </p:txBody>
+          </p:sp>
+        </mc:Fallback>
+      </mc:AlternateContent>
+      <p:sp>
+        <p:nvSpPr>
+          <p:cNvPr id="9" name="Right Triangle 8">
+            <a:extLst>
+              <a:ext uri="{FF2B5EF4-FFF2-40B4-BE49-F238E27FC236}">
+                <a16:creationId xmlns:a16="http://schemas.microsoft.com/office/drawing/2014/main" id="{C15832ED-7FB8-3544-B5EB-FAC75F196162}"/>
+              </a:ext>
+            </a:extLst>
+          </p:cNvPr>
+          <p:cNvSpPr/>
+          <p:nvPr/>
+        </p:nvSpPr>
+        <p:spPr>
+          <a:xfrm flipV="1">
+            <a:off x="4558937" y="1627630"/>
+            <a:ext cx="1146919" cy="3008375"/>
+          </a:xfrm>
+          <a:prstGeom prst="rtTriangle">
+            <a:avLst/>
+          </a:prstGeom>
+          <a:noFill/>
+          <a:ln w="57150">
+            <a:solidFill>
+              <a:schemeClr val="tx1"/>
+            </a:solidFill>
+            <a:prstDash val="sysDot"/>
+          </a:ln>
+        </p:spPr>
+        <p:style>
+          <a:lnRef idx="2">
+            <a:schemeClr val="accent1">
+              <a:shade val="50000"/>
+            </a:schemeClr>
+          </a:lnRef>
+          <a:fillRef idx="1">
+            <a:schemeClr val="accent1"/>
+          </a:fillRef>
+          <a:effectRef idx="0">
+            <a:schemeClr val="accent1"/>
+          </a:effectRef>
+          <a:fontRef idx="minor">
+            <a:schemeClr val="lt1"/>
+          </a:fontRef>
+        </p:style>
+        <p:txBody>
+          <a:bodyPr rtlCol="0" anchor="ctr"/>
+          <a:lstStyle/>
+          <a:p>
+            <a:pPr algn="ctr"/>
+            <a:endParaRPr lang="en-US"/>
+          </a:p>
+        </p:txBody>
+      </p:sp>
+    </p:spTree>
+    <p:extLst>
+      <p:ext uri="{BB962C8B-B14F-4D97-AF65-F5344CB8AC3E}">
+        <p14:creationId xmlns:p14="http://schemas.microsoft.com/office/powerpoint/2010/main" val="1379310238"/>
+      </p:ext>
+    </p:extLst>
+  </p:cSld>
+  <p:clrMapOvr>
+    <a:masterClrMapping/>
+  </p:clrMapOvr>
+</p:sld>
+</file>
+
+<file path=ppt/slides/slide3.xml><?xml version="1.0" encoding="utf-8"?>
+<p:sld xmlns:a="http://schemas.openxmlformats.org/drawingml/2006/main" xmlns:r="http://schemas.openxmlformats.org/officeDocument/2006/relationships" xmlns:p="http://schemas.openxmlformats.org/presentationml/2006/main">
+  <p:cSld>
+    <p:spTree>
+      <p:nvGrpSpPr>
+        <p:cNvPr id="1" name=""/>
+        <p:cNvGrpSpPr/>
+        <p:nvPr/>
+      </p:nvGrpSpPr>
+      <p:grpSpPr>
+        <a:xfrm>
+          <a:off x="0" y="0"/>
+          <a:ext cx="0" cy="0"/>
+          <a:chOff x="0" y="0"/>
+          <a:chExt cx="0" cy="0"/>
+        </a:xfrm>
+      </p:grpSpPr>
+      <p:graphicFrame>
+        <p:nvGraphicFramePr>
+          <p:cNvPr id="4" name="Table 3">
+            <a:extLst>
+              <a:ext uri="{FF2B5EF4-FFF2-40B4-BE49-F238E27FC236}">
+                <a16:creationId xmlns:a16="http://schemas.microsoft.com/office/drawing/2014/main" id="{8ED00E82-5432-3A48-BC03-6AF5C47D2DD9}"/>
+              </a:ext>
+            </a:extLst>
+          </p:cNvPr>
+          <p:cNvGraphicFramePr>
+            <a:graphicFrameLocks noGrp="1"/>
+          </p:cNvGraphicFramePr>
+          <p:nvPr>
+            <p:extLst>
+              <p:ext uri="{D42A27DB-BD31-4B8C-83A1-F6EECF244321}">
+                <p14:modId xmlns:p14="http://schemas.microsoft.com/office/powerpoint/2010/main" val="4132801630"/>
+              </p:ext>
+            </p:extLst>
+          </p:nvPr>
+        </p:nvGraphicFramePr>
+        <p:xfrm>
+          <a:off x="1205522" y="543655"/>
+          <a:ext cx="9720000" cy="5400000"/>
+        </p:xfrm>
+        <a:graphic>
+          <a:graphicData uri="http://schemas.openxmlformats.org/drawingml/2006/table">
+            <a:tbl>
+              <a:tblPr firstRow="1" bandRow="1">
+                <a:effectLst>
+                  <a:outerShdw blurRad="50800" dist="38100" dir="2700000" algn="tl" rotWithShape="0">
+                    <a:prstClr val="black">
+                      <a:alpha val="40000"/>
+                    </a:prstClr>
+                  </a:outerShdw>
+                </a:effectLst>
+                <a:tableStyleId>{5C22544A-7EE6-4342-B048-85BDC9FD1C3A}</a:tableStyleId>
+              </a:tblPr>
+              <a:tblGrid>
+                <a:gridCol w="3240000">
+                  <a:extLst>
+                    <a:ext uri="{9D8B030D-6E8A-4147-A177-3AD203B41FA5}">
+                      <a16:colId xmlns:a16="http://schemas.microsoft.com/office/drawing/2014/main" val="3448364002"/>
+                    </a:ext>
+                  </a:extLst>
+                </a:gridCol>
+                <a:gridCol w="3240000">
+                  <a:extLst>
+                    <a:ext uri="{9D8B030D-6E8A-4147-A177-3AD203B41FA5}">
+                      <a16:colId xmlns:a16="http://schemas.microsoft.com/office/drawing/2014/main" val="295263896"/>
+                    </a:ext>
+                  </a:extLst>
+                </a:gridCol>
+                <a:gridCol w="3240000">
+                  <a:extLst>
+                    <a:ext uri="{9D8B030D-6E8A-4147-A177-3AD203B41FA5}">
+                      <a16:colId xmlns:a16="http://schemas.microsoft.com/office/drawing/2014/main" val="3264412198"/>
+                    </a:ext>
+                  </a:extLst>
+                </a:gridCol>
+              </a:tblGrid>
+              <a:tr h="900000">
+                <a:tc gridSpan="3">
+                  <a:txBody>
+                    <a:bodyPr/>
+                    <a:lstStyle/>
+                    <a:p>
+                      <a:pPr algn="ctr"/>
+                      <a:r>
+                        <a:rPr lang="en-US" sz="3200" b="1" dirty="0">
+                          <a:ln w="12700">
+                            <a:noFill/>
+                          </a:ln>
+                          <a:solidFill>
+                            <a:schemeClr val="tx1"/>
+                          </a:solidFill>
+                          <a:latin typeface="Arial" panose="020B0604020202020204" pitchFamily="34" charset="0"/>
+                          <a:cs typeface="Arial" panose="020B0604020202020204" pitchFamily="34" charset="0"/>
+                        </a:rPr>
+                        <a:t>The </a:t>
+                      </a:r>
+                      <a:r>
+                        <a:rPr lang="en-US" sz="3200" b="1" dirty="0" err="1">
+                          <a:ln w="12700">
+                            <a:noFill/>
+                          </a:ln>
+                          <a:solidFill>
+                            <a:schemeClr val="tx1"/>
+                          </a:solidFill>
+                          <a:latin typeface="Arial" panose="020B0604020202020204" pitchFamily="34" charset="0"/>
+                          <a:cs typeface="Arial" panose="020B0604020202020204" pitchFamily="34" charset="0"/>
+                        </a:rPr>
+                        <a:t>CAT.Database</a:t>
+                      </a:r>
+                      <a:r>
+                        <a:rPr lang="en-US" sz="3200" b="1" dirty="0">
+                          <a:ln w="12700">
+                            <a:noFill/>
+                          </a:ln>
+                          <a:solidFill>
+                            <a:schemeClr val="tx1"/>
+                          </a:solidFill>
+                          <a:latin typeface="Arial" panose="020B0604020202020204" pitchFamily="34" charset="0"/>
+                          <a:cs typeface="Arial" panose="020B0604020202020204" pitchFamily="34" charset="0"/>
+                        </a:rPr>
+                        <a:t> class</a:t>
+                      </a:r>
+                    </a:p>
+                  </a:txBody>
+                  <a:tcPr anchor="ctr">
+                    <a:lnL w="12700" cap="flat" cmpd="sng" algn="ctr">
+                      <a:solidFill>
+                        <a:schemeClr val="tx1"/>
+                      </a:solidFill>
+                      <a:prstDash val="solid"/>
+                      <a:round/>
+                      <a:headEnd type="none" w="med" len="med"/>
+                      <a:tailEnd type="none" w="med" len="med"/>
+                    </a:lnL>
+                    <a:lnR w="12700" cap="flat" cmpd="sng" algn="ctr">
+                      <a:solidFill>
+                        <a:schemeClr val="tx1"/>
+                      </a:solidFill>
+                      <a:prstDash val="solid"/>
+                      <a:round/>
+                      <a:headEnd type="none" w="med" len="med"/>
+                      <a:tailEnd type="none" w="med" len="med"/>
+                    </a:lnR>
+                    <a:lnT w="12700" cap="flat" cmpd="sng" algn="ctr">
+                      <a:solidFill>
+                        <a:schemeClr val="tx1"/>
+                      </a:solidFill>
+                      <a:prstDash val="solid"/>
+                      <a:round/>
+                      <a:headEnd type="none" w="med" len="med"/>
+                      <a:tailEnd type="none" w="med" len="med"/>
+                    </a:lnT>
+                    <a:lnB w="12700" cap="flat" cmpd="sng" algn="ctr">
+                      <a:solidFill>
+                        <a:schemeClr val="tx1"/>
+                      </a:solidFill>
+                      <a:prstDash val="solid"/>
+                      <a:round/>
+                      <a:headEnd type="none" w="med" len="med"/>
+                      <a:tailEnd type="none" w="med" len="med"/>
+                    </a:lnB>
+                    <a:lnTlToBr w="12700" cmpd="sng">
+                      <a:noFill/>
+                      <a:prstDash val="solid"/>
+                    </a:lnTlToBr>
+                    <a:lnBlToTr w="12700" cmpd="sng">
+                      <a:noFill/>
+                      <a:prstDash val="solid"/>
+                    </a:lnBlToTr>
+                    <a:solidFill>
+                      <a:srgbClr val="FCFCFC"/>
+                    </a:solidFill>
+                  </a:tcPr>
+                </a:tc>
+                <a:tc hMerge="1">
+                  <a:txBody>
+                    <a:bodyPr/>
+                    <a:lstStyle/>
+                    <a:p>
+                      <a:endParaRPr lang="en-US" dirty="0"/>
+                    </a:p>
+                  </a:txBody>
+                  <a:tcPr/>
+                </a:tc>
+                <a:tc hMerge="1">
+                  <a:txBody>
+                    <a:bodyPr/>
+                    <a:lstStyle/>
+                    <a:p>
+                      <a:endParaRPr lang="en-US" dirty="0"/>
+                    </a:p>
+                  </a:txBody>
+                  <a:tcPr/>
+                </a:tc>
+                <a:extLst>
+                  <a:ext uri="{0D108BD9-81ED-4DB2-BD59-A6C34878D82A}">
+                    <a16:rowId xmlns:a16="http://schemas.microsoft.com/office/drawing/2014/main" val="900944559"/>
+                  </a:ext>
+                </a:extLst>
+              </a:tr>
+              <a:tr h="900000">
+                <a:tc>
+                  <a:txBody>
+                    <a:bodyPr/>
+                    <a:lstStyle/>
+                    <a:p>
+                      <a:pPr algn="l"/>
+                      <a:endParaRPr lang="en-US" b="0" dirty="0">
+                        <a:ln w="6350">
+                          <a:noFill/>
+                        </a:ln>
+                        <a:solidFill>
+                          <a:schemeClr val="tx1"/>
+                        </a:solidFill>
+                        <a:latin typeface="Arial" panose="020B0604020202020204" pitchFamily="34" charset="0"/>
+                        <a:cs typeface="Arial" panose="020B0604020202020204" pitchFamily="34" charset="0"/>
+                      </a:endParaRPr>
+                    </a:p>
+                  </a:txBody>
+                  <a:tcPr anchor="ctr">
+                    <a:lnL w="12700" cap="flat" cmpd="sng" algn="ctr">
+                      <a:solidFill>
+                        <a:schemeClr val="tx1"/>
+                      </a:solidFill>
+                      <a:prstDash val="solid"/>
+                      <a:round/>
+                      <a:headEnd type="none" w="med" len="med"/>
+                      <a:tailEnd type="none" w="med" len="med"/>
+                    </a:lnL>
+                    <a:lnR w="28575" cap="flat" cmpd="sng" algn="ctr">
+                      <a:solidFill>
+                        <a:schemeClr val="tx1"/>
+                      </a:solidFill>
+                      <a:prstDash val="solid"/>
+                      <a:round/>
+                      <a:headEnd type="none" w="med" len="med"/>
+                      <a:tailEnd type="none" w="med" len="med"/>
+                    </a:lnR>
+                    <a:lnT w="12700" cap="flat" cmpd="sng" algn="ctr">
+                      <a:solidFill>
+                        <a:schemeClr val="tx1"/>
+                      </a:solidFill>
+                      <a:prstDash val="solid"/>
+                      <a:round/>
+                      <a:headEnd type="none" w="med" len="med"/>
+                      <a:tailEnd type="none" w="med" len="med"/>
+                    </a:lnT>
+                    <a:lnB w="12700" cap="flat" cmpd="sng" algn="ctr">
+                      <a:noFill/>
+                      <a:prstDash val="solid"/>
+                      <a:round/>
+                      <a:headEnd type="none" w="med" len="med"/>
+                      <a:tailEnd type="none" w="med" len="med"/>
+                    </a:lnB>
+                    <a:lnTlToBr w="12700" cmpd="sng">
+                      <a:noFill/>
+                      <a:prstDash val="solid"/>
+                    </a:lnTlToBr>
+                    <a:lnBlToTr w="12700" cmpd="sng">
+                      <a:noFill/>
+                      <a:prstDash val="solid"/>
+                    </a:lnBlToTr>
+                    <a:solidFill>
+                      <a:srgbClr val="FCFCFC"/>
+                    </a:solidFill>
+                  </a:tcPr>
+                </a:tc>
+                <a:tc>
+                  <a:txBody>
+                    <a:bodyPr/>
+                    <a:lstStyle/>
+                    <a:p>
+                      <a:pPr algn="ctr"/>
+                      <a:r>
+                        <a:rPr lang="en-US" b="0" dirty="0">
+                          <a:ln w="6350">
+                            <a:noFill/>
+                          </a:ln>
+                          <a:solidFill>
+                            <a:schemeClr val="tx1"/>
+                          </a:solidFill>
+                          <a:latin typeface="Arial" panose="020B0604020202020204" pitchFamily="34" charset="0"/>
+                          <a:cs typeface="Arial" panose="020B0604020202020204" pitchFamily="34" charset="0"/>
+                        </a:rPr>
+                        <a:t>/path/to/my/database/files/</a:t>
+                      </a:r>
+                    </a:p>
+                  </a:txBody>
+                  <a:tcPr anchor="ctr">
+                    <a:lnL w="28575" cap="flat" cmpd="sng" algn="ctr">
+                      <a:solidFill>
+                        <a:schemeClr val="tx1"/>
+                      </a:solidFill>
+                      <a:prstDash val="solid"/>
+                      <a:round/>
+                      <a:headEnd type="none" w="med" len="med"/>
+                      <a:tailEnd type="none" w="med" len="med"/>
+                    </a:lnL>
+                    <a:lnR w="28575" cap="flat" cmpd="sng" algn="ctr">
+                      <a:solidFill>
+                        <a:schemeClr val="tx1"/>
+                      </a:solidFill>
+                      <a:prstDash val="solid"/>
+                      <a:round/>
+                      <a:headEnd type="none" w="med" len="med"/>
+                      <a:tailEnd type="none" w="med" len="med"/>
+                    </a:lnR>
+                    <a:lnT w="28575" cap="flat" cmpd="sng" algn="ctr">
+                      <a:solidFill>
+                        <a:schemeClr val="tx1"/>
+                      </a:solidFill>
+                      <a:prstDash val="solid"/>
+                      <a:round/>
+                      <a:headEnd type="none" w="med" len="med"/>
+                      <a:tailEnd type="none" w="med" len="med"/>
+                    </a:lnT>
+                    <a:lnB w="28575" cap="flat" cmpd="sng" algn="ctr">
+                      <a:solidFill>
+                        <a:schemeClr val="tx1"/>
+                      </a:solidFill>
+                      <a:prstDash val="solid"/>
+                      <a:round/>
+                      <a:headEnd type="none" w="med" len="med"/>
+                      <a:tailEnd type="none" w="med" len="med"/>
+                    </a:lnB>
+                    <a:lnTlToBr w="12700" cmpd="sng">
+                      <a:noFill/>
+                      <a:prstDash val="solid"/>
+                    </a:lnTlToBr>
+                    <a:lnBlToTr w="12700" cmpd="sng">
+                      <a:noFill/>
+                      <a:prstDash val="solid"/>
+                    </a:lnBlToTr>
+                    <a:solidFill>
+                      <a:srgbClr val="F3F7F6"/>
+                    </a:solidFill>
+                  </a:tcPr>
+                </a:tc>
+                <a:tc>
+                  <a:txBody>
+                    <a:bodyPr/>
+                    <a:lstStyle/>
+                    <a:p>
+                      <a:pPr algn="r"/>
+                      <a:endParaRPr lang="en-US" b="0" dirty="0">
+                        <a:ln w="6350">
+                          <a:noFill/>
+                        </a:ln>
+                        <a:solidFill>
+                          <a:schemeClr val="tx1"/>
+                        </a:solidFill>
+                        <a:latin typeface="Arial" panose="020B0604020202020204" pitchFamily="34" charset="0"/>
+                        <a:cs typeface="Arial" panose="020B0604020202020204" pitchFamily="34" charset="0"/>
+                      </a:endParaRPr>
+                    </a:p>
+                  </a:txBody>
+                  <a:tcPr anchor="ctr">
+                    <a:lnL w="28575" cap="flat" cmpd="sng" algn="ctr">
+                      <a:solidFill>
+                        <a:schemeClr val="tx1"/>
+                      </a:solidFill>
+                      <a:prstDash val="solid"/>
+                      <a:round/>
+                      <a:headEnd type="none" w="med" len="med"/>
+                      <a:tailEnd type="none" w="med" len="med"/>
+                    </a:lnL>
+                    <a:lnR w="12700" cap="flat" cmpd="sng" algn="ctr">
+                      <a:solidFill>
+                        <a:schemeClr val="tx1"/>
+                      </a:solidFill>
+                      <a:prstDash val="solid"/>
+                      <a:round/>
+                      <a:headEnd type="none" w="med" len="med"/>
+                      <a:tailEnd type="none" w="med" len="med"/>
+                    </a:lnR>
+                    <a:lnT w="12700" cap="flat" cmpd="sng" algn="ctr">
+                      <a:solidFill>
+                        <a:schemeClr val="tx1"/>
+                      </a:solidFill>
+                      <a:prstDash val="solid"/>
+                      <a:round/>
+                      <a:headEnd type="none" w="med" len="med"/>
+                      <a:tailEnd type="none" w="med" len="med"/>
+                    </a:lnT>
+                    <a:lnB w="12700" cap="flat" cmpd="sng" algn="ctr">
+                      <a:noFill/>
+                      <a:prstDash val="solid"/>
+                      <a:round/>
+                      <a:headEnd type="none" w="med" len="med"/>
+                      <a:tailEnd type="none" w="med" len="med"/>
+                    </a:lnB>
+                    <a:lnTlToBr w="12700" cmpd="sng">
+                      <a:noFill/>
+                      <a:prstDash val="solid"/>
+                    </a:lnTlToBr>
+                    <a:lnBlToTr w="12700" cmpd="sng">
+                      <a:noFill/>
+                      <a:prstDash val="solid"/>
+                    </a:lnBlToTr>
+                    <a:solidFill>
+                      <a:srgbClr val="FCFCFC"/>
+                    </a:solidFill>
+                  </a:tcPr>
+                </a:tc>
+                <a:extLst>
+                  <a:ext uri="{0D108BD9-81ED-4DB2-BD59-A6C34878D82A}">
+                    <a16:rowId xmlns:a16="http://schemas.microsoft.com/office/drawing/2014/main" val="2284748222"/>
+                  </a:ext>
+                </a:extLst>
+              </a:tr>
+              <a:tr h="900000">
+                <a:tc>
+                  <a:txBody>
+                    <a:bodyPr/>
+                    <a:lstStyle/>
+                    <a:p>
+                      <a:pPr marL="0" marR="0" lvl="0" indent="0" algn="l" defTabSz="914400" rtl="0" eaLnBrk="1" fontAlgn="auto" latinLnBrk="0" hangingPunct="1">
+                        <a:lnSpc>
+                          <a:spcPct val="100000"/>
+                        </a:lnSpc>
+                        <a:spcBef>
+                          <a:spcPts val="0"/>
+                        </a:spcBef>
+                        <a:spcAft>
+                          <a:spcPts val="0"/>
+                        </a:spcAft>
+                        <a:buClrTx/>
+                        <a:buSzTx/>
+                        <a:buFontTx/>
+                        <a:buNone/>
+                        <a:tabLst/>
+                        <a:defRPr/>
+                      </a:pPr>
+                      <a:r>
+                        <a:rPr lang="en-US" b="0" dirty="0" err="1">
+                          <a:ln w="6350">
+                            <a:noFill/>
+                          </a:ln>
+                          <a:solidFill>
+                            <a:schemeClr val="tx1"/>
+                          </a:solidFill>
+                          <a:latin typeface="Arial" panose="020B0604020202020204" pitchFamily="34" charset="0"/>
+                          <a:cs typeface="Arial" panose="020B0604020202020204" pitchFamily="34" charset="0"/>
+                        </a:rPr>
+                        <a:t>Database.close</a:t>
+                      </a:r>
+                      <a:r>
+                        <a:rPr lang="en-US" b="0" dirty="0">
+                          <a:ln w="6350">
+                            <a:noFill/>
+                          </a:ln>
+                          <a:solidFill>
+                            <a:schemeClr val="tx1"/>
+                          </a:solidFill>
+                          <a:latin typeface="Arial" panose="020B0604020202020204" pitchFamily="34" charset="0"/>
+                          <a:cs typeface="Arial" panose="020B0604020202020204" pitchFamily="34" charset="0"/>
+                        </a:rPr>
+                        <a:t>_…()</a:t>
+                      </a:r>
+                    </a:p>
+                    <a:p>
+                      <a:pPr algn="l"/>
+                      <a:endParaRPr lang="en-US" b="0" dirty="0">
+                        <a:ln w="6350">
+                          <a:noFill/>
+                        </a:ln>
+                        <a:solidFill>
+                          <a:schemeClr val="tx1"/>
+                        </a:solidFill>
+                        <a:latin typeface="Arial" panose="020B0604020202020204" pitchFamily="34" charset="0"/>
+                        <a:cs typeface="Arial" panose="020B0604020202020204" pitchFamily="34" charset="0"/>
+                      </a:endParaRPr>
+                    </a:p>
+                  </a:txBody>
+                  <a:tcPr anchor="ctr">
+                    <a:lnL w="12700" cap="flat" cmpd="sng" algn="ctr">
+                      <a:solidFill>
+                        <a:schemeClr val="tx1"/>
+                      </a:solidFill>
+                      <a:prstDash val="solid"/>
+                      <a:round/>
+                      <a:headEnd type="none" w="med" len="med"/>
+                      <a:tailEnd type="none" w="med" len="med"/>
+                    </a:lnL>
+                    <a:lnR w="12700" cap="flat" cmpd="sng" algn="ctr">
+                      <a:noFill/>
+                      <a:prstDash val="solid"/>
+                      <a:round/>
+                      <a:headEnd type="none" w="med" len="med"/>
+                      <a:tailEnd type="none" w="med" len="med"/>
+                    </a:lnR>
+                    <a:lnT w="12700" cap="flat" cmpd="sng" algn="ctr">
+                      <a:noFill/>
+                      <a:prstDash val="solid"/>
+                      <a:round/>
+                      <a:headEnd type="none" w="med" len="med"/>
+                      <a:tailEnd type="none" w="med" len="med"/>
+                    </a:lnT>
+                    <a:lnB w="12700" cap="flat" cmpd="sng" algn="ctr">
+                      <a:noFill/>
+                      <a:prstDash val="solid"/>
+                      <a:round/>
+                      <a:headEnd type="none" w="med" len="med"/>
+                      <a:tailEnd type="none" w="med" len="med"/>
+                    </a:lnB>
+                    <a:lnTlToBr w="12700" cmpd="sng">
+                      <a:noFill/>
+                      <a:prstDash val="solid"/>
+                    </a:lnTlToBr>
+                    <a:lnBlToTr w="12700" cmpd="sng">
+                      <a:noFill/>
+                      <a:prstDash val="solid"/>
+                    </a:lnBlToTr>
+                    <a:solidFill>
+                      <a:srgbClr val="FCFCFC"/>
+                    </a:solidFill>
+                  </a:tcPr>
+                </a:tc>
+                <a:tc>
+                  <a:txBody>
+                    <a:bodyPr/>
+                    <a:lstStyle/>
+                    <a:p>
+                      <a:pPr algn="ctr"/>
+                      <a:endParaRPr lang="en-US" b="0" dirty="0">
+                        <a:ln w="6350">
+                          <a:noFill/>
+                        </a:ln>
+                        <a:solidFill>
+                          <a:schemeClr val="tx1"/>
+                        </a:solidFill>
+                        <a:latin typeface="Arial" panose="020B0604020202020204" pitchFamily="34" charset="0"/>
+                        <a:cs typeface="Arial" panose="020B0604020202020204" pitchFamily="34" charset="0"/>
+                      </a:endParaRPr>
+                    </a:p>
+                  </a:txBody>
+                  <a:tcPr anchor="ctr">
+                    <a:lnL w="12700" cap="flat" cmpd="sng" algn="ctr">
+                      <a:noFill/>
+                      <a:prstDash val="solid"/>
+                      <a:round/>
+                      <a:headEnd type="none" w="med" len="med"/>
+                      <a:tailEnd type="none" w="med" len="med"/>
+                    </a:lnL>
+                    <a:lnR w="12700" cap="flat" cmpd="sng" algn="ctr">
+                      <a:noFill/>
+                      <a:prstDash val="solid"/>
+                      <a:round/>
+                      <a:headEnd type="none" w="med" len="med"/>
+                      <a:tailEnd type="none" w="med" len="med"/>
+                    </a:lnR>
+                    <a:lnT w="28575" cap="flat" cmpd="sng" algn="ctr">
+                      <a:solidFill>
+                        <a:schemeClr val="tx1"/>
+                      </a:solidFill>
+                      <a:prstDash val="solid"/>
+                      <a:round/>
+                      <a:headEnd type="none" w="med" len="med"/>
+                      <a:tailEnd type="none" w="med" len="med"/>
+                    </a:lnT>
+                    <a:lnB w="28575" cap="flat" cmpd="sng" algn="ctr">
+                      <a:solidFill>
+                        <a:schemeClr val="tx1"/>
+                      </a:solidFill>
+                      <a:prstDash val="solid"/>
+                      <a:round/>
+                      <a:headEnd type="none" w="med" len="med"/>
+                      <a:tailEnd type="none" w="med" len="med"/>
+                    </a:lnB>
+                    <a:lnTlToBr w="12700" cmpd="sng">
+                      <a:noFill/>
+                      <a:prstDash val="solid"/>
+                    </a:lnTlToBr>
+                    <a:lnBlToTr w="12700" cmpd="sng">
+                      <a:noFill/>
+                      <a:prstDash val="solid"/>
+                    </a:lnBlToTr>
+                    <a:solidFill>
+                      <a:srgbClr val="FCFCFC"/>
+                    </a:solidFill>
+                  </a:tcPr>
+                </a:tc>
+                <a:tc>
+                  <a:txBody>
+                    <a:bodyPr/>
+                    <a:lstStyle/>
+                    <a:p>
+                      <a:pPr algn="r"/>
+                      <a:r>
+                        <a:rPr lang="en-US" b="0" dirty="0" err="1">
+                          <a:ln w="6350">
+                            <a:noFill/>
+                          </a:ln>
+                          <a:solidFill>
+                            <a:schemeClr val="tx1"/>
+                          </a:solidFill>
+                          <a:latin typeface="Arial" panose="020B0604020202020204" pitchFamily="34" charset="0"/>
+                          <a:cs typeface="Arial" panose="020B0604020202020204" pitchFamily="34" charset="0"/>
+                        </a:rPr>
+                        <a:t>Database.open</a:t>
+                      </a:r>
+                      <a:r>
+                        <a:rPr lang="en-US" b="0" dirty="0">
+                          <a:ln w="6350">
+                            <a:noFill/>
+                          </a:ln>
+                          <a:solidFill>
+                            <a:schemeClr val="tx1"/>
+                          </a:solidFill>
+                          <a:latin typeface="Arial" panose="020B0604020202020204" pitchFamily="34" charset="0"/>
+                          <a:cs typeface="Arial" panose="020B0604020202020204" pitchFamily="34" charset="0"/>
+                        </a:rPr>
+                        <a:t>_…()</a:t>
+                      </a:r>
+                    </a:p>
+                  </a:txBody>
+                  <a:tcPr anchor="ctr">
+                    <a:lnL w="12700" cap="flat" cmpd="sng" algn="ctr">
+                      <a:noFill/>
+                      <a:prstDash val="solid"/>
+                      <a:round/>
+                      <a:headEnd type="none" w="med" len="med"/>
+                      <a:tailEnd type="none" w="med" len="med"/>
+                    </a:lnL>
+                    <a:lnR w="12700" cap="flat" cmpd="sng" algn="ctr">
+                      <a:solidFill>
+                        <a:schemeClr val="tx1"/>
+                      </a:solidFill>
+                      <a:prstDash val="solid"/>
+                      <a:round/>
+                      <a:headEnd type="none" w="med" len="med"/>
+                      <a:tailEnd type="none" w="med" len="med"/>
+                    </a:lnR>
+                    <a:lnT w="12700" cap="flat" cmpd="sng" algn="ctr">
+                      <a:noFill/>
+                      <a:prstDash val="solid"/>
+                      <a:round/>
+                      <a:headEnd type="none" w="med" len="med"/>
+                      <a:tailEnd type="none" w="med" len="med"/>
+                    </a:lnT>
+                    <a:lnB w="12700" cap="flat" cmpd="sng" algn="ctr">
+                      <a:noFill/>
+                      <a:prstDash val="solid"/>
+                      <a:round/>
+                      <a:headEnd type="none" w="med" len="med"/>
+                      <a:tailEnd type="none" w="med" len="med"/>
+                    </a:lnB>
+                    <a:lnTlToBr w="12700" cmpd="sng">
+                      <a:noFill/>
+                      <a:prstDash val="solid"/>
+                    </a:lnTlToBr>
+                    <a:lnBlToTr w="12700" cmpd="sng">
+                      <a:noFill/>
+                      <a:prstDash val="solid"/>
+                    </a:lnBlToTr>
+                    <a:solidFill>
+                      <a:srgbClr val="FCFCFC"/>
+                    </a:solidFill>
+                  </a:tcPr>
+                </a:tc>
+                <a:extLst>
+                  <a:ext uri="{0D108BD9-81ED-4DB2-BD59-A6C34878D82A}">
+                    <a16:rowId xmlns:a16="http://schemas.microsoft.com/office/drawing/2014/main" val="2700188947"/>
+                  </a:ext>
+                </a:extLst>
+              </a:tr>
+              <a:tr h="900000">
+                <a:tc>
+                  <a:txBody>
+                    <a:bodyPr/>
+                    <a:lstStyle/>
+                    <a:p>
+                      <a:pPr algn="l"/>
+                      <a:endParaRPr lang="en-US" b="0" dirty="0">
+                        <a:ln w="6350">
+                          <a:noFill/>
+                        </a:ln>
+                        <a:solidFill>
+                          <a:schemeClr val="tx1"/>
+                        </a:solidFill>
+                        <a:latin typeface="Arial" panose="020B0604020202020204" pitchFamily="34" charset="0"/>
+                        <a:cs typeface="Arial" panose="020B0604020202020204" pitchFamily="34" charset="0"/>
+                      </a:endParaRPr>
+                    </a:p>
+                  </a:txBody>
+                  <a:tcPr anchor="ctr">
+                    <a:lnL w="12700" cap="flat" cmpd="sng" algn="ctr">
+                      <a:solidFill>
+                        <a:schemeClr val="tx1"/>
+                      </a:solidFill>
+                      <a:prstDash val="solid"/>
+                      <a:round/>
+                      <a:headEnd type="none" w="med" len="med"/>
+                      <a:tailEnd type="none" w="med" len="med"/>
+                    </a:lnL>
+                    <a:lnR w="28575" cap="flat" cmpd="sng" algn="ctr">
+                      <a:solidFill>
+                        <a:schemeClr val="tx1"/>
+                      </a:solidFill>
+                      <a:prstDash val="solid"/>
+                      <a:round/>
+                      <a:headEnd type="none" w="med" len="med"/>
+                      <a:tailEnd type="none" w="med" len="med"/>
+                    </a:lnR>
+                    <a:lnT w="12700" cap="flat" cmpd="sng" algn="ctr">
+                      <a:noFill/>
+                      <a:prstDash val="solid"/>
+                      <a:round/>
+                      <a:headEnd type="none" w="med" len="med"/>
+                      <a:tailEnd type="none" w="med" len="med"/>
+                    </a:lnT>
+                    <a:lnB w="12700" cap="flat" cmpd="sng" algn="ctr">
+                      <a:noFill/>
+                      <a:prstDash val="solid"/>
+                      <a:round/>
+                      <a:headEnd type="none" w="med" len="med"/>
+                      <a:tailEnd type="none" w="med" len="med"/>
+                    </a:lnB>
+                    <a:lnTlToBr w="12700" cmpd="sng">
+                      <a:noFill/>
+                      <a:prstDash val="solid"/>
+                    </a:lnTlToBr>
+                    <a:lnBlToTr w="12700" cmpd="sng">
+                      <a:noFill/>
+                      <a:prstDash val="solid"/>
+                    </a:lnBlToTr>
+                    <a:solidFill>
+                      <a:srgbClr val="FCFCFC"/>
+                    </a:solidFill>
+                  </a:tcPr>
+                </a:tc>
+                <a:tc>
+                  <a:txBody>
+                    <a:bodyPr/>
+                    <a:lstStyle/>
+                    <a:p>
+                      <a:pPr algn="ctr"/>
+                      <a:r>
+                        <a:rPr lang="en-US" b="0" dirty="0" err="1">
+                          <a:ln w="6350">
+                            <a:noFill/>
+                          </a:ln>
+                          <a:solidFill>
+                            <a:schemeClr val="tx1"/>
+                          </a:solidFill>
+                          <a:latin typeface="Arial" panose="020B0604020202020204" pitchFamily="34" charset="0"/>
+                          <a:cs typeface="Arial" panose="020B0604020202020204" pitchFamily="34" charset="0"/>
+                        </a:rPr>
+                        <a:t>CAT.Database</a:t>
+                      </a:r>
+                      <a:endParaRPr lang="en-US" b="0" dirty="0">
+                        <a:ln w="6350">
+                          <a:noFill/>
+                        </a:ln>
+                        <a:solidFill>
+                          <a:schemeClr val="tx1"/>
+                        </a:solidFill>
+                        <a:latin typeface="Arial" panose="020B0604020202020204" pitchFamily="34" charset="0"/>
+                        <a:cs typeface="Arial" panose="020B0604020202020204" pitchFamily="34" charset="0"/>
+                      </a:endParaRPr>
+                    </a:p>
+                  </a:txBody>
+                  <a:tcPr anchor="ctr">
+                    <a:lnL w="28575" cap="flat" cmpd="sng" algn="ctr">
+                      <a:solidFill>
+                        <a:schemeClr val="tx1"/>
+                      </a:solidFill>
+                      <a:prstDash val="solid"/>
+                      <a:round/>
+                      <a:headEnd type="none" w="med" len="med"/>
+                      <a:tailEnd type="none" w="med" len="med"/>
+                    </a:lnL>
+                    <a:lnR w="28575" cap="flat" cmpd="sng" algn="ctr">
+                      <a:solidFill>
+                        <a:schemeClr val="tx1"/>
+                      </a:solidFill>
+                      <a:prstDash val="solid"/>
+                      <a:round/>
+                      <a:headEnd type="none" w="med" len="med"/>
+                      <a:tailEnd type="none" w="med" len="med"/>
+                    </a:lnR>
+                    <a:lnT w="28575" cap="flat" cmpd="sng" algn="ctr">
+                      <a:solidFill>
+                        <a:schemeClr val="tx1"/>
+                      </a:solidFill>
+                      <a:prstDash val="solid"/>
+                      <a:round/>
+                      <a:headEnd type="none" w="med" len="med"/>
+                      <a:tailEnd type="none" w="med" len="med"/>
+                    </a:lnT>
+                    <a:lnB w="28575" cap="flat" cmpd="sng" algn="ctr">
+                      <a:solidFill>
+                        <a:schemeClr val="tx1"/>
+                      </a:solidFill>
+                      <a:prstDash val="solid"/>
+                      <a:round/>
+                      <a:headEnd type="none" w="med" len="med"/>
+                      <a:tailEnd type="none" w="med" len="med"/>
+                    </a:lnB>
+                    <a:lnTlToBr w="12700" cmpd="sng">
+                      <a:noFill/>
+                      <a:prstDash val="solid"/>
+                    </a:lnTlToBr>
+                    <a:lnBlToTr w="12700" cmpd="sng">
+                      <a:noFill/>
+                      <a:prstDash val="solid"/>
+                    </a:lnBlToTr>
+                    <a:solidFill>
+                      <a:srgbClr val="F3F7F6"/>
+                    </a:solidFill>
+                  </a:tcPr>
+                </a:tc>
+                <a:tc>
+                  <a:txBody>
+                    <a:bodyPr/>
+                    <a:lstStyle/>
+                    <a:p>
+                      <a:pPr algn="r"/>
+                      <a:endParaRPr lang="en-US" b="0" dirty="0">
+                        <a:ln w="6350">
+                          <a:noFill/>
+                        </a:ln>
+                        <a:solidFill>
+                          <a:schemeClr val="tx1"/>
+                        </a:solidFill>
+                        <a:latin typeface="Arial" panose="020B0604020202020204" pitchFamily="34" charset="0"/>
+                        <a:cs typeface="Arial" panose="020B0604020202020204" pitchFamily="34" charset="0"/>
+                      </a:endParaRPr>
+                    </a:p>
+                  </a:txBody>
+                  <a:tcPr anchor="ctr">
+                    <a:lnL w="28575" cap="flat" cmpd="sng" algn="ctr">
+                      <a:solidFill>
+                        <a:schemeClr val="tx1"/>
+                      </a:solidFill>
+                      <a:prstDash val="solid"/>
+                      <a:round/>
+                      <a:headEnd type="none" w="med" len="med"/>
+                      <a:tailEnd type="none" w="med" len="med"/>
+                    </a:lnL>
+                    <a:lnR w="12700" cap="flat" cmpd="sng" algn="ctr">
+                      <a:solidFill>
+                        <a:schemeClr val="tx1"/>
+                      </a:solidFill>
+                      <a:prstDash val="solid"/>
+                      <a:round/>
+                      <a:headEnd type="none" w="med" len="med"/>
+                      <a:tailEnd type="none" w="med" len="med"/>
+                    </a:lnR>
+                    <a:lnT w="12700" cap="flat" cmpd="sng" algn="ctr">
+                      <a:noFill/>
+                      <a:prstDash val="solid"/>
+                      <a:round/>
+                      <a:headEnd type="none" w="med" len="med"/>
+                      <a:tailEnd type="none" w="med" len="med"/>
+                    </a:lnT>
+                    <a:lnB w="12700" cap="flat" cmpd="sng" algn="ctr">
+                      <a:noFill/>
+                      <a:prstDash val="solid"/>
+                      <a:round/>
+                      <a:headEnd type="none" w="med" len="med"/>
+                      <a:tailEnd type="none" w="med" len="med"/>
+                    </a:lnB>
+                    <a:lnTlToBr w="12700" cmpd="sng">
+                      <a:noFill/>
+                      <a:prstDash val="solid"/>
+                    </a:lnTlToBr>
+                    <a:lnBlToTr w="12700" cmpd="sng">
+                      <a:noFill/>
+                      <a:prstDash val="solid"/>
+                    </a:lnBlToTr>
+                    <a:solidFill>
+                      <a:srgbClr val="FCFCFC"/>
+                    </a:solidFill>
+                  </a:tcPr>
+                </a:tc>
+                <a:extLst>
+                  <a:ext uri="{0D108BD9-81ED-4DB2-BD59-A6C34878D82A}">
+                    <a16:rowId xmlns:a16="http://schemas.microsoft.com/office/drawing/2014/main" val="1053945653"/>
+                  </a:ext>
+                </a:extLst>
+              </a:tr>
+              <a:tr h="900000">
+                <a:tc>
+                  <a:txBody>
+                    <a:bodyPr/>
+                    <a:lstStyle/>
+                    <a:p>
+                      <a:pPr marL="0" marR="0" lvl="0" indent="0" algn="l" defTabSz="914400" rtl="0" eaLnBrk="1" fontAlgn="auto" latinLnBrk="0" hangingPunct="1">
+                        <a:lnSpc>
+                          <a:spcPct val="100000"/>
+                        </a:lnSpc>
+                        <a:spcBef>
+                          <a:spcPts val="0"/>
+                        </a:spcBef>
+                        <a:spcAft>
+                          <a:spcPts val="0"/>
+                        </a:spcAft>
+                        <a:buClrTx/>
+                        <a:buSzTx/>
+                        <a:buFontTx/>
+                        <a:buNone/>
+                        <a:tabLst/>
+                        <a:defRPr/>
+                      </a:pPr>
+                      <a:r>
+                        <a:rPr lang="en-US" b="0" dirty="0" err="1">
+                          <a:ln w="6350">
+                            <a:noFill/>
+                          </a:ln>
+                          <a:solidFill>
+                            <a:schemeClr val="tx1"/>
+                          </a:solidFill>
+                          <a:latin typeface="Arial" panose="020B0604020202020204" pitchFamily="34" charset="0"/>
+                          <a:cs typeface="Arial" panose="020B0604020202020204" pitchFamily="34" charset="0"/>
+                        </a:rPr>
+                        <a:t>Database.update</a:t>
+                      </a:r>
+                      <a:r>
+                        <a:rPr lang="en-US" b="0" dirty="0">
+                          <a:ln w="6350">
+                            <a:noFill/>
+                          </a:ln>
+                          <a:solidFill>
+                            <a:schemeClr val="tx1"/>
+                          </a:solidFill>
+                          <a:latin typeface="Arial" panose="020B0604020202020204" pitchFamily="34" charset="0"/>
+                          <a:cs typeface="Arial" panose="020B0604020202020204" pitchFamily="34" charset="0"/>
+                        </a:rPr>
+                        <a:t>_…()</a:t>
+                      </a:r>
+                    </a:p>
+                  </a:txBody>
+                  <a:tcPr anchor="ctr">
+                    <a:lnL w="12700" cap="flat" cmpd="sng" algn="ctr">
+                      <a:solidFill>
+                        <a:schemeClr val="tx1"/>
+                      </a:solidFill>
+                      <a:prstDash val="solid"/>
+                      <a:round/>
+                      <a:headEnd type="none" w="med" len="med"/>
+                      <a:tailEnd type="none" w="med" len="med"/>
+                    </a:lnL>
+                    <a:lnR w="12700" cap="flat" cmpd="sng" algn="ctr">
+                      <a:noFill/>
+                      <a:prstDash val="solid"/>
+                      <a:round/>
+                      <a:headEnd type="none" w="med" len="med"/>
+                      <a:tailEnd type="none" w="med" len="med"/>
+                    </a:lnR>
+                    <a:lnT w="12700" cap="flat" cmpd="sng" algn="ctr">
+                      <a:noFill/>
+                      <a:prstDash val="solid"/>
+                      <a:round/>
+                      <a:headEnd type="none" w="med" len="med"/>
+                      <a:tailEnd type="none" w="med" len="med"/>
+                    </a:lnT>
+                    <a:lnB w="12700" cap="flat" cmpd="sng" algn="ctr">
+                      <a:noFill/>
+                      <a:prstDash val="solid"/>
+                      <a:round/>
+                      <a:headEnd type="none" w="med" len="med"/>
+                      <a:tailEnd type="none" w="med" len="med"/>
+                    </a:lnB>
+                    <a:lnTlToBr w="12700" cmpd="sng">
+                      <a:noFill/>
+                      <a:prstDash val="solid"/>
+                    </a:lnTlToBr>
+                    <a:lnBlToTr w="12700" cmpd="sng">
+                      <a:noFill/>
+                      <a:prstDash val="solid"/>
+                    </a:lnBlToTr>
+                    <a:solidFill>
+                      <a:srgbClr val="FCFCFC"/>
+                    </a:solidFill>
+                  </a:tcPr>
+                </a:tc>
+                <a:tc>
+                  <a:txBody>
+                    <a:bodyPr/>
+                    <a:lstStyle/>
+                    <a:p>
+                      <a:pPr algn="ctr"/>
+                      <a:endParaRPr lang="en-US" b="0" dirty="0">
+                        <a:ln w="6350">
+                          <a:noFill/>
+                        </a:ln>
+                        <a:solidFill>
+                          <a:schemeClr val="tx1"/>
+                        </a:solidFill>
+                        <a:latin typeface="Arial" panose="020B0604020202020204" pitchFamily="34" charset="0"/>
+                        <a:cs typeface="Arial" panose="020B0604020202020204" pitchFamily="34" charset="0"/>
+                      </a:endParaRPr>
+                    </a:p>
+                  </a:txBody>
+                  <a:tcPr anchor="ctr">
+                    <a:lnL w="12700" cap="flat" cmpd="sng" algn="ctr">
+                      <a:noFill/>
+                      <a:prstDash val="solid"/>
+                      <a:round/>
+                      <a:headEnd type="none" w="med" len="med"/>
+                      <a:tailEnd type="none" w="med" len="med"/>
+                    </a:lnL>
+                    <a:lnR w="12700" cap="flat" cmpd="sng" algn="ctr">
+                      <a:noFill/>
+                      <a:prstDash val="solid"/>
+                      <a:round/>
+                      <a:headEnd type="none" w="med" len="med"/>
+                      <a:tailEnd type="none" w="med" len="med"/>
+                    </a:lnR>
+                    <a:lnT w="28575" cap="flat" cmpd="sng" algn="ctr">
+                      <a:solidFill>
+                        <a:schemeClr val="tx1"/>
+                      </a:solidFill>
+                      <a:prstDash val="solid"/>
+                      <a:round/>
+                      <a:headEnd type="none" w="med" len="med"/>
+                      <a:tailEnd type="none" w="med" len="med"/>
+                    </a:lnT>
+                    <a:lnB w="28575" cap="flat" cmpd="sng" algn="ctr">
+                      <a:solidFill>
+                        <a:schemeClr val="tx1"/>
+                      </a:solidFill>
+                      <a:prstDash val="solid"/>
+                      <a:round/>
+                      <a:headEnd type="none" w="med" len="med"/>
+                      <a:tailEnd type="none" w="med" len="med"/>
+                    </a:lnB>
+                    <a:lnTlToBr w="12700" cmpd="sng">
+                      <a:noFill/>
+                      <a:prstDash val="solid"/>
+                    </a:lnTlToBr>
+                    <a:lnBlToTr w="12700" cmpd="sng">
+                      <a:noFill/>
+                      <a:prstDash val="solid"/>
+                    </a:lnBlToTr>
+                    <a:solidFill>
+                      <a:srgbClr val="FCFCFC"/>
+                    </a:solidFill>
+                  </a:tcPr>
+                </a:tc>
+                <a:tc>
+                  <a:txBody>
+                    <a:bodyPr/>
+                    <a:lstStyle/>
+                    <a:p>
+                      <a:pPr marL="0" marR="0" lvl="0" indent="0" algn="r" defTabSz="914400" rtl="0" eaLnBrk="1" fontAlgn="auto" latinLnBrk="0" hangingPunct="1">
+                        <a:lnSpc>
+                          <a:spcPct val="100000"/>
+                        </a:lnSpc>
+                        <a:spcBef>
+                          <a:spcPts val="0"/>
+                        </a:spcBef>
+                        <a:spcAft>
+                          <a:spcPts val="0"/>
+                        </a:spcAft>
+                        <a:buClrTx/>
+                        <a:buSzTx/>
+                        <a:buFontTx/>
+                        <a:buNone/>
+                        <a:tabLst/>
+                        <a:defRPr/>
+                      </a:pPr>
+                      <a:r>
+                        <a:rPr lang="en-US" b="0" dirty="0" err="1">
+                          <a:ln w="6350">
+                            <a:noFill/>
+                          </a:ln>
+                          <a:solidFill>
+                            <a:schemeClr val="tx1"/>
+                          </a:solidFill>
+                          <a:latin typeface="Arial" panose="020B0604020202020204" pitchFamily="34" charset="0"/>
+                          <a:cs typeface="Arial" panose="020B0604020202020204" pitchFamily="34" charset="0"/>
+                        </a:rPr>
+                        <a:t>Database.from</a:t>
+                      </a:r>
+                      <a:r>
+                        <a:rPr lang="en-US" b="0" dirty="0">
+                          <a:ln w="6350">
+                            <a:noFill/>
+                          </a:ln>
+                          <a:solidFill>
+                            <a:schemeClr val="tx1"/>
+                          </a:solidFill>
+                          <a:latin typeface="Arial" panose="020B0604020202020204" pitchFamily="34" charset="0"/>
+                          <a:cs typeface="Arial" panose="020B0604020202020204" pitchFamily="34" charset="0"/>
+                        </a:rPr>
+                        <a:t>_…()</a:t>
+                      </a:r>
+                    </a:p>
+                  </a:txBody>
+                  <a:tcPr anchor="ctr">
+                    <a:lnL w="12700" cap="flat" cmpd="sng" algn="ctr">
+                      <a:noFill/>
+                      <a:prstDash val="solid"/>
+                      <a:round/>
+                      <a:headEnd type="none" w="med" len="med"/>
+                      <a:tailEnd type="none" w="med" len="med"/>
+                    </a:lnL>
+                    <a:lnR w="12700" cap="flat" cmpd="sng" algn="ctr">
+                      <a:solidFill>
+                        <a:schemeClr val="tx1"/>
+                      </a:solidFill>
+                      <a:prstDash val="solid"/>
+                      <a:round/>
+                      <a:headEnd type="none" w="med" len="med"/>
+                      <a:tailEnd type="none" w="med" len="med"/>
+                    </a:lnR>
+                    <a:lnT w="12700" cap="flat" cmpd="sng" algn="ctr">
+                      <a:noFill/>
+                      <a:prstDash val="solid"/>
+                      <a:round/>
+                      <a:headEnd type="none" w="med" len="med"/>
+                      <a:tailEnd type="none" w="med" len="med"/>
+                    </a:lnT>
+                    <a:lnB w="12700" cap="flat" cmpd="sng" algn="ctr">
+                      <a:noFill/>
+                      <a:prstDash val="solid"/>
+                      <a:round/>
+                      <a:headEnd type="none" w="med" len="med"/>
+                      <a:tailEnd type="none" w="med" len="med"/>
+                    </a:lnB>
+                    <a:lnTlToBr w="12700" cmpd="sng">
+                      <a:noFill/>
+                      <a:prstDash val="solid"/>
+                    </a:lnTlToBr>
+                    <a:lnBlToTr w="12700" cmpd="sng">
+                      <a:noFill/>
+                      <a:prstDash val="solid"/>
+                    </a:lnBlToTr>
+                    <a:solidFill>
+                      <a:srgbClr val="FCFCFC"/>
+                    </a:solidFill>
+                  </a:tcPr>
+                </a:tc>
+                <a:extLst>
+                  <a:ext uri="{0D108BD9-81ED-4DB2-BD59-A6C34878D82A}">
+                    <a16:rowId xmlns:a16="http://schemas.microsoft.com/office/drawing/2014/main" val="289472029"/>
+                  </a:ext>
+                </a:extLst>
+              </a:tr>
+              <a:tr h="900000">
+                <a:tc>
+                  <a:txBody>
+                    <a:bodyPr/>
+                    <a:lstStyle/>
+                    <a:p>
+                      <a:pPr algn="l"/>
+                      <a:endParaRPr lang="en-US" b="0" dirty="0">
+                        <a:ln w="6350">
+                          <a:noFill/>
+                        </a:ln>
+                        <a:solidFill>
+                          <a:schemeClr val="tx1"/>
+                        </a:solidFill>
+                        <a:latin typeface="Arial" panose="020B0604020202020204" pitchFamily="34" charset="0"/>
+                        <a:cs typeface="Arial" panose="020B0604020202020204" pitchFamily="34" charset="0"/>
+                      </a:endParaRPr>
+                    </a:p>
+                  </a:txBody>
+                  <a:tcPr anchor="ctr">
+                    <a:lnL w="12700" cap="flat" cmpd="sng" algn="ctr">
+                      <a:solidFill>
+                        <a:schemeClr val="tx1"/>
+                      </a:solidFill>
+                      <a:prstDash val="solid"/>
+                      <a:round/>
+                      <a:headEnd type="none" w="med" len="med"/>
+                      <a:tailEnd type="none" w="med" len="med"/>
+                    </a:lnL>
+                    <a:lnR w="28575" cap="flat" cmpd="sng" algn="ctr">
+                      <a:solidFill>
+                        <a:schemeClr val="tx1"/>
+                      </a:solidFill>
+                      <a:prstDash val="solid"/>
+                      <a:round/>
+                      <a:headEnd type="none" w="med" len="med"/>
+                      <a:tailEnd type="none" w="med" len="med"/>
+                    </a:lnR>
+                    <a:lnT w="12700" cap="flat" cmpd="sng" algn="ctr">
+                      <a:noFill/>
+                      <a:prstDash val="solid"/>
+                      <a:round/>
+                      <a:headEnd type="none" w="med" len="med"/>
+                      <a:tailEnd type="none" w="med" len="med"/>
+                    </a:lnT>
+                    <a:lnB w="12700" cap="flat" cmpd="sng" algn="ctr">
+                      <a:solidFill>
+                        <a:schemeClr val="tx1"/>
+                      </a:solidFill>
+                      <a:prstDash val="solid"/>
+                      <a:round/>
+                      <a:headEnd type="none" w="med" len="med"/>
+                      <a:tailEnd type="none" w="med" len="med"/>
+                    </a:lnB>
+                    <a:lnTlToBr w="12700" cmpd="sng">
+                      <a:noFill/>
+                      <a:prstDash val="solid"/>
+                    </a:lnTlToBr>
+                    <a:lnBlToTr w="12700" cmpd="sng">
+                      <a:noFill/>
+                      <a:prstDash val="solid"/>
+                    </a:lnBlToTr>
+                    <a:solidFill>
+                      <a:srgbClr val="FCFCFC"/>
+                    </a:solidFill>
+                  </a:tcPr>
+                </a:tc>
+                <a:tc>
+                  <a:txBody>
+                    <a:bodyPr/>
+                    <a:lstStyle/>
+                    <a:p>
+                      <a:pPr algn="ctr"/>
+                      <a:r>
+                        <a:rPr lang="en-US" b="0" dirty="0" err="1">
+                          <a:ln w="6350">
+                            <a:noFill/>
+                          </a:ln>
+                          <a:solidFill>
+                            <a:schemeClr val="tx1"/>
+                          </a:solidFill>
+                          <a:latin typeface="Arial" panose="020B0604020202020204" pitchFamily="34" charset="0"/>
+                          <a:cs typeface="Arial" panose="020B0604020202020204" pitchFamily="34" charset="0"/>
+                        </a:rPr>
+                        <a:t>my_python_object</a:t>
+                      </a:r>
+                      <a:endParaRPr lang="en-US" b="0" dirty="0">
+                        <a:ln w="6350">
+                          <a:noFill/>
+                        </a:ln>
+                        <a:solidFill>
+                          <a:schemeClr val="tx1"/>
+                        </a:solidFill>
+                        <a:latin typeface="Arial" panose="020B0604020202020204" pitchFamily="34" charset="0"/>
+                        <a:cs typeface="Arial" panose="020B0604020202020204" pitchFamily="34" charset="0"/>
+                      </a:endParaRPr>
+                    </a:p>
+                  </a:txBody>
+                  <a:tcPr anchor="ctr">
+                    <a:lnL w="28575" cap="flat" cmpd="sng" algn="ctr">
+                      <a:solidFill>
+                        <a:schemeClr val="tx1"/>
+                      </a:solidFill>
+                      <a:prstDash val="solid"/>
+                      <a:round/>
+                      <a:headEnd type="none" w="med" len="med"/>
+                      <a:tailEnd type="none" w="med" len="med"/>
+                    </a:lnL>
+                    <a:lnR w="28575" cap="flat" cmpd="sng" algn="ctr">
+                      <a:solidFill>
+                        <a:schemeClr val="tx1"/>
+                      </a:solidFill>
+                      <a:prstDash val="solid"/>
+                      <a:round/>
+                      <a:headEnd type="none" w="med" len="med"/>
+                      <a:tailEnd type="none" w="med" len="med"/>
+                    </a:lnR>
+                    <a:lnT w="28575" cap="flat" cmpd="sng" algn="ctr">
+                      <a:solidFill>
+                        <a:schemeClr val="tx1"/>
+                      </a:solidFill>
+                      <a:prstDash val="solid"/>
+                      <a:round/>
+                      <a:headEnd type="none" w="med" len="med"/>
+                      <a:tailEnd type="none" w="med" len="med"/>
+                    </a:lnT>
+                    <a:lnB w="28575" cap="flat" cmpd="sng" algn="ctr">
+                      <a:solidFill>
+                        <a:schemeClr val="tx1"/>
+                      </a:solidFill>
+                      <a:prstDash val="solid"/>
+                      <a:round/>
+                      <a:headEnd type="none" w="med" len="med"/>
+                      <a:tailEnd type="none" w="med" len="med"/>
+                    </a:lnB>
+                    <a:lnTlToBr w="12700" cmpd="sng">
+                      <a:noFill/>
+                      <a:prstDash val="solid"/>
+                    </a:lnTlToBr>
+                    <a:lnBlToTr w="12700" cmpd="sng">
+                      <a:noFill/>
+                      <a:prstDash val="solid"/>
+                    </a:lnBlToTr>
+                    <a:solidFill>
+                      <a:srgbClr val="F3F7F6"/>
+                    </a:solidFill>
+                  </a:tcPr>
+                </a:tc>
+                <a:tc>
+                  <a:txBody>
+                    <a:bodyPr/>
+                    <a:lstStyle/>
+                    <a:p>
+                      <a:pPr algn="r"/>
+                      <a:endParaRPr lang="en-US" b="0" dirty="0">
+                        <a:ln w="6350">
+                          <a:noFill/>
+                        </a:ln>
+                        <a:solidFill>
+                          <a:schemeClr val="tx1"/>
+                        </a:solidFill>
+                        <a:latin typeface="Arial" panose="020B0604020202020204" pitchFamily="34" charset="0"/>
+                        <a:cs typeface="Arial" panose="020B0604020202020204" pitchFamily="34" charset="0"/>
+                      </a:endParaRPr>
+                    </a:p>
+                  </a:txBody>
+                  <a:tcPr anchor="ctr">
+                    <a:lnL w="28575" cap="flat" cmpd="sng" algn="ctr">
+                      <a:solidFill>
+                        <a:schemeClr val="tx1"/>
+                      </a:solidFill>
+                      <a:prstDash val="solid"/>
+                      <a:round/>
+                      <a:headEnd type="none" w="med" len="med"/>
+                      <a:tailEnd type="none" w="med" len="med"/>
+                    </a:lnL>
+                    <a:lnR w="12700" cap="flat" cmpd="sng" algn="ctr">
+                      <a:solidFill>
+                        <a:schemeClr val="tx1"/>
+                      </a:solidFill>
+                      <a:prstDash val="solid"/>
+                      <a:round/>
+                      <a:headEnd type="none" w="med" len="med"/>
+                      <a:tailEnd type="none" w="med" len="med"/>
+                    </a:lnR>
+                    <a:lnT w="12700" cap="flat" cmpd="sng" algn="ctr">
+                      <a:noFill/>
+                      <a:prstDash val="solid"/>
+                      <a:round/>
+                      <a:headEnd type="none" w="med" len="med"/>
+                      <a:tailEnd type="none" w="med" len="med"/>
+                    </a:lnT>
+                    <a:lnB w="12700" cap="flat" cmpd="sng" algn="ctr">
+                      <a:solidFill>
+                        <a:schemeClr val="tx1"/>
+                      </a:solidFill>
+                      <a:prstDash val="solid"/>
+                      <a:round/>
+                      <a:headEnd type="none" w="med" len="med"/>
+                      <a:tailEnd type="none" w="med" len="med"/>
+                    </a:lnB>
+                    <a:lnTlToBr w="12700" cmpd="sng">
+                      <a:noFill/>
+                      <a:prstDash val="solid"/>
+                    </a:lnTlToBr>
+                    <a:lnBlToTr w="12700" cmpd="sng">
+                      <a:noFill/>
+                      <a:prstDash val="solid"/>
+                    </a:lnBlToTr>
+                    <a:solidFill>
+                      <a:srgbClr val="FCFCFC"/>
+                    </a:solidFill>
+                  </a:tcPr>
+                </a:tc>
+                <a:extLst>
+                  <a:ext uri="{0D108BD9-81ED-4DB2-BD59-A6C34878D82A}">
+                    <a16:rowId xmlns:a16="http://schemas.microsoft.com/office/drawing/2014/main" val="245596258"/>
+                  </a:ext>
+                </a:extLst>
+              </a:tr>
+            </a:tbl>
+          </a:graphicData>
+        </a:graphic>
+      </p:graphicFrame>
+      <p:grpSp>
+        <p:nvGrpSpPr>
+          <p:cNvPr id="5" name="Group 4">
+            <a:extLst>
+              <a:ext uri="{FF2B5EF4-FFF2-40B4-BE49-F238E27FC236}">
+                <a16:creationId xmlns:a16="http://schemas.microsoft.com/office/drawing/2014/main" id="{C446B0DC-1455-0E43-B86F-B3B1FE1AF080}"/>
+              </a:ext>
+            </a:extLst>
+          </p:cNvPr>
+          <p:cNvGrpSpPr/>
+          <p:nvPr/>
+        </p:nvGrpSpPr>
+        <p:grpSpPr>
+          <a:xfrm>
+            <a:off x="7758798" y="1841988"/>
+            <a:ext cx="720000" cy="3780001"/>
+            <a:chOff x="7758798" y="1841988"/>
+            <a:chExt cx="720000" cy="3780001"/>
+          </a:xfrm>
+          <a:effectLst>
+            <a:outerShdw blurRad="50800" dist="38100" dir="2700000" algn="tl" rotWithShape="0">
+              <a:prstClr val="black">
+                <a:alpha val="20000"/>
+              </a:prstClr>
+            </a:outerShdw>
+          </a:effectLst>
+        </p:grpSpPr>
+        <p:sp>
+          <p:nvSpPr>
+            <p:cNvPr id="6" name="U-Turn Arrow 5">
+              <a:extLst>
+                <a:ext uri="{FF2B5EF4-FFF2-40B4-BE49-F238E27FC236}">
+                  <a16:creationId xmlns:a16="http://schemas.microsoft.com/office/drawing/2014/main" id="{2811B6C7-EF68-4346-9F4C-ED8F4D137575}"/>
+                </a:ext>
+              </a:extLst>
+            </p:cNvPr>
+            <p:cNvSpPr/>
+            <p:nvPr/>
+          </p:nvSpPr>
+          <p:spPr>
+            <a:xfrm rot="5400000">
+              <a:off x="7173798" y="4316989"/>
+              <a:ext cx="1890000" cy="720000"/>
+            </a:xfrm>
+            <a:prstGeom prst="uturnArrow">
+              <a:avLst>
+                <a:gd name="adj1" fmla="val 16537"/>
+                <a:gd name="adj2" fmla="val 19385"/>
+                <a:gd name="adj3" fmla="val 18038"/>
+                <a:gd name="adj4" fmla="val 43750"/>
+                <a:gd name="adj5" fmla="val 100000"/>
+              </a:avLst>
+            </a:prstGeom>
+            <a:solidFill>
+              <a:schemeClr val="tx1"/>
+            </a:solidFill>
+            <a:ln w="12700">
+              <a:solidFill>
+                <a:schemeClr val="bg1">
+                  <a:alpha val="67000"/>
+                </a:schemeClr>
+              </a:solidFill>
+            </a:ln>
+          </p:spPr>
+          <p:style>
+            <a:lnRef idx="2">
+              <a:schemeClr val="accent1">
+                <a:shade val="50000"/>
+              </a:schemeClr>
+            </a:lnRef>
+            <a:fillRef idx="1">
+              <a:schemeClr val="accent1"/>
+            </a:fillRef>
+            <a:effectRef idx="0">
+              <a:schemeClr val="accent1"/>
+            </a:effectRef>
+            <a:fontRef idx="minor">
+              <a:schemeClr val="lt1"/>
+            </a:fontRef>
+          </p:style>
+          <p:txBody>
+            <a:bodyPr rtlCol="0" anchor="ctr"/>
+            <a:lstStyle/>
+            <a:p>
+              <a:pPr algn="ctr"/>
+              <a:endParaRPr lang="en-US">
+                <a:solidFill>
+                  <a:schemeClr val="tx1"/>
+                </a:solidFill>
+              </a:endParaRPr>
+            </a:p>
+          </p:txBody>
+        </p:sp>
+        <p:sp>
+          <p:nvSpPr>
+            <p:cNvPr id="7" name="U-Turn Arrow 6">
+              <a:extLst>
+                <a:ext uri="{FF2B5EF4-FFF2-40B4-BE49-F238E27FC236}">
+                  <a16:creationId xmlns:a16="http://schemas.microsoft.com/office/drawing/2014/main" id="{3F2FC415-D25E-7D44-B1B5-9A928DB94ED6}"/>
+                </a:ext>
+              </a:extLst>
+            </p:cNvPr>
+            <p:cNvSpPr/>
+            <p:nvPr/>
+          </p:nvSpPr>
+          <p:spPr>
+            <a:xfrm rot="5400000">
+              <a:off x="7173798" y="2426988"/>
+              <a:ext cx="1890000" cy="720000"/>
+            </a:xfrm>
+            <a:prstGeom prst="uturnArrow">
+              <a:avLst>
+                <a:gd name="adj1" fmla="val 16537"/>
+                <a:gd name="adj2" fmla="val 19385"/>
+                <a:gd name="adj3" fmla="val 18038"/>
+                <a:gd name="adj4" fmla="val 43750"/>
+                <a:gd name="adj5" fmla="val 100000"/>
+              </a:avLst>
+            </a:prstGeom>
+            <a:solidFill>
+              <a:schemeClr val="tx1"/>
+            </a:solidFill>
+            <a:ln w="12700">
+              <a:solidFill>
+                <a:schemeClr val="bg1">
+                  <a:alpha val="67000"/>
+                </a:schemeClr>
+              </a:solidFill>
+            </a:ln>
+          </p:spPr>
+          <p:style>
+            <a:lnRef idx="2">
+              <a:schemeClr val="accent1">
+                <a:shade val="50000"/>
+              </a:schemeClr>
+            </a:lnRef>
+            <a:fillRef idx="1">
+              <a:schemeClr val="accent1"/>
+            </a:fillRef>
+            <a:effectRef idx="0">
+              <a:schemeClr val="accent1"/>
+            </a:effectRef>
+            <a:fontRef idx="minor">
+              <a:schemeClr val="lt1"/>
+            </a:fontRef>
+          </p:style>
+          <p:txBody>
+            <a:bodyPr rtlCol="0" anchor="ctr"/>
+            <a:lstStyle/>
+            <a:p>
+              <a:pPr algn="ctr"/>
+              <a:endParaRPr lang="en-US">
+                <a:solidFill>
+                  <a:schemeClr val="tx1"/>
+                </a:solidFill>
+              </a:endParaRPr>
+            </a:p>
+          </p:txBody>
+        </p:sp>
+      </p:grpSp>
+      <p:grpSp>
+        <p:nvGrpSpPr>
+          <p:cNvPr id="8" name="Group 7">
+            <a:extLst>
+              <a:ext uri="{FF2B5EF4-FFF2-40B4-BE49-F238E27FC236}">
+                <a16:creationId xmlns:a16="http://schemas.microsoft.com/office/drawing/2014/main" id="{27824229-4109-1045-8230-F356A9212244}"/>
+              </a:ext>
+            </a:extLst>
+          </p:cNvPr>
+          <p:cNvGrpSpPr/>
+          <p:nvPr/>
+        </p:nvGrpSpPr>
+        <p:grpSpPr>
+          <a:xfrm rot="10800000">
+            <a:off x="3626898" y="1765787"/>
+            <a:ext cx="720000" cy="3780001"/>
+            <a:chOff x="7758798" y="1841988"/>
+            <a:chExt cx="720000" cy="3780001"/>
+          </a:xfrm>
+          <a:effectLst>
+            <a:outerShdw blurRad="50800" dist="38100" dir="2700000" algn="tl" rotWithShape="0">
+              <a:prstClr val="black">
+                <a:alpha val="20000"/>
+              </a:prstClr>
+            </a:outerShdw>
+          </a:effectLst>
+        </p:grpSpPr>
+        <p:sp>
+          <p:nvSpPr>
+            <p:cNvPr id="9" name="U-Turn Arrow 8">
+              <a:extLst>
+                <a:ext uri="{FF2B5EF4-FFF2-40B4-BE49-F238E27FC236}">
+                  <a16:creationId xmlns:a16="http://schemas.microsoft.com/office/drawing/2014/main" id="{F6CBA8E6-151C-9040-AAC7-2948972DC81A}"/>
+                </a:ext>
+              </a:extLst>
+            </p:cNvPr>
+            <p:cNvSpPr/>
+            <p:nvPr/>
+          </p:nvSpPr>
+          <p:spPr>
+            <a:xfrm rot="5400000">
+              <a:off x="7173798" y="4316989"/>
+              <a:ext cx="1890000" cy="720000"/>
+            </a:xfrm>
+            <a:prstGeom prst="uturnArrow">
+              <a:avLst>
+                <a:gd name="adj1" fmla="val 16537"/>
+                <a:gd name="adj2" fmla="val 19385"/>
+                <a:gd name="adj3" fmla="val 18038"/>
+                <a:gd name="adj4" fmla="val 43750"/>
+                <a:gd name="adj5" fmla="val 100000"/>
+              </a:avLst>
+            </a:prstGeom>
+            <a:solidFill>
+              <a:schemeClr val="tx1"/>
+            </a:solidFill>
+            <a:ln w="12700">
+              <a:solidFill>
+                <a:schemeClr val="bg1">
+                  <a:alpha val="67000"/>
+                </a:schemeClr>
+              </a:solidFill>
+            </a:ln>
+          </p:spPr>
+          <p:style>
+            <a:lnRef idx="2">
+              <a:schemeClr val="accent1">
+                <a:shade val="50000"/>
+              </a:schemeClr>
+            </a:lnRef>
+            <a:fillRef idx="1">
+              <a:schemeClr val="accent1"/>
+            </a:fillRef>
+            <a:effectRef idx="0">
+              <a:schemeClr val="accent1"/>
+            </a:effectRef>
+            <a:fontRef idx="minor">
+              <a:schemeClr val="lt1"/>
+            </a:fontRef>
+          </p:style>
+          <p:txBody>
+            <a:bodyPr rtlCol="0" anchor="ctr"/>
+            <a:lstStyle/>
+            <a:p>
+              <a:pPr algn="ctr"/>
+              <a:endParaRPr lang="en-US">
+                <a:solidFill>
+                  <a:schemeClr val="tx1"/>
+                </a:solidFill>
+              </a:endParaRPr>
+            </a:p>
+          </p:txBody>
+        </p:sp>
+        <p:sp>
+          <p:nvSpPr>
+            <p:cNvPr id="10" name="U-Turn Arrow 9">
+              <a:extLst>
+                <a:ext uri="{FF2B5EF4-FFF2-40B4-BE49-F238E27FC236}">
+                  <a16:creationId xmlns:a16="http://schemas.microsoft.com/office/drawing/2014/main" id="{BDF362FE-2552-1C4E-A6D9-829EEEE43894}"/>
+                </a:ext>
+              </a:extLst>
+            </p:cNvPr>
+            <p:cNvSpPr/>
+            <p:nvPr/>
+          </p:nvSpPr>
+          <p:spPr>
+            <a:xfrm rot="5400000">
+              <a:off x="7173798" y="2426988"/>
+              <a:ext cx="1890000" cy="720000"/>
+            </a:xfrm>
+            <a:prstGeom prst="uturnArrow">
+              <a:avLst>
+                <a:gd name="adj1" fmla="val 16537"/>
+                <a:gd name="adj2" fmla="val 19385"/>
+                <a:gd name="adj3" fmla="val 18038"/>
+                <a:gd name="adj4" fmla="val 43750"/>
+                <a:gd name="adj5" fmla="val 100000"/>
+              </a:avLst>
+            </a:prstGeom>
+            <a:solidFill>
+              <a:schemeClr val="tx1"/>
+            </a:solidFill>
+            <a:ln w="12700">
+              <a:solidFill>
+                <a:schemeClr val="bg1">
+                  <a:alpha val="67000"/>
+                </a:schemeClr>
+              </a:solidFill>
+            </a:ln>
+          </p:spPr>
+          <p:style>
+            <a:lnRef idx="2">
+              <a:schemeClr val="accent1">
+                <a:shade val="50000"/>
+              </a:schemeClr>
+            </a:lnRef>
+            <a:fillRef idx="1">
+              <a:schemeClr val="accent1"/>
+            </a:fillRef>
+            <a:effectRef idx="0">
+              <a:schemeClr val="accent1"/>
+            </a:effectRef>
+            <a:fontRef idx="minor">
+              <a:schemeClr val="lt1"/>
+            </a:fontRef>
+          </p:style>
+          <p:txBody>
+            <a:bodyPr rtlCol="0" anchor="ctr"/>
+            <a:lstStyle/>
+            <a:p>
+              <a:pPr algn="ctr"/>
+              <a:endParaRPr lang="en-US">
+                <a:solidFill>
+                  <a:schemeClr val="tx1"/>
+                </a:solidFill>
+              </a:endParaRPr>
+            </a:p>
+          </p:txBody>
+        </p:sp>
+      </p:grpSp>
+    </p:spTree>
+    <p:extLst>
+      <p:ext uri="{BB962C8B-B14F-4D97-AF65-F5344CB8AC3E}">
+        <p14:creationId xmlns:p14="http://schemas.microsoft.com/office/powerpoint/2010/main" val="3173810811"/>
+      </p:ext>
+    </p:extLst>
+  </p:cSld>
+  <p:clrMapOvr>
+    <a:masterClrMapping/>
+  </p:clrMapOvr>
+</p:sld>
+</file>
+
 <file path=ppt/theme/theme1.xml><?xml version="1.0" encoding="utf-8"?>
 <a:theme xmlns:a="http://schemas.openxmlformats.org/drawingml/2006/main" name="Office Theme">
   <a:themeElements>

--- a/docs/_images/images.pptx
+++ b/docs/_images/images.pptx
@@ -4239,11 +4239,14 @@
             <a:avLst/>
           </a:prstGeom>
           <a:noFill/>
-          <a:ln w="76200">
+          <a:ln w="76200" cap="flat">
             <a:solidFill>
-              <a:schemeClr val="bg1"/>
+              <a:schemeClr val="bg1">
+                <a:alpha val="67000"/>
+              </a:schemeClr>
             </a:solidFill>
             <a:prstDash val="solid"/>
+            <a:round/>
           </a:ln>
         </p:spPr>
         <p:style>
@@ -4322,8 +4325,8 @@
           </a:p>
         </p:txBody>
       </p:sp>
-      <mc:AlternateContent xmlns:mc="http://schemas.openxmlformats.org/markup-compatibility/2006" xmlns:a14="http://schemas.microsoft.com/office/drawing/2010/main">
-        <mc:Choice Requires="a14">
+      <mc:AlternateContent xmlns:mc="http://schemas.openxmlformats.org/markup-compatibility/2006">
+        <mc:Choice xmlns:a14="http://schemas.microsoft.com/office/drawing/2010/main" Requires="a14">
           <p:sp>
             <p:nvSpPr>
               <p:cNvPr id="7" name="TextBox 6">
@@ -4338,8 +4341,8 @@
             </p:nvSpPr>
             <p:spPr>
               <a:xfrm>
-                <a:off x="4127331" y="3904491"/>
-                <a:ext cx="367600" cy="338554"/>
+                <a:off x="3958281" y="3841940"/>
+                <a:ext cx="500073" cy="461665"/>
               </a:xfrm>
               <a:prstGeom prst="rect">
                 <a:avLst/>
@@ -4362,7 +4365,7 @@
                       <m:sSub>
                         <m:sSubPr>
                           <m:ctrlPr>
-                            <a:rPr lang="en-US" sz="2200" b="1" i="1" smtClean="0">
+                            <a:rPr lang="en-US" sz="3000" b="1" i="1" smtClean="0">
                               <a:ln w="12700">
                                 <a:solidFill>
                                   <a:schemeClr val="bg1"/>
@@ -4374,7 +4377,7 @@
                         </m:sSubPr>
                         <m:e>
                           <m:r>
-                            <a:rPr lang="en-US" sz="2200" b="1" i="1" smtClean="0">
+                            <a:rPr lang="en-US" sz="3000" b="1" i="1" smtClean="0">
                               <a:ln w="12700">
                                 <a:solidFill>
                                   <a:schemeClr val="bg1"/>
@@ -4388,7 +4391,7 @@
                         </m:e>
                         <m:sub>
                           <m:r>
-                            <a:rPr lang="nl-NL" sz="2200" b="1" i="1" smtClean="0">
+                            <a:rPr lang="nl-NL" sz="3000" b="1" i="1" smtClean="0">
                               <a:ln w="12700">
                                 <a:solidFill>
                                   <a:schemeClr val="bg1"/>
@@ -4403,7 +4406,7 @@
                     </m:oMath>
                   </m:oMathPara>
                 </a14:m>
-                <a:endParaRPr lang="en-US" sz="2200" b="1" dirty="0">
+                <a:endParaRPr lang="en-US" sz="3000" b="1" dirty="0">
                   <a:ln w="12700">
                     <a:solidFill>
                       <a:schemeClr val="bg1"/>
@@ -4414,7 +4417,7 @@
             </p:txBody>
           </p:sp>
         </mc:Choice>
-        <mc:Fallback xmlns="">
+        <mc:Fallback>
           <p:sp>
             <p:nvSpPr>
               <p:cNvPr id="7" name="TextBox 6">
@@ -4431,8 +4434,8 @@
             </p:nvSpPr>
             <p:spPr>
               <a:xfrm>
-                <a:off x="4127331" y="3904491"/>
-                <a:ext cx="367600" cy="338554"/>
+                <a:off x="3958281" y="3841940"/>
+                <a:ext cx="500073" cy="461665"/>
               </a:xfrm>
               <a:prstGeom prst="rect">
                 <a:avLst/>
@@ -4459,8 +4462,8 @@
           </p:sp>
         </mc:Fallback>
       </mc:AlternateContent>
-      <mc:AlternateContent xmlns:mc="http://schemas.openxmlformats.org/markup-compatibility/2006" xmlns:a14="http://schemas.microsoft.com/office/drawing/2010/main">
-        <mc:Choice Requires="a14">
+      <mc:AlternateContent xmlns:mc="http://schemas.openxmlformats.org/markup-compatibility/2006">
+        <mc:Choice xmlns:a14="http://schemas.microsoft.com/office/drawing/2010/main" Requires="a14">
           <p:sp>
             <p:nvSpPr>
               <p:cNvPr id="8" name="TextBox 7">
@@ -4475,8 +4478,8 @@
             </p:nvSpPr>
             <p:spPr>
               <a:xfrm>
-                <a:off x="5180301" y="1140964"/>
-                <a:ext cx="303480" cy="338554"/>
+                <a:off x="5132396" y="1044241"/>
+                <a:ext cx="413511" cy="461665"/>
               </a:xfrm>
               <a:prstGeom prst="rect">
                 <a:avLst/>
@@ -4499,7 +4502,7 @@
                       <m:sSub>
                         <m:sSubPr>
                           <m:ctrlPr>
-                            <a:rPr lang="en-US" sz="2200" b="1" i="1" smtClean="0">
+                            <a:rPr lang="en-US" sz="3000" b="1" i="1" smtClean="0">
                               <a:ln w="12700">
                                 <a:solidFill>
                                   <a:schemeClr val="bg1"/>
@@ -4511,7 +4514,7 @@
                         </m:sSubPr>
                         <m:e>
                           <m:r>
-                            <a:rPr lang="nl-NL" sz="2200" b="1" i="1" smtClean="0">
+                            <a:rPr lang="nl-NL" sz="3000" b="1" i="1" smtClean="0">
                               <a:ln w="12700">
                                 <a:solidFill>
                                   <a:schemeClr val="bg1"/>
@@ -4525,7 +4528,7 @@
                         </m:e>
                         <m:sub>
                           <m:r>
-                            <a:rPr lang="nl-NL" sz="2200" b="1" i="1" smtClean="0">
+                            <a:rPr lang="nl-NL" sz="3000" b="1" i="1" smtClean="0">
                               <a:ln w="12700">
                                 <a:solidFill>
                                   <a:schemeClr val="bg1"/>
@@ -4540,7 +4543,7 @@
                     </m:oMath>
                   </m:oMathPara>
                 </a14:m>
-                <a:endParaRPr lang="en-US" sz="2200" b="1" dirty="0">
+                <a:endParaRPr lang="en-US" sz="3000" b="1" dirty="0">
                   <a:ln w="12700">
                     <a:solidFill>
                       <a:schemeClr val="bg1"/>
@@ -4551,7 +4554,7 @@
             </p:txBody>
           </p:sp>
         </mc:Choice>
-        <mc:Fallback xmlns="">
+        <mc:Fallback>
           <p:sp>
             <p:nvSpPr>
               <p:cNvPr id="8" name="TextBox 7">
@@ -4568,8 +4571,8 @@
             </p:nvSpPr>
             <p:spPr>
               <a:xfrm>
-                <a:off x="5180301" y="1140964"/>
-                <a:ext cx="303480" cy="338554"/>
+                <a:off x="5132396" y="1044241"/>
+                <a:ext cx="413511" cy="461665"/>
               </a:xfrm>
               <a:prstGeom prst="rect">
                 <a:avLst/>
@@ -4610,7 +4613,7 @@
         </p:nvSpPr>
         <p:spPr>
           <a:xfrm flipV="1">
-            <a:off x="4558937" y="1627630"/>
+            <a:off x="4558936" y="1618486"/>
             <a:ext cx="1146919" cy="3008375"/>
           </a:xfrm>
           <a:prstGeom prst="rtTriangle">

--- a/docs/_images/images.pptx
+++ b/docs/_images/images.pptx
@@ -6,6 +6,8 @@
   </p:sldMasterIdLst>
   <p:sldIdLst>
     <p:sldId id="256" r:id="rId2"/>
+    <p:sldId id="257" r:id="rId3"/>
+    <p:sldId id="258" r:id="rId4"/>
   </p:sldIdLst>
   <p:sldSz cx="12192000" cy="6858000"/>
   <p:notesSz cx="6858000" cy="9144000"/>
@@ -104,6 +106,11 @@
       </a:defRPr>
     </a:lvl9pPr>
   </p:defaultTextStyle>
+  <p:extLst>
+    <p:ext uri="{EFAFB233-063F-42B5-8137-9DF3F51BA10A}">
+      <p15:sldGuideLst xmlns:p15="http://schemas.microsoft.com/office/powerpoint/2012/main"/>
+    </p:ext>
+  </p:extLst>
 </p:presentation>
 </file>
 
@@ -254,7 +261,7 @@
           <a:p>
             <a:fld id="{0AFD7C04-1572-0B4C-972B-A32FC7BA93A5}" type="datetimeFigureOut">
               <a:rPr lang="en-US" smtClean="0"/>
-              <a:t>3/12/19</a:t>
+              <a:t>10/1/19</a:t>
             </a:fld>
             <a:endParaRPr lang="en-US"/>
           </a:p>
@@ -452,7 +459,7 @@
           <a:p>
             <a:fld id="{0AFD7C04-1572-0B4C-972B-A32FC7BA93A5}" type="datetimeFigureOut">
               <a:rPr lang="en-US" smtClean="0"/>
-              <a:t>3/12/19</a:t>
+              <a:t>10/1/19</a:t>
             </a:fld>
             <a:endParaRPr lang="en-US"/>
           </a:p>
@@ -660,7 +667,7 @@
           <a:p>
             <a:fld id="{0AFD7C04-1572-0B4C-972B-A32FC7BA93A5}" type="datetimeFigureOut">
               <a:rPr lang="en-US" smtClean="0"/>
-              <a:t>3/12/19</a:t>
+              <a:t>10/1/19</a:t>
             </a:fld>
             <a:endParaRPr lang="en-US"/>
           </a:p>
@@ -858,7 +865,7 @@
           <a:p>
             <a:fld id="{0AFD7C04-1572-0B4C-972B-A32FC7BA93A5}" type="datetimeFigureOut">
               <a:rPr lang="en-US" smtClean="0"/>
-              <a:t>3/12/19</a:t>
+              <a:t>10/1/19</a:t>
             </a:fld>
             <a:endParaRPr lang="en-US"/>
           </a:p>
@@ -1133,7 +1140,7 @@
           <a:p>
             <a:fld id="{0AFD7C04-1572-0B4C-972B-A32FC7BA93A5}" type="datetimeFigureOut">
               <a:rPr lang="en-US" smtClean="0"/>
-              <a:t>3/12/19</a:t>
+              <a:t>10/1/19</a:t>
             </a:fld>
             <a:endParaRPr lang="en-US"/>
           </a:p>
@@ -1398,7 +1405,7 @@
           <a:p>
             <a:fld id="{0AFD7C04-1572-0B4C-972B-A32FC7BA93A5}" type="datetimeFigureOut">
               <a:rPr lang="en-US" smtClean="0"/>
-              <a:t>3/12/19</a:t>
+              <a:t>10/1/19</a:t>
             </a:fld>
             <a:endParaRPr lang="en-US"/>
           </a:p>
@@ -1810,7 +1817,7 @@
           <a:p>
             <a:fld id="{0AFD7C04-1572-0B4C-972B-A32FC7BA93A5}" type="datetimeFigureOut">
               <a:rPr lang="en-US" smtClean="0"/>
-              <a:t>3/12/19</a:t>
+              <a:t>10/1/19</a:t>
             </a:fld>
             <a:endParaRPr lang="en-US"/>
           </a:p>
@@ -1951,7 +1958,7 @@
           <a:p>
             <a:fld id="{0AFD7C04-1572-0B4C-972B-A32FC7BA93A5}" type="datetimeFigureOut">
               <a:rPr lang="en-US" smtClean="0"/>
-              <a:t>3/12/19</a:t>
+              <a:t>10/1/19</a:t>
             </a:fld>
             <a:endParaRPr lang="en-US"/>
           </a:p>
@@ -2064,7 +2071,7 @@
           <a:p>
             <a:fld id="{0AFD7C04-1572-0B4C-972B-A32FC7BA93A5}" type="datetimeFigureOut">
               <a:rPr lang="en-US" smtClean="0"/>
-              <a:t>3/12/19</a:t>
+              <a:t>10/1/19</a:t>
             </a:fld>
             <a:endParaRPr lang="en-US"/>
           </a:p>
@@ -2375,7 +2382,7 @@
           <a:p>
             <a:fld id="{0AFD7C04-1572-0B4C-972B-A32FC7BA93A5}" type="datetimeFigureOut">
               <a:rPr lang="en-US" smtClean="0"/>
-              <a:t>3/12/19</a:t>
+              <a:t>10/1/19</a:t>
             </a:fld>
             <a:endParaRPr lang="en-US"/>
           </a:p>
@@ -2663,7 +2670,7 @@
           <a:p>
             <a:fld id="{0AFD7C04-1572-0B4C-972B-A32FC7BA93A5}" type="datetimeFigureOut">
               <a:rPr lang="en-US" smtClean="0"/>
-              <a:t>3/12/19</a:t>
+              <a:t>10/1/19</a:t>
             </a:fld>
             <a:endParaRPr lang="en-US"/>
           </a:p>
@@ -2904,7 +2911,7 @@
           <a:p>
             <a:fld id="{0AFD7C04-1572-0B4C-972B-A32FC7BA93A5}" type="datetimeFigureOut">
               <a:rPr lang="en-US" smtClean="0"/>
-              <a:t>3/12/19</a:t>
+              <a:t>10/1/19</a:t>
             </a:fld>
             <a:endParaRPr lang="en-US"/>
           </a:p>
@@ -4161,6 +4168,2202 @@
 </p:sld>
 </file>
 
+<file path=ppt/slides/slide2.xml><?xml version="1.0" encoding="utf-8"?>
+<p:sld xmlns:a="http://schemas.openxmlformats.org/drawingml/2006/main" xmlns:r="http://schemas.openxmlformats.org/officeDocument/2006/relationships" xmlns:p="http://schemas.openxmlformats.org/presentationml/2006/main">
+  <p:cSld>
+    <p:spTree>
+      <p:nvGrpSpPr>
+        <p:cNvPr id="1" name=""/>
+        <p:cNvGrpSpPr/>
+        <p:nvPr/>
+      </p:nvGrpSpPr>
+      <p:grpSpPr>
+        <a:xfrm>
+          <a:off x="0" y="0"/>
+          <a:ext cx="0" cy="0"/>
+          <a:chOff x="0" y="0"/>
+          <a:chExt cx="0" cy="0"/>
+        </a:xfrm>
+      </p:grpSpPr>
+      <p:pic>
+        <p:nvPicPr>
+          <p:cNvPr id="4" name="Picture 3">
+            <a:extLst>
+              <a:ext uri="{FF2B5EF4-FFF2-40B4-BE49-F238E27FC236}">
+                <a16:creationId xmlns:a16="http://schemas.microsoft.com/office/drawing/2014/main" id="{01A83471-6E1E-6A49-A80D-15364DB4BFE2}"/>
+              </a:ext>
+            </a:extLst>
+          </p:cNvPr>
+          <p:cNvPicPr>
+            <a:picLocks noChangeAspect="1"/>
+          </p:cNvPicPr>
+          <p:nvPr/>
+        </p:nvPicPr>
+        <p:blipFill>
+          <a:blip r:embed="rId2"/>
+          <a:stretch>
+            <a:fillRect/>
+          </a:stretch>
+        </p:blipFill>
+        <p:spPr>
+          <a:xfrm rot="21286326">
+            <a:off x="3314169" y="786383"/>
+            <a:ext cx="2906486" cy="4069081"/>
+          </a:xfrm>
+          <a:prstGeom prst="rect">
+            <a:avLst/>
+          </a:prstGeom>
+          <a:ln w="12700">
+            <a:noFill/>
+          </a:ln>
+        </p:spPr>
+      </p:pic>
+      <p:sp>
+        <p:nvSpPr>
+          <p:cNvPr id="5" name="Right Triangle 4">
+            <a:extLst>
+              <a:ext uri="{FF2B5EF4-FFF2-40B4-BE49-F238E27FC236}">
+                <a16:creationId xmlns:a16="http://schemas.microsoft.com/office/drawing/2014/main" id="{E61782FF-25FA-C24B-8596-5F84076B3E4B}"/>
+              </a:ext>
+            </a:extLst>
+          </p:cNvPr>
+          <p:cNvSpPr/>
+          <p:nvPr/>
+        </p:nvSpPr>
+        <p:spPr>
+          <a:xfrm flipV="1">
+            <a:off x="4565034" y="1618486"/>
+            <a:ext cx="1140822" cy="3008375"/>
+          </a:xfrm>
+          <a:prstGeom prst="rtTriangle">
+            <a:avLst/>
+          </a:prstGeom>
+          <a:noFill/>
+          <a:ln w="76200" cap="flat">
+            <a:solidFill>
+              <a:schemeClr val="bg1">
+                <a:alpha val="67000"/>
+              </a:schemeClr>
+            </a:solidFill>
+            <a:prstDash val="solid"/>
+            <a:round/>
+          </a:ln>
+        </p:spPr>
+        <p:style>
+          <a:lnRef idx="2">
+            <a:schemeClr val="accent1">
+              <a:shade val="50000"/>
+            </a:schemeClr>
+          </a:lnRef>
+          <a:fillRef idx="1">
+            <a:schemeClr val="accent1"/>
+          </a:fillRef>
+          <a:effectRef idx="0">
+            <a:schemeClr val="accent1"/>
+          </a:effectRef>
+          <a:fontRef idx="minor">
+            <a:schemeClr val="lt1"/>
+          </a:fontRef>
+        </p:style>
+        <p:txBody>
+          <a:bodyPr rtlCol="0" anchor="ctr"/>
+          <a:lstStyle/>
+          <a:p>
+            <a:pPr algn="ctr"/>
+            <a:endParaRPr lang="en-US"/>
+          </a:p>
+        </p:txBody>
+      </p:sp>
+      <p:sp>
+        <p:nvSpPr>
+          <p:cNvPr id="6" name="Arc 5">
+            <a:extLst>
+              <a:ext uri="{FF2B5EF4-FFF2-40B4-BE49-F238E27FC236}">
+                <a16:creationId xmlns:a16="http://schemas.microsoft.com/office/drawing/2014/main" id="{4DD47F0E-D25F-3A47-9D37-58F6D2DD1DAD}"/>
+              </a:ext>
+            </a:extLst>
+          </p:cNvPr>
+          <p:cNvSpPr/>
+          <p:nvPr/>
+        </p:nvSpPr>
+        <p:spPr>
+          <a:xfrm rot="19398617">
+            <a:off x="4449973" y="4032504"/>
+            <a:ext cx="448056" cy="457200"/>
+          </a:xfrm>
+          <a:prstGeom prst="arc">
+            <a:avLst/>
+          </a:prstGeom>
+          <a:ln w="38100">
+            <a:solidFill>
+              <a:schemeClr val="tx1"/>
+            </a:solidFill>
+          </a:ln>
+        </p:spPr>
+        <p:style>
+          <a:lnRef idx="1">
+            <a:schemeClr val="accent1"/>
+          </a:lnRef>
+          <a:fillRef idx="0">
+            <a:schemeClr val="accent1"/>
+          </a:fillRef>
+          <a:effectRef idx="0">
+            <a:schemeClr val="accent1"/>
+          </a:effectRef>
+          <a:fontRef idx="minor">
+            <a:schemeClr val="tx1"/>
+          </a:fontRef>
+        </p:style>
+        <p:txBody>
+          <a:bodyPr rtlCol="0" anchor="ctr"/>
+          <a:lstStyle/>
+          <a:p>
+            <a:pPr algn="ctr"/>
+            <a:endParaRPr lang="en-US">
+              <a:noFill/>
+            </a:endParaRPr>
+          </a:p>
+        </p:txBody>
+      </p:sp>
+      <mc:AlternateContent xmlns:mc="http://schemas.openxmlformats.org/markup-compatibility/2006">
+        <mc:Choice xmlns:a14="http://schemas.microsoft.com/office/drawing/2010/main" Requires="a14">
+          <p:sp>
+            <p:nvSpPr>
+              <p:cNvPr id="7" name="TextBox 6">
+                <a:extLst>
+                  <a:ext uri="{FF2B5EF4-FFF2-40B4-BE49-F238E27FC236}">
+                    <a16:creationId xmlns:a16="http://schemas.microsoft.com/office/drawing/2014/main" id="{DE602E4C-E64A-AA4D-A08D-94669199A50C}"/>
+                  </a:ext>
+                </a:extLst>
+              </p:cNvPr>
+              <p:cNvSpPr txBox="1"/>
+              <p:nvPr/>
+            </p:nvSpPr>
+            <p:spPr>
+              <a:xfrm>
+                <a:off x="3958281" y="3841940"/>
+                <a:ext cx="500073" cy="461665"/>
+              </a:xfrm>
+              <a:prstGeom prst="rect">
+                <a:avLst/>
+              </a:prstGeom>
+              <a:noFill/>
+            </p:spPr>
+            <p:txBody>
+              <a:bodyPr wrap="none" lIns="0" tIns="0" rIns="0" bIns="0" rtlCol="0">
+                <a:spAutoFit/>
+              </a:bodyPr>
+              <a:lstStyle/>
+              <a:p>
+                <a:pPr/>
+                <a14:m>
+                  <m:oMathPara xmlns:m="http://schemas.openxmlformats.org/officeDocument/2006/math">
+                    <m:oMathParaPr>
+                      <m:jc m:val="centerGroup"/>
+                    </m:oMathParaPr>
+                    <m:oMath xmlns:m="http://schemas.openxmlformats.org/officeDocument/2006/math">
+                      <m:sSub>
+                        <m:sSubPr>
+                          <m:ctrlPr>
+                            <a:rPr lang="en-US" sz="3000" b="1" i="1" smtClean="0">
+                              <a:ln w="12700">
+                                <a:solidFill>
+                                  <a:schemeClr val="bg1"/>
+                                </a:solidFill>
+                              </a:ln>
+                              <a:latin typeface="Cambria Math" panose="02040503050406030204" pitchFamily="18" charset="0"/>
+                            </a:rPr>
+                          </m:ctrlPr>
+                        </m:sSubPr>
+                        <m:e>
+                          <m:r>
+                            <a:rPr lang="en-US" sz="3000" b="1" i="1" smtClean="0">
+                              <a:ln w="12700">
+                                <a:solidFill>
+                                  <a:schemeClr val="bg1"/>
+                                </a:solidFill>
+                              </a:ln>
+                              <a:latin typeface="Cambria Math" panose="02040503050406030204" pitchFamily="18" charset="0"/>
+                              <a:ea typeface="Cambria Math" panose="02040503050406030204" pitchFamily="18" charset="0"/>
+                            </a:rPr>
+                            <m:t>𝝓</m:t>
+                          </m:r>
+                        </m:e>
+                        <m:sub>
+                          <m:r>
+                            <a:rPr lang="nl-NL" sz="3000" b="1" i="1" smtClean="0">
+                              <a:ln w="12700">
+                                <a:solidFill>
+                                  <a:schemeClr val="bg1"/>
+                                </a:solidFill>
+                              </a:ln>
+                              <a:latin typeface="Cambria Math" panose="02040503050406030204" pitchFamily="18" charset="0"/>
+                            </a:rPr>
+                            <m:t>𝒊</m:t>
+                          </m:r>
+                        </m:sub>
+                      </m:sSub>
+                    </m:oMath>
+                  </m:oMathPara>
+                </a14:m>
+                <a:endParaRPr lang="en-US" sz="3000" b="1" dirty="0">
+                  <a:ln w="12700">
+                    <a:solidFill>
+                      <a:schemeClr val="bg1"/>
+                    </a:solidFill>
+                  </a:ln>
+                </a:endParaRPr>
+              </a:p>
+            </p:txBody>
+          </p:sp>
+        </mc:Choice>
+        <mc:Fallback>
+          <p:sp>
+            <p:nvSpPr>
+              <p:cNvPr id="7" name="TextBox 6">
+                <a:extLst>
+                  <a:ext uri="{FF2B5EF4-FFF2-40B4-BE49-F238E27FC236}">
+                    <a16:creationId xmlns:a16="http://schemas.microsoft.com/office/drawing/2014/main" id="{DE602E4C-E64A-AA4D-A08D-94669199A50C}"/>
+                  </a:ext>
+                </a:extLst>
+              </p:cNvPr>
+              <p:cNvSpPr txBox="1">
+                <a:spLocks noRot="1" noChangeAspect="1" noMove="1" noResize="1" noEditPoints="1" noAdjustHandles="1" noChangeArrowheads="1" noChangeShapeType="1" noTextEdit="1"/>
+              </p:cNvSpPr>
+              <p:nvPr/>
+            </p:nvSpPr>
+            <p:spPr>
+              <a:xfrm>
+                <a:off x="3958281" y="3841940"/>
+                <a:ext cx="500073" cy="461665"/>
+              </a:xfrm>
+              <a:prstGeom prst="rect">
+                <a:avLst/>
+              </a:prstGeom>
+              <a:blipFill>
+                <a:blip r:embed="rId3"/>
+                <a:stretch>
+                  <a:fillRect/>
+                </a:stretch>
+              </a:blipFill>
+            </p:spPr>
+            <p:txBody>
+              <a:bodyPr/>
+              <a:lstStyle/>
+              <a:p>
+                <a:r>
+                  <a:rPr lang="en-US">
+                    <a:noFill/>
+                  </a:rPr>
+                  <a:t> </a:t>
+                </a:r>
+              </a:p>
+            </p:txBody>
+          </p:sp>
+        </mc:Fallback>
+      </mc:AlternateContent>
+      <mc:AlternateContent xmlns:mc="http://schemas.openxmlformats.org/markup-compatibility/2006">
+        <mc:Choice xmlns:a14="http://schemas.microsoft.com/office/drawing/2010/main" Requires="a14">
+          <p:sp>
+            <p:nvSpPr>
+              <p:cNvPr id="8" name="TextBox 7">
+                <a:extLst>
+                  <a:ext uri="{FF2B5EF4-FFF2-40B4-BE49-F238E27FC236}">
+                    <a16:creationId xmlns:a16="http://schemas.microsoft.com/office/drawing/2014/main" id="{22FD3E0F-A9BD-444C-B0AF-38E94ED6CDC5}"/>
+                  </a:ext>
+                </a:extLst>
+              </p:cNvPr>
+              <p:cNvSpPr txBox="1"/>
+              <p:nvPr/>
+            </p:nvSpPr>
+            <p:spPr>
+              <a:xfrm>
+                <a:off x="5132396" y="1044241"/>
+                <a:ext cx="413511" cy="461665"/>
+              </a:xfrm>
+              <a:prstGeom prst="rect">
+                <a:avLst/>
+              </a:prstGeom>
+              <a:noFill/>
+            </p:spPr>
+            <p:txBody>
+              <a:bodyPr wrap="none" lIns="0" tIns="0" rIns="0" bIns="0" rtlCol="0">
+                <a:spAutoFit/>
+              </a:bodyPr>
+              <a:lstStyle/>
+              <a:p>
+                <a:pPr/>
+                <a14:m>
+                  <m:oMathPara xmlns:m="http://schemas.openxmlformats.org/officeDocument/2006/math">
+                    <m:oMathParaPr>
+                      <m:jc m:val="centerGroup"/>
+                    </m:oMathParaPr>
+                    <m:oMath xmlns:m="http://schemas.openxmlformats.org/officeDocument/2006/math">
+                      <m:sSub>
+                        <m:sSubPr>
+                          <m:ctrlPr>
+                            <a:rPr lang="en-US" sz="3000" b="1" i="1" smtClean="0">
+                              <a:ln w="12700">
+                                <a:solidFill>
+                                  <a:schemeClr val="bg1"/>
+                                </a:solidFill>
+                              </a:ln>
+                              <a:latin typeface="Cambria Math" panose="02040503050406030204" pitchFamily="18" charset="0"/>
+                            </a:rPr>
+                          </m:ctrlPr>
+                        </m:sSubPr>
+                        <m:e>
+                          <m:r>
+                            <a:rPr lang="nl-NL" sz="3000" b="1" i="1" smtClean="0">
+                              <a:ln w="12700">
+                                <a:solidFill>
+                                  <a:schemeClr val="bg1"/>
+                                </a:solidFill>
+                              </a:ln>
+                              <a:latin typeface="Cambria Math" panose="02040503050406030204" pitchFamily="18" charset="0"/>
+                              <a:ea typeface="Cambria Math" panose="02040503050406030204" pitchFamily="18" charset="0"/>
+                            </a:rPr>
+                            <m:t>𝒓</m:t>
+                          </m:r>
+                        </m:e>
+                        <m:sub>
+                          <m:r>
+                            <a:rPr lang="nl-NL" sz="3000" b="1" i="1" smtClean="0">
+                              <a:ln w="12700">
+                                <a:solidFill>
+                                  <a:schemeClr val="bg1"/>
+                                </a:solidFill>
+                              </a:ln>
+                              <a:latin typeface="Cambria Math" panose="02040503050406030204" pitchFamily="18" charset="0"/>
+                            </a:rPr>
+                            <m:t>𝒊</m:t>
+                          </m:r>
+                        </m:sub>
+                      </m:sSub>
+                    </m:oMath>
+                  </m:oMathPara>
+                </a14:m>
+                <a:endParaRPr lang="en-US" sz="3000" b="1" dirty="0">
+                  <a:ln w="12700">
+                    <a:solidFill>
+                      <a:schemeClr val="bg1"/>
+                    </a:solidFill>
+                  </a:ln>
+                </a:endParaRPr>
+              </a:p>
+            </p:txBody>
+          </p:sp>
+        </mc:Choice>
+        <mc:Fallback>
+          <p:sp>
+            <p:nvSpPr>
+              <p:cNvPr id="8" name="TextBox 7">
+                <a:extLst>
+                  <a:ext uri="{FF2B5EF4-FFF2-40B4-BE49-F238E27FC236}">
+                    <a16:creationId xmlns:a16="http://schemas.microsoft.com/office/drawing/2014/main" id="{22FD3E0F-A9BD-444C-B0AF-38E94ED6CDC5}"/>
+                  </a:ext>
+                </a:extLst>
+              </p:cNvPr>
+              <p:cNvSpPr txBox="1">
+                <a:spLocks noRot="1" noChangeAspect="1" noMove="1" noResize="1" noEditPoints="1" noAdjustHandles="1" noChangeArrowheads="1" noChangeShapeType="1" noTextEdit="1"/>
+              </p:cNvSpPr>
+              <p:nvPr/>
+            </p:nvSpPr>
+            <p:spPr>
+              <a:xfrm>
+                <a:off x="5132396" y="1044241"/>
+                <a:ext cx="413511" cy="461665"/>
+              </a:xfrm>
+              <a:prstGeom prst="rect">
+                <a:avLst/>
+              </a:prstGeom>
+              <a:blipFill>
+                <a:blip r:embed="rId4"/>
+                <a:stretch>
+                  <a:fillRect/>
+                </a:stretch>
+              </a:blipFill>
+            </p:spPr>
+            <p:txBody>
+              <a:bodyPr/>
+              <a:lstStyle/>
+              <a:p>
+                <a:r>
+                  <a:rPr lang="en-US">
+                    <a:noFill/>
+                  </a:rPr>
+                  <a:t> </a:t>
+                </a:r>
+              </a:p>
+            </p:txBody>
+          </p:sp>
+        </mc:Fallback>
+      </mc:AlternateContent>
+      <p:sp>
+        <p:nvSpPr>
+          <p:cNvPr id="9" name="Right Triangle 8">
+            <a:extLst>
+              <a:ext uri="{FF2B5EF4-FFF2-40B4-BE49-F238E27FC236}">
+                <a16:creationId xmlns:a16="http://schemas.microsoft.com/office/drawing/2014/main" id="{C15832ED-7FB8-3544-B5EB-FAC75F196162}"/>
+              </a:ext>
+            </a:extLst>
+          </p:cNvPr>
+          <p:cNvSpPr/>
+          <p:nvPr/>
+        </p:nvSpPr>
+        <p:spPr>
+          <a:xfrm flipV="1">
+            <a:off x="4558936" y="1618486"/>
+            <a:ext cx="1146919" cy="3008375"/>
+          </a:xfrm>
+          <a:prstGeom prst="rtTriangle">
+            <a:avLst/>
+          </a:prstGeom>
+          <a:noFill/>
+          <a:ln w="57150">
+            <a:solidFill>
+              <a:schemeClr val="tx1"/>
+            </a:solidFill>
+            <a:prstDash val="sysDot"/>
+          </a:ln>
+        </p:spPr>
+        <p:style>
+          <a:lnRef idx="2">
+            <a:schemeClr val="accent1">
+              <a:shade val="50000"/>
+            </a:schemeClr>
+          </a:lnRef>
+          <a:fillRef idx="1">
+            <a:schemeClr val="accent1"/>
+          </a:fillRef>
+          <a:effectRef idx="0">
+            <a:schemeClr val="accent1"/>
+          </a:effectRef>
+          <a:fontRef idx="minor">
+            <a:schemeClr val="lt1"/>
+          </a:fontRef>
+        </p:style>
+        <p:txBody>
+          <a:bodyPr rtlCol="0" anchor="ctr"/>
+          <a:lstStyle/>
+          <a:p>
+            <a:pPr algn="ctr"/>
+            <a:endParaRPr lang="en-US"/>
+          </a:p>
+        </p:txBody>
+      </p:sp>
+    </p:spTree>
+    <p:extLst>
+      <p:ext uri="{BB962C8B-B14F-4D97-AF65-F5344CB8AC3E}">
+        <p14:creationId xmlns:p14="http://schemas.microsoft.com/office/powerpoint/2010/main" val="1379310238"/>
+      </p:ext>
+    </p:extLst>
+  </p:cSld>
+  <p:clrMapOvr>
+    <a:masterClrMapping/>
+  </p:clrMapOvr>
+</p:sld>
+</file>
+
+<file path=ppt/slides/slide3.xml><?xml version="1.0" encoding="utf-8"?>
+<p:sld xmlns:a="http://schemas.openxmlformats.org/drawingml/2006/main" xmlns:r="http://schemas.openxmlformats.org/officeDocument/2006/relationships" xmlns:p="http://schemas.openxmlformats.org/presentationml/2006/main">
+  <p:cSld>
+    <p:spTree>
+      <p:nvGrpSpPr>
+        <p:cNvPr id="1" name=""/>
+        <p:cNvGrpSpPr/>
+        <p:nvPr/>
+      </p:nvGrpSpPr>
+      <p:grpSpPr>
+        <a:xfrm>
+          <a:off x="0" y="0"/>
+          <a:ext cx="0" cy="0"/>
+          <a:chOff x="0" y="0"/>
+          <a:chExt cx="0" cy="0"/>
+        </a:xfrm>
+      </p:grpSpPr>
+      <p:graphicFrame>
+        <p:nvGraphicFramePr>
+          <p:cNvPr id="4" name="Table 3">
+            <a:extLst>
+              <a:ext uri="{FF2B5EF4-FFF2-40B4-BE49-F238E27FC236}">
+                <a16:creationId xmlns:a16="http://schemas.microsoft.com/office/drawing/2014/main" id="{8ED00E82-5432-3A48-BC03-6AF5C47D2DD9}"/>
+              </a:ext>
+            </a:extLst>
+          </p:cNvPr>
+          <p:cNvGraphicFramePr>
+            <a:graphicFrameLocks noGrp="1"/>
+          </p:cNvGraphicFramePr>
+          <p:nvPr>
+            <p:extLst>
+              <p:ext uri="{D42A27DB-BD31-4B8C-83A1-F6EECF244321}">
+                <p14:modId xmlns:p14="http://schemas.microsoft.com/office/powerpoint/2010/main" val="4132801630"/>
+              </p:ext>
+            </p:extLst>
+          </p:nvPr>
+        </p:nvGraphicFramePr>
+        <p:xfrm>
+          <a:off x="1205522" y="543655"/>
+          <a:ext cx="9720000" cy="5400000"/>
+        </p:xfrm>
+        <a:graphic>
+          <a:graphicData uri="http://schemas.openxmlformats.org/drawingml/2006/table">
+            <a:tbl>
+              <a:tblPr firstRow="1" bandRow="1">
+                <a:effectLst>
+                  <a:outerShdw blurRad="50800" dist="38100" dir="2700000" algn="tl" rotWithShape="0">
+                    <a:prstClr val="black">
+                      <a:alpha val="40000"/>
+                    </a:prstClr>
+                  </a:outerShdw>
+                </a:effectLst>
+                <a:tableStyleId>{5C22544A-7EE6-4342-B048-85BDC9FD1C3A}</a:tableStyleId>
+              </a:tblPr>
+              <a:tblGrid>
+                <a:gridCol w="3240000">
+                  <a:extLst>
+                    <a:ext uri="{9D8B030D-6E8A-4147-A177-3AD203B41FA5}">
+                      <a16:colId xmlns:a16="http://schemas.microsoft.com/office/drawing/2014/main" val="3448364002"/>
+                    </a:ext>
+                  </a:extLst>
+                </a:gridCol>
+                <a:gridCol w="3240000">
+                  <a:extLst>
+                    <a:ext uri="{9D8B030D-6E8A-4147-A177-3AD203B41FA5}">
+                      <a16:colId xmlns:a16="http://schemas.microsoft.com/office/drawing/2014/main" val="295263896"/>
+                    </a:ext>
+                  </a:extLst>
+                </a:gridCol>
+                <a:gridCol w="3240000">
+                  <a:extLst>
+                    <a:ext uri="{9D8B030D-6E8A-4147-A177-3AD203B41FA5}">
+                      <a16:colId xmlns:a16="http://schemas.microsoft.com/office/drawing/2014/main" val="3264412198"/>
+                    </a:ext>
+                  </a:extLst>
+                </a:gridCol>
+              </a:tblGrid>
+              <a:tr h="900000">
+                <a:tc gridSpan="3">
+                  <a:txBody>
+                    <a:bodyPr/>
+                    <a:lstStyle/>
+                    <a:p>
+                      <a:pPr algn="ctr"/>
+                      <a:r>
+                        <a:rPr lang="en-US" sz="3200" b="1" dirty="0">
+                          <a:ln w="12700">
+                            <a:noFill/>
+                          </a:ln>
+                          <a:solidFill>
+                            <a:schemeClr val="tx1"/>
+                          </a:solidFill>
+                          <a:latin typeface="Arial" panose="020B0604020202020204" pitchFamily="34" charset="0"/>
+                          <a:cs typeface="Arial" panose="020B0604020202020204" pitchFamily="34" charset="0"/>
+                        </a:rPr>
+                        <a:t>The </a:t>
+                      </a:r>
+                      <a:r>
+                        <a:rPr lang="en-US" sz="3200" b="1" dirty="0" err="1">
+                          <a:ln w="12700">
+                            <a:noFill/>
+                          </a:ln>
+                          <a:solidFill>
+                            <a:schemeClr val="tx1"/>
+                          </a:solidFill>
+                          <a:latin typeface="Arial" panose="020B0604020202020204" pitchFamily="34" charset="0"/>
+                          <a:cs typeface="Arial" panose="020B0604020202020204" pitchFamily="34" charset="0"/>
+                        </a:rPr>
+                        <a:t>CAT.Database</a:t>
+                      </a:r>
+                      <a:r>
+                        <a:rPr lang="en-US" sz="3200" b="1" dirty="0">
+                          <a:ln w="12700">
+                            <a:noFill/>
+                          </a:ln>
+                          <a:solidFill>
+                            <a:schemeClr val="tx1"/>
+                          </a:solidFill>
+                          <a:latin typeface="Arial" panose="020B0604020202020204" pitchFamily="34" charset="0"/>
+                          <a:cs typeface="Arial" panose="020B0604020202020204" pitchFamily="34" charset="0"/>
+                        </a:rPr>
+                        <a:t> class</a:t>
+                      </a:r>
+                    </a:p>
+                  </a:txBody>
+                  <a:tcPr anchor="ctr">
+                    <a:lnL w="12700" cap="flat" cmpd="sng" algn="ctr">
+                      <a:solidFill>
+                        <a:schemeClr val="tx1"/>
+                      </a:solidFill>
+                      <a:prstDash val="solid"/>
+                      <a:round/>
+                      <a:headEnd type="none" w="med" len="med"/>
+                      <a:tailEnd type="none" w="med" len="med"/>
+                    </a:lnL>
+                    <a:lnR w="12700" cap="flat" cmpd="sng" algn="ctr">
+                      <a:solidFill>
+                        <a:schemeClr val="tx1"/>
+                      </a:solidFill>
+                      <a:prstDash val="solid"/>
+                      <a:round/>
+                      <a:headEnd type="none" w="med" len="med"/>
+                      <a:tailEnd type="none" w="med" len="med"/>
+                    </a:lnR>
+                    <a:lnT w="12700" cap="flat" cmpd="sng" algn="ctr">
+                      <a:solidFill>
+                        <a:schemeClr val="tx1"/>
+                      </a:solidFill>
+                      <a:prstDash val="solid"/>
+                      <a:round/>
+                      <a:headEnd type="none" w="med" len="med"/>
+                      <a:tailEnd type="none" w="med" len="med"/>
+                    </a:lnT>
+                    <a:lnB w="12700" cap="flat" cmpd="sng" algn="ctr">
+                      <a:solidFill>
+                        <a:schemeClr val="tx1"/>
+                      </a:solidFill>
+                      <a:prstDash val="solid"/>
+                      <a:round/>
+                      <a:headEnd type="none" w="med" len="med"/>
+                      <a:tailEnd type="none" w="med" len="med"/>
+                    </a:lnB>
+                    <a:lnTlToBr w="12700" cmpd="sng">
+                      <a:noFill/>
+                      <a:prstDash val="solid"/>
+                    </a:lnTlToBr>
+                    <a:lnBlToTr w="12700" cmpd="sng">
+                      <a:noFill/>
+                      <a:prstDash val="solid"/>
+                    </a:lnBlToTr>
+                    <a:solidFill>
+                      <a:srgbClr val="FCFCFC"/>
+                    </a:solidFill>
+                  </a:tcPr>
+                </a:tc>
+                <a:tc hMerge="1">
+                  <a:txBody>
+                    <a:bodyPr/>
+                    <a:lstStyle/>
+                    <a:p>
+                      <a:endParaRPr lang="en-US" dirty="0"/>
+                    </a:p>
+                  </a:txBody>
+                  <a:tcPr/>
+                </a:tc>
+                <a:tc hMerge="1">
+                  <a:txBody>
+                    <a:bodyPr/>
+                    <a:lstStyle/>
+                    <a:p>
+                      <a:endParaRPr lang="en-US" dirty="0"/>
+                    </a:p>
+                  </a:txBody>
+                  <a:tcPr/>
+                </a:tc>
+                <a:extLst>
+                  <a:ext uri="{0D108BD9-81ED-4DB2-BD59-A6C34878D82A}">
+                    <a16:rowId xmlns:a16="http://schemas.microsoft.com/office/drawing/2014/main" val="900944559"/>
+                  </a:ext>
+                </a:extLst>
+              </a:tr>
+              <a:tr h="900000">
+                <a:tc>
+                  <a:txBody>
+                    <a:bodyPr/>
+                    <a:lstStyle/>
+                    <a:p>
+                      <a:pPr algn="l"/>
+                      <a:endParaRPr lang="en-US" b="0" dirty="0">
+                        <a:ln w="6350">
+                          <a:noFill/>
+                        </a:ln>
+                        <a:solidFill>
+                          <a:schemeClr val="tx1"/>
+                        </a:solidFill>
+                        <a:latin typeface="Arial" panose="020B0604020202020204" pitchFamily="34" charset="0"/>
+                        <a:cs typeface="Arial" panose="020B0604020202020204" pitchFamily="34" charset="0"/>
+                      </a:endParaRPr>
+                    </a:p>
+                  </a:txBody>
+                  <a:tcPr anchor="ctr">
+                    <a:lnL w="12700" cap="flat" cmpd="sng" algn="ctr">
+                      <a:solidFill>
+                        <a:schemeClr val="tx1"/>
+                      </a:solidFill>
+                      <a:prstDash val="solid"/>
+                      <a:round/>
+                      <a:headEnd type="none" w="med" len="med"/>
+                      <a:tailEnd type="none" w="med" len="med"/>
+                    </a:lnL>
+                    <a:lnR w="28575" cap="flat" cmpd="sng" algn="ctr">
+                      <a:solidFill>
+                        <a:schemeClr val="tx1"/>
+                      </a:solidFill>
+                      <a:prstDash val="solid"/>
+                      <a:round/>
+                      <a:headEnd type="none" w="med" len="med"/>
+                      <a:tailEnd type="none" w="med" len="med"/>
+                    </a:lnR>
+                    <a:lnT w="12700" cap="flat" cmpd="sng" algn="ctr">
+                      <a:solidFill>
+                        <a:schemeClr val="tx1"/>
+                      </a:solidFill>
+                      <a:prstDash val="solid"/>
+                      <a:round/>
+                      <a:headEnd type="none" w="med" len="med"/>
+                      <a:tailEnd type="none" w="med" len="med"/>
+                    </a:lnT>
+                    <a:lnB w="12700" cap="flat" cmpd="sng" algn="ctr">
+                      <a:noFill/>
+                      <a:prstDash val="solid"/>
+                      <a:round/>
+                      <a:headEnd type="none" w="med" len="med"/>
+                      <a:tailEnd type="none" w="med" len="med"/>
+                    </a:lnB>
+                    <a:lnTlToBr w="12700" cmpd="sng">
+                      <a:noFill/>
+                      <a:prstDash val="solid"/>
+                    </a:lnTlToBr>
+                    <a:lnBlToTr w="12700" cmpd="sng">
+                      <a:noFill/>
+                      <a:prstDash val="solid"/>
+                    </a:lnBlToTr>
+                    <a:solidFill>
+                      <a:srgbClr val="FCFCFC"/>
+                    </a:solidFill>
+                  </a:tcPr>
+                </a:tc>
+                <a:tc>
+                  <a:txBody>
+                    <a:bodyPr/>
+                    <a:lstStyle/>
+                    <a:p>
+                      <a:pPr algn="ctr"/>
+                      <a:r>
+                        <a:rPr lang="en-US" b="0" dirty="0">
+                          <a:ln w="6350">
+                            <a:noFill/>
+                          </a:ln>
+                          <a:solidFill>
+                            <a:schemeClr val="tx1"/>
+                          </a:solidFill>
+                          <a:latin typeface="Arial" panose="020B0604020202020204" pitchFamily="34" charset="0"/>
+                          <a:cs typeface="Arial" panose="020B0604020202020204" pitchFamily="34" charset="0"/>
+                        </a:rPr>
+                        <a:t>/path/to/my/database/files/</a:t>
+                      </a:r>
+                    </a:p>
+                  </a:txBody>
+                  <a:tcPr anchor="ctr">
+                    <a:lnL w="28575" cap="flat" cmpd="sng" algn="ctr">
+                      <a:solidFill>
+                        <a:schemeClr val="tx1"/>
+                      </a:solidFill>
+                      <a:prstDash val="solid"/>
+                      <a:round/>
+                      <a:headEnd type="none" w="med" len="med"/>
+                      <a:tailEnd type="none" w="med" len="med"/>
+                    </a:lnL>
+                    <a:lnR w="28575" cap="flat" cmpd="sng" algn="ctr">
+                      <a:solidFill>
+                        <a:schemeClr val="tx1"/>
+                      </a:solidFill>
+                      <a:prstDash val="solid"/>
+                      <a:round/>
+                      <a:headEnd type="none" w="med" len="med"/>
+                      <a:tailEnd type="none" w="med" len="med"/>
+                    </a:lnR>
+                    <a:lnT w="28575" cap="flat" cmpd="sng" algn="ctr">
+                      <a:solidFill>
+                        <a:schemeClr val="tx1"/>
+                      </a:solidFill>
+                      <a:prstDash val="solid"/>
+                      <a:round/>
+                      <a:headEnd type="none" w="med" len="med"/>
+                      <a:tailEnd type="none" w="med" len="med"/>
+                    </a:lnT>
+                    <a:lnB w="28575" cap="flat" cmpd="sng" algn="ctr">
+                      <a:solidFill>
+                        <a:schemeClr val="tx1"/>
+                      </a:solidFill>
+                      <a:prstDash val="solid"/>
+                      <a:round/>
+                      <a:headEnd type="none" w="med" len="med"/>
+                      <a:tailEnd type="none" w="med" len="med"/>
+                    </a:lnB>
+                    <a:lnTlToBr w="12700" cmpd="sng">
+                      <a:noFill/>
+                      <a:prstDash val="solid"/>
+                    </a:lnTlToBr>
+                    <a:lnBlToTr w="12700" cmpd="sng">
+                      <a:noFill/>
+                      <a:prstDash val="solid"/>
+                    </a:lnBlToTr>
+                    <a:solidFill>
+                      <a:srgbClr val="F3F7F6"/>
+                    </a:solidFill>
+                  </a:tcPr>
+                </a:tc>
+                <a:tc>
+                  <a:txBody>
+                    <a:bodyPr/>
+                    <a:lstStyle/>
+                    <a:p>
+                      <a:pPr algn="r"/>
+                      <a:endParaRPr lang="en-US" b="0" dirty="0">
+                        <a:ln w="6350">
+                          <a:noFill/>
+                        </a:ln>
+                        <a:solidFill>
+                          <a:schemeClr val="tx1"/>
+                        </a:solidFill>
+                        <a:latin typeface="Arial" panose="020B0604020202020204" pitchFamily="34" charset="0"/>
+                        <a:cs typeface="Arial" panose="020B0604020202020204" pitchFamily="34" charset="0"/>
+                      </a:endParaRPr>
+                    </a:p>
+                  </a:txBody>
+                  <a:tcPr anchor="ctr">
+                    <a:lnL w="28575" cap="flat" cmpd="sng" algn="ctr">
+                      <a:solidFill>
+                        <a:schemeClr val="tx1"/>
+                      </a:solidFill>
+                      <a:prstDash val="solid"/>
+                      <a:round/>
+                      <a:headEnd type="none" w="med" len="med"/>
+                      <a:tailEnd type="none" w="med" len="med"/>
+                    </a:lnL>
+                    <a:lnR w="12700" cap="flat" cmpd="sng" algn="ctr">
+                      <a:solidFill>
+                        <a:schemeClr val="tx1"/>
+                      </a:solidFill>
+                      <a:prstDash val="solid"/>
+                      <a:round/>
+                      <a:headEnd type="none" w="med" len="med"/>
+                      <a:tailEnd type="none" w="med" len="med"/>
+                    </a:lnR>
+                    <a:lnT w="12700" cap="flat" cmpd="sng" algn="ctr">
+                      <a:solidFill>
+                        <a:schemeClr val="tx1"/>
+                      </a:solidFill>
+                      <a:prstDash val="solid"/>
+                      <a:round/>
+                      <a:headEnd type="none" w="med" len="med"/>
+                      <a:tailEnd type="none" w="med" len="med"/>
+                    </a:lnT>
+                    <a:lnB w="12700" cap="flat" cmpd="sng" algn="ctr">
+                      <a:noFill/>
+                      <a:prstDash val="solid"/>
+                      <a:round/>
+                      <a:headEnd type="none" w="med" len="med"/>
+                      <a:tailEnd type="none" w="med" len="med"/>
+                    </a:lnB>
+                    <a:lnTlToBr w="12700" cmpd="sng">
+                      <a:noFill/>
+                      <a:prstDash val="solid"/>
+                    </a:lnTlToBr>
+                    <a:lnBlToTr w="12700" cmpd="sng">
+                      <a:noFill/>
+                      <a:prstDash val="solid"/>
+                    </a:lnBlToTr>
+                    <a:solidFill>
+                      <a:srgbClr val="FCFCFC"/>
+                    </a:solidFill>
+                  </a:tcPr>
+                </a:tc>
+                <a:extLst>
+                  <a:ext uri="{0D108BD9-81ED-4DB2-BD59-A6C34878D82A}">
+                    <a16:rowId xmlns:a16="http://schemas.microsoft.com/office/drawing/2014/main" val="2284748222"/>
+                  </a:ext>
+                </a:extLst>
+              </a:tr>
+              <a:tr h="900000">
+                <a:tc>
+                  <a:txBody>
+                    <a:bodyPr/>
+                    <a:lstStyle/>
+                    <a:p>
+                      <a:pPr marL="0" marR="0" lvl="0" indent="0" algn="l" defTabSz="914400" rtl="0" eaLnBrk="1" fontAlgn="auto" latinLnBrk="0" hangingPunct="1">
+                        <a:lnSpc>
+                          <a:spcPct val="100000"/>
+                        </a:lnSpc>
+                        <a:spcBef>
+                          <a:spcPts val="0"/>
+                        </a:spcBef>
+                        <a:spcAft>
+                          <a:spcPts val="0"/>
+                        </a:spcAft>
+                        <a:buClrTx/>
+                        <a:buSzTx/>
+                        <a:buFontTx/>
+                        <a:buNone/>
+                        <a:tabLst/>
+                        <a:defRPr/>
+                      </a:pPr>
+                      <a:r>
+                        <a:rPr lang="en-US" b="0" dirty="0" err="1">
+                          <a:ln w="6350">
+                            <a:noFill/>
+                          </a:ln>
+                          <a:solidFill>
+                            <a:schemeClr val="tx1"/>
+                          </a:solidFill>
+                          <a:latin typeface="Arial" panose="020B0604020202020204" pitchFamily="34" charset="0"/>
+                          <a:cs typeface="Arial" panose="020B0604020202020204" pitchFamily="34" charset="0"/>
+                        </a:rPr>
+                        <a:t>Database.close</a:t>
+                      </a:r>
+                      <a:r>
+                        <a:rPr lang="en-US" b="0" dirty="0">
+                          <a:ln w="6350">
+                            <a:noFill/>
+                          </a:ln>
+                          <a:solidFill>
+                            <a:schemeClr val="tx1"/>
+                          </a:solidFill>
+                          <a:latin typeface="Arial" panose="020B0604020202020204" pitchFamily="34" charset="0"/>
+                          <a:cs typeface="Arial" panose="020B0604020202020204" pitchFamily="34" charset="0"/>
+                        </a:rPr>
+                        <a:t>_…()</a:t>
+                      </a:r>
+                    </a:p>
+                    <a:p>
+                      <a:pPr algn="l"/>
+                      <a:endParaRPr lang="en-US" b="0" dirty="0">
+                        <a:ln w="6350">
+                          <a:noFill/>
+                        </a:ln>
+                        <a:solidFill>
+                          <a:schemeClr val="tx1"/>
+                        </a:solidFill>
+                        <a:latin typeface="Arial" panose="020B0604020202020204" pitchFamily="34" charset="0"/>
+                        <a:cs typeface="Arial" panose="020B0604020202020204" pitchFamily="34" charset="0"/>
+                      </a:endParaRPr>
+                    </a:p>
+                  </a:txBody>
+                  <a:tcPr anchor="ctr">
+                    <a:lnL w="12700" cap="flat" cmpd="sng" algn="ctr">
+                      <a:solidFill>
+                        <a:schemeClr val="tx1"/>
+                      </a:solidFill>
+                      <a:prstDash val="solid"/>
+                      <a:round/>
+                      <a:headEnd type="none" w="med" len="med"/>
+                      <a:tailEnd type="none" w="med" len="med"/>
+                    </a:lnL>
+                    <a:lnR w="12700" cap="flat" cmpd="sng" algn="ctr">
+                      <a:noFill/>
+                      <a:prstDash val="solid"/>
+                      <a:round/>
+                      <a:headEnd type="none" w="med" len="med"/>
+                      <a:tailEnd type="none" w="med" len="med"/>
+                    </a:lnR>
+                    <a:lnT w="12700" cap="flat" cmpd="sng" algn="ctr">
+                      <a:noFill/>
+                      <a:prstDash val="solid"/>
+                      <a:round/>
+                      <a:headEnd type="none" w="med" len="med"/>
+                      <a:tailEnd type="none" w="med" len="med"/>
+                    </a:lnT>
+                    <a:lnB w="12700" cap="flat" cmpd="sng" algn="ctr">
+                      <a:noFill/>
+                      <a:prstDash val="solid"/>
+                      <a:round/>
+                      <a:headEnd type="none" w="med" len="med"/>
+                      <a:tailEnd type="none" w="med" len="med"/>
+                    </a:lnB>
+                    <a:lnTlToBr w="12700" cmpd="sng">
+                      <a:noFill/>
+                      <a:prstDash val="solid"/>
+                    </a:lnTlToBr>
+                    <a:lnBlToTr w="12700" cmpd="sng">
+                      <a:noFill/>
+                      <a:prstDash val="solid"/>
+                    </a:lnBlToTr>
+                    <a:solidFill>
+                      <a:srgbClr val="FCFCFC"/>
+                    </a:solidFill>
+                  </a:tcPr>
+                </a:tc>
+                <a:tc>
+                  <a:txBody>
+                    <a:bodyPr/>
+                    <a:lstStyle/>
+                    <a:p>
+                      <a:pPr algn="ctr"/>
+                      <a:endParaRPr lang="en-US" b="0" dirty="0">
+                        <a:ln w="6350">
+                          <a:noFill/>
+                        </a:ln>
+                        <a:solidFill>
+                          <a:schemeClr val="tx1"/>
+                        </a:solidFill>
+                        <a:latin typeface="Arial" panose="020B0604020202020204" pitchFamily="34" charset="0"/>
+                        <a:cs typeface="Arial" panose="020B0604020202020204" pitchFamily="34" charset="0"/>
+                      </a:endParaRPr>
+                    </a:p>
+                  </a:txBody>
+                  <a:tcPr anchor="ctr">
+                    <a:lnL w="12700" cap="flat" cmpd="sng" algn="ctr">
+                      <a:noFill/>
+                      <a:prstDash val="solid"/>
+                      <a:round/>
+                      <a:headEnd type="none" w="med" len="med"/>
+                      <a:tailEnd type="none" w="med" len="med"/>
+                    </a:lnL>
+                    <a:lnR w="12700" cap="flat" cmpd="sng" algn="ctr">
+                      <a:noFill/>
+                      <a:prstDash val="solid"/>
+                      <a:round/>
+                      <a:headEnd type="none" w="med" len="med"/>
+                      <a:tailEnd type="none" w="med" len="med"/>
+                    </a:lnR>
+                    <a:lnT w="28575" cap="flat" cmpd="sng" algn="ctr">
+                      <a:solidFill>
+                        <a:schemeClr val="tx1"/>
+                      </a:solidFill>
+                      <a:prstDash val="solid"/>
+                      <a:round/>
+                      <a:headEnd type="none" w="med" len="med"/>
+                      <a:tailEnd type="none" w="med" len="med"/>
+                    </a:lnT>
+                    <a:lnB w="28575" cap="flat" cmpd="sng" algn="ctr">
+                      <a:solidFill>
+                        <a:schemeClr val="tx1"/>
+                      </a:solidFill>
+                      <a:prstDash val="solid"/>
+                      <a:round/>
+                      <a:headEnd type="none" w="med" len="med"/>
+                      <a:tailEnd type="none" w="med" len="med"/>
+                    </a:lnB>
+                    <a:lnTlToBr w="12700" cmpd="sng">
+                      <a:noFill/>
+                      <a:prstDash val="solid"/>
+                    </a:lnTlToBr>
+                    <a:lnBlToTr w="12700" cmpd="sng">
+                      <a:noFill/>
+                      <a:prstDash val="solid"/>
+                    </a:lnBlToTr>
+                    <a:solidFill>
+                      <a:srgbClr val="FCFCFC"/>
+                    </a:solidFill>
+                  </a:tcPr>
+                </a:tc>
+                <a:tc>
+                  <a:txBody>
+                    <a:bodyPr/>
+                    <a:lstStyle/>
+                    <a:p>
+                      <a:pPr algn="r"/>
+                      <a:r>
+                        <a:rPr lang="en-US" b="0" dirty="0" err="1">
+                          <a:ln w="6350">
+                            <a:noFill/>
+                          </a:ln>
+                          <a:solidFill>
+                            <a:schemeClr val="tx1"/>
+                          </a:solidFill>
+                          <a:latin typeface="Arial" panose="020B0604020202020204" pitchFamily="34" charset="0"/>
+                          <a:cs typeface="Arial" panose="020B0604020202020204" pitchFamily="34" charset="0"/>
+                        </a:rPr>
+                        <a:t>Database.open</a:t>
+                      </a:r>
+                      <a:r>
+                        <a:rPr lang="en-US" b="0" dirty="0">
+                          <a:ln w="6350">
+                            <a:noFill/>
+                          </a:ln>
+                          <a:solidFill>
+                            <a:schemeClr val="tx1"/>
+                          </a:solidFill>
+                          <a:latin typeface="Arial" panose="020B0604020202020204" pitchFamily="34" charset="0"/>
+                          <a:cs typeface="Arial" panose="020B0604020202020204" pitchFamily="34" charset="0"/>
+                        </a:rPr>
+                        <a:t>_…()</a:t>
+                      </a:r>
+                    </a:p>
+                  </a:txBody>
+                  <a:tcPr anchor="ctr">
+                    <a:lnL w="12700" cap="flat" cmpd="sng" algn="ctr">
+                      <a:noFill/>
+                      <a:prstDash val="solid"/>
+                      <a:round/>
+                      <a:headEnd type="none" w="med" len="med"/>
+                      <a:tailEnd type="none" w="med" len="med"/>
+                    </a:lnL>
+                    <a:lnR w="12700" cap="flat" cmpd="sng" algn="ctr">
+                      <a:solidFill>
+                        <a:schemeClr val="tx1"/>
+                      </a:solidFill>
+                      <a:prstDash val="solid"/>
+                      <a:round/>
+                      <a:headEnd type="none" w="med" len="med"/>
+                      <a:tailEnd type="none" w="med" len="med"/>
+                    </a:lnR>
+                    <a:lnT w="12700" cap="flat" cmpd="sng" algn="ctr">
+                      <a:noFill/>
+                      <a:prstDash val="solid"/>
+                      <a:round/>
+                      <a:headEnd type="none" w="med" len="med"/>
+                      <a:tailEnd type="none" w="med" len="med"/>
+                    </a:lnT>
+                    <a:lnB w="12700" cap="flat" cmpd="sng" algn="ctr">
+                      <a:noFill/>
+                      <a:prstDash val="solid"/>
+                      <a:round/>
+                      <a:headEnd type="none" w="med" len="med"/>
+                      <a:tailEnd type="none" w="med" len="med"/>
+                    </a:lnB>
+                    <a:lnTlToBr w="12700" cmpd="sng">
+                      <a:noFill/>
+                      <a:prstDash val="solid"/>
+                    </a:lnTlToBr>
+                    <a:lnBlToTr w="12700" cmpd="sng">
+                      <a:noFill/>
+                      <a:prstDash val="solid"/>
+                    </a:lnBlToTr>
+                    <a:solidFill>
+                      <a:srgbClr val="FCFCFC"/>
+                    </a:solidFill>
+                  </a:tcPr>
+                </a:tc>
+                <a:extLst>
+                  <a:ext uri="{0D108BD9-81ED-4DB2-BD59-A6C34878D82A}">
+                    <a16:rowId xmlns:a16="http://schemas.microsoft.com/office/drawing/2014/main" val="2700188947"/>
+                  </a:ext>
+                </a:extLst>
+              </a:tr>
+              <a:tr h="900000">
+                <a:tc>
+                  <a:txBody>
+                    <a:bodyPr/>
+                    <a:lstStyle/>
+                    <a:p>
+                      <a:pPr algn="l"/>
+                      <a:endParaRPr lang="en-US" b="0" dirty="0">
+                        <a:ln w="6350">
+                          <a:noFill/>
+                        </a:ln>
+                        <a:solidFill>
+                          <a:schemeClr val="tx1"/>
+                        </a:solidFill>
+                        <a:latin typeface="Arial" panose="020B0604020202020204" pitchFamily="34" charset="0"/>
+                        <a:cs typeface="Arial" panose="020B0604020202020204" pitchFamily="34" charset="0"/>
+                      </a:endParaRPr>
+                    </a:p>
+                  </a:txBody>
+                  <a:tcPr anchor="ctr">
+                    <a:lnL w="12700" cap="flat" cmpd="sng" algn="ctr">
+                      <a:solidFill>
+                        <a:schemeClr val="tx1"/>
+                      </a:solidFill>
+                      <a:prstDash val="solid"/>
+                      <a:round/>
+                      <a:headEnd type="none" w="med" len="med"/>
+                      <a:tailEnd type="none" w="med" len="med"/>
+                    </a:lnL>
+                    <a:lnR w="28575" cap="flat" cmpd="sng" algn="ctr">
+                      <a:solidFill>
+                        <a:schemeClr val="tx1"/>
+                      </a:solidFill>
+                      <a:prstDash val="solid"/>
+                      <a:round/>
+                      <a:headEnd type="none" w="med" len="med"/>
+                      <a:tailEnd type="none" w="med" len="med"/>
+                    </a:lnR>
+                    <a:lnT w="12700" cap="flat" cmpd="sng" algn="ctr">
+                      <a:noFill/>
+                      <a:prstDash val="solid"/>
+                      <a:round/>
+                      <a:headEnd type="none" w="med" len="med"/>
+                      <a:tailEnd type="none" w="med" len="med"/>
+                    </a:lnT>
+                    <a:lnB w="12700" cap="flat" cmpd="sng" algn="ctr">
+                      <a:noFill/>
+                      <a:prstDash val="solid"/>
+                      <a:round/>
+                      <a:headEnd type="none" w="med" len="med"/>
+                      <a:tailEnd type="none" w="med" len="med"/>
+                    </a:lnB>
+                    <a:lnTlToBr w="12700" cmpd="sng">
+                      <a:noFill/>
+                      <a:prstDash val="solid"/>
+                    </a:lnTlToBr>
+                    <a:lnBlToTr w="12700" cmpd="sng">
+                      <a:noFill/>
+                      <a:prstDash val="solid"/>
+                    </a:lnBlToTr>
+                    <a:solidFill>
+                      <a:srgbClr val="FCFCFC"/>
+                    </a:solidFill>
+                  </a:tcPr>
+                </a:tc>
+                <a:tc>
+                  <a:txBody>
+                    <a:bodyPr/>
+                    <a:lstStyle/>
+                    <a:p>
+                      <a:pPr algn="ctr"/>
+                      <a:r>
+                        <a:rPr lang="en-US" b="0" dirty="0" err="1">
+                          <a:ln w="6350">
+                            <a:noFill/>
+                          </a:ln>
+                          <a:solidFill>
+                            <a:schemeClr val="tx1"/>
+                          </a:solidFill>
+                          <a:latin typeface="Arial" panose="020B0604020202020204" pitchFamily="34" charset="0"/>
+                          <a:cs typeface="Arial" panose="020B0604020202020204" pitchFamily="34" charset="0"/>
+                        </a:rPr>
+                        <a:t>CAT.Database</a:t>
+                      </a:r>
+                      <a:endParaRPr lang="en-US" b="0" dirty="0">
+                        <a:ln w="6350">
+                          <a:noFill/>
+                        </a:ln>
+                        <a:solidFill>
+                          <a:schemeClr val="tx1"/>
+                        </a:solidFill>
+                        <a:latin typeface="Arial" panose="020B0604020202020204" pitchFamily="34" charset="0"/>
+                        <a:cs typeface="Arial" panose="020B0604020202020204" pitchFamily="34" charset="0"/>
+                      </a:endParaRPr>
+                    </a:p>
+                  </a:txBody>
+                  <a:tcPr anchor="ctr">
+                    <a:lnL w="28575" cap="flat" cmpd="sng" algn="ctr">
+                      <a:solidFill>
+                        <a:schemeClr val="tx1"/>
+                      </a:solidFill>
+                      <a:prstDash val="solid"/>
+                      <a:round/>
+                      <a:headEnd type="none" w="med" len="med"/>
+                      <a:tailEnd type="none" w="med" len="med"/>
+                    </a:lnL>
+                    <a:lnR w="28575" cap="flat" cmpd="sng" algn="ctr">
+                      <a:solidFill>
+                        <a:schemeClr val="tx1"/>
+                      </a:solidFill>
+                      <a:prstDash val="solid"/>
+                      <a:round/>
+                      <a:headEnd type="none" w="med" len="med"/>
+                      <a:tailEnd type="none" w="med" len="med"/>
+                    </a:lnR>
+                    <a:lnT w="28575" cap="flat" cmpd="sng" algn="ctr">
+                      <a:solidFill>
+                        <a:schemeClr val="tx1"/>
+                      </a:solidFill>
+                      <a:prstDash val="solid"/>
+                      <a:round/>
+                      <a:headEnd type="none" w="med" len="med"/>
+                      <a:tailEnd type="none" w="med" len="med"/>
+                    </a:lnT>
+                    <a:lnB w="28575" cap="flat" cmpd="sng" algn="ctr">
+                      <a:solidFill>
+                        <a:schemeClr val="tx1"/>
+                      </a:solidFill>
+                      <a:prstDash val="solid"/>
+                      <a:round/>
+                      <a:headEnd type="none" w="med" len="med"/>
+                      <a:tailEnd type="none" w="med" len="med"/>
+                    </a:lnB>
+                    <a:lnTlToBr w="12700" cmpd="sng">
+                      <a:noFill/>
+                      <a:prstDash val="solid"/>
+                    </a:lnTlToBr>
+                    <a:lnBlToTr w="12700" cmpd="sng">
+                      <a:noFill/>
+                      <a:prstDash val="solid"/>
+                    </a:lnBlToTr>
+                    <a:solidFill>
+                      <a:srgbClr val="F3F7F6"/>
+                    </a:solidFill>
+                  </a:tcPr>
+                </a:tc>
+                <a:tc>
+                  <a:txBody>
+                    <a:bodyPr/>
+                    <a:lstStyle/>
+                    <a:p>
+                      <a:pPr algn="r"/>
+                      <a:endParaRPr lang="en-US" b="0" dirty="0">
+                        <a:ln w="6350">
+                          <a:noFill/>
+                        </a:ln>
+                        <a:solidFill>
+                          <a:schemeClr val="tx1"/>
+                        </a:solidFill>
+                        <a:latin typeface="Arial" panose="020B0604020202020204" pitchFamily="34" charset="0"/>
+                        <a:cs typeface="Arial" panose="020B0604020202020204" pitchFamily="34" charset="0"/>
+                      </a:endParaRPr>
+                    </a:p>
+                  </a:txBody>
+                  <a:tcPr anchor="ctr">
+                    <a:lnL w="28575" cap="flat" cmpd="sng" algn="ctr">
+                      <a:solidFill>
+                        <a:schemeClr val="tx1"/>
+                      </a:solidFill>
+                      <a:prstDash val="solid"/>
+                      <a:round/>
+                      <a:headEnd type="none" w="med" len="med"/>
+                      <a:tailEnd type="none" w="med" len="med"/>
+                    </a:lnL>
+                    <a:lnR w="12700" cap="flat" cmpd="sng" algn="ctr">
+                      <a:solidFill>
+                        <a:schemeClr val="tx1"/>
+                      </a:solidFill>
+                      <a:prstDash val="solid"/>
+                      <a:round/>
+                      <a:headEnd type="none" w="med" len="med"/>
+                      <a:tailEnd type="none" w="med" len="med"/>
+                    </a:lnR>
+                    <a:lnT w="12700" cap="flat" cmpd="sng" algn="ctr">
+                      <a:noFill/>
+                      <a:prstDash val="solid"/>
+                      <a:round/>
+                      <a:headEnd type="none" w="med" len="med"/>
+                      <a:tailEnd type="none" w="med" len="med"/>
+                    </a:lnT>
+                    <a:lnB w="12700" cap="flat" cmpd="sng" algn="ctr">
+                      <a:noFill/>
+                      <a:prstDash val="solid"/>
+                      <a:round/>
+                      <a:headEnd type="none" w="med" len="med"/>
+                      <a:tailEnd type="none" w="med" len="med"/>
+                    </a:lnB>
+                    <a:lnTlToBr w="12700" cmpd="sng">
+                      <a:noFill/>
+                      <a:prstDash val="solid"/>
+                    </a:lnTlToBr>
+                    <a:lnBlToTr w="12700" cmpd="sng">
+                      <a:noFill/>
+                      <a:prstDash val="solid"/>
+                    </a:lnBlToTr>
+                    <a:solidFill>
+                      <a:srgbClr val="FCFCFC"/>
+                    </a:solidFill>
+                  </a:tcPr>
+                </a:tc>
+                <a:extLst>
+                  <a:ext uri="{0D108BD9-81ED-4DB2-BD59-A6C34878D82A}">
+                    <a16:rowId xmlns:a16="http://schemas.microsoft.com/office/drawing/2014/main" val="1053945653"/>
+                  </a:ext>
+                </a:extLst>
+              </a:tr>
+              <a:tr h="900000">
+                <a:tc>
+                  <a:txBody>
+                    <a:bodyPr/>
+                    <a:lstStyle/>
+                    <a:p>
+                      <a:pPr marL="0" marR="0" lvl="0" indent="0" algn="l" defTabSz="914400" rtl="0" eaLnBrk="1" fontAlgn="auto" latinLnBrk="0" hangingPunct="1">
+                        <a:lnSpc>
+                          <a:spcPct val="100000"/>
+                        </a:lnSpc>
+                        <a:spcBef>
+                          <a:spcPts val="0"/>
+                        </a:spcBef>
+                        <a:spcAft>
+                          <a:spcPts val="0"/>
+                        </a:spcAft>
+                        <a:buClrTx/>
+                        <a:buSzTx/>
+                        <a:buFontTx/>
+                        <a:buNone/>
+                        <a:tabLst/>
+                        <a:defRPr/>
+                      </a:pPr>
+                      <a:r>
+                        <a:rPr lang="en-US" b="0" dirty="0" err="1">
+                          <a:ln w="6350">
+                            <a:noFill/>
+                          </a:ln>
+                          <a:solidFill>
+                            <a:schemeClr val="tx1"/>
+                          </a:solidFill>
+                          <a:latin typeface="Arial" panose="020B0604020202020204" pitchFamily="34" charset="0"/>
+                          <a:cs typeface="Arial" panose="020B0604020202020204" pitchFamily="34" charset="0"/>
+                        </a:rPr>
+                        <a:t>Database.update</a:t>
+                      </a:r>
+                      <a:r>
+                        <a:rPr lang="en-US" b="0" dirty="0">
+                          <a:ln w="6350">
+                            <a:noFill/>
+                          </a:ln>
+                          <a:solidFill>
+                            <a:schemeClr val="tx1"/>
+                          </a:solidFill>
+                          <a:latin typeface="Arial" panose="020B0604020202020204" pitchFamily="34" charset="0"/>
+                          <a:cs typeface="Arial" panose="020B0604020202020204" pitchFamily="34" charset="0"/>
+                        </a:rPr>
+                        <a:t>_…()</a:t>
+                      </a:r>
+                    </a:p>
+                  </a:txBody>
+                  <a:tcPr anchor="ctr">
+                    <a:lnL w="12700" cap="flat" cmpd="sng" algn="ctr">
+                      <a:solidFill>
+                        <a:schemeClr val="tx1"/>
+                      </a:solidFill>
+                      <a:prstDash val="solid"/>
+                      <a:round/>
+                      <a:headEnd type="none" w="med" len="med"/>
+                      <a:tailEnd type="none" w="med" len="med"/>
+                    </a:lnL>
+                    <a:lnR w="12700" cap="flat" cmpd="sng" algn="ctr">
+                      <a:noFill/>
+                      <a:prstDash val="solid"/>
+                      <a:round/>
+                      <a:headEnd type="none" w="med" len="med"/>
+                      <a:tailEnd type="none" w="med" len="med"/>
+                    </a:lnR>
+                    <a:lnT w="12700" cap="flat" cmpd="sng" algn="ctr">
+                      <a:noFill/>
+                      <a:prstDash val="solid"/>
+                      <a:round/>
+                      <a:headEnd type="none" w="med" len="med"/>
+                      <a:tailEnd type="none" w="med" len="med"/>
+                    </a:lnT>
+                    <a:lnB w="12700" cap="flat" cmpd="sng" algn="ctr">
+                      <a:noFill/>
+                      <a:prstDash val="solid"/>
+                      <a:round/>
+                      <a:headEnd type="none" w="med" len="med"/>
+                      <a:tailEnd type="none" w="med" len="med"/>
+                    </a:lnB>
+                    <a:lnTlToBr w="12700" cmpd="sng">
+                      <a:noFill/>
+                      <a:prstDash val="solid"/>
+                    </a:lnTlToBr>
+                    <a:lnBlToTr w="12700" cmpd="sng">
+                      <a:noFill/>
+                      <a:prstDash val="solid"/>
+                    </a:lnBlToTr>
+                    <a:solidFill>
+                      <a:srgbClr val="FCFCFC"/>
+                    </a:solidFill>
+                  </a:tcPr>
+                </a:tc>
+                <a:tc>
+                  <a:txBody>
+                    <a:bodyPr/>
+                    <a:lstStyle/>
+                    <a:p>
+                      <a:pPr algn="ctr"/>
+                      <a:endParaRPr lang="en-US" b="0" dirty="0">
+                        <a:ln w="6350">
+                          <a:noFill/>
+                        </a:ln>
+                        <a:solidFill>
+                          <a:schemeClr val="tx1"/>
+                        </a:solidFill>
+                        <a:latin typeface="Arial" panose="020B0604020202020204" pitchFamily="34" charset="0"/>
+                        <a:cs typeface="Arial" panose="020B0604020202020204" pitchFamily="34" charset="0"/>
+                      </a:endParaRPr>
+                    </a:p>
+                  </a:txBody>
+                  <a:tcPr anchor="ctr">
+                    <a:lnL w="12700" cap="flat" cmpd="sng" algn="ctr">
+                      <a:noFill/>
+                      <a:prstDash val="solid"/>
+                      <a:round/>
+                      <a:headEnd type="none" w="med" len="med"/>
+                      <a:tailEnd type="none" w="med" len="med"/>
+                    </a:lnL>
+                    <a:lnR w="12700" cap="flat" cmpd="sng" algn="ctr">
+                      <a:noFill/>
+                      <a:prstDash val="solid"/>
+                      <a:round/>
+                      <a:headEnd type="none" w="med" len="med"/>
+                      <a:tailEnd type="none" w="med" len="med"/>
+                    </a:lnR>
+                    <a:lnT w="28575" cap="flat" cmpd="sng" algn="ctr">
+                      <a:solidFill>
+                        <a:schemeClr val="tx1"/>
+                      </a:solidFill>
+                      <a:prstDash val="solid"/>
+                      <a:round/>
+                      <a:headEnd type="none" w="med" len="med"/>
+                      <a:tailEnd type="none" w="med" len="med"/>
+                    </a:lnT>
+                    <a:lnB w="28575" cap="flat" cmpd="sng" algn="ctr">
+                      <a:solidFill>
+                        <a:schemeClr val="tx1"/>
+                      </a:solidFill>
+                      <a:prstDash val="solid"/>
+                      <a:round/>
+                      <a:headEnd type="none" w="med" len="med"/>
+                      <a:tailEnd type="none" w="med" len="med"/>
+                    </a:lnB>
+                    <a:lnTlToBr w="12700" cmpd="sng">
+                      <a:noFill/>
+                      <a:prstDash val="solid"/>
+                    </a:lnTlToBr>
+                    <a:lnBlToTr w="12700" cmpd="sng">
+                      <a:noFill/>
+                      <a:prstDash val="solid"/>
+                    </a:lnBlToTr>
+                    <a:solidFill>
+                      <a:srgbClr val="FCFCFC"/>
+                    </a:solidFill>
+                  </a:tcPr>
+                </a:tc>
+                <a:tc>
+                  <a:txBody>
+                    <a:bodyPr/>
+                    <a:lstStyle/>
+                    <a:p>
+                      <a:pPr marL="0" marR="0" lvl="0" indent="0" algn="r" defTabSz="914400" rtl="0" eaLnBrk="1" fontAlgn="auto" latinLnBrk="0" hangingPunct="1">
+                        <a:lnSpc>
+                          <a:spcPct val="100000"/>
+                        </a:lnSpc>
+                        <a:spcBef>
+                          <a:spcPts val="0"/>
+                        </a:spcBef>
+                        <a:spcAft>
+                          <a:spcPts val="0"/>
+                        </a:spcAft>
+                        <a:buClrTx/>
+                        <a:buSzTx/>
+                        <a:buFontTx/>
+                        <a:buNone/>
+                        <a:tabLst/>
+                        <a:defRPr/>
+                      </a:pPr>
+                      <a:r>
+                        <a:rPr lang="en-US" b="0" dirty="0" err="1">
+                          <a:ln w="6350">
+                            <a:noFill/>
+                          </a:ln>
+                          <a:solidFill>
+                            <a:schemeClr val="tx1"/>
+                          </a:solidFill>
+                          <a:latin typeface="Arial" panose="020B0604020202020204" pitchFamily="34" charset="0"/>
+                          <a:cs typeface="Arial" panose="020B0604020202020204" pitchFamily="34" charset="0"/>
+                        </a:rPr>
+                        <a:t>Database.from</a:t>
+                      </a:r>
+                      <a:r>
+                        <a:rPr lang="en-US" b="0" dirty="0">
+                          <a:ln w="6350">
+                            <a:noFill/>
+                          </a:ln>
+                          <a:solidFill>
+                            <a:schemeClr val="tx1"/>
+                          </a:solidFill>
+                          <a:latin typeface="Arial" panose="020B0604020202020204" pitchFamily="34" charset="0"/>
+                          <a:cs typeface="Arial" panose="020B0604020202020204" pitchFamily="34" charset="0"/>
+                        </a:rPr>
+                        <a:t>_…()</a:t>
+                      </a:r>
+                    </a:p>
+                  </a:txBody>
+                  <a:tcPr anchor="ctr">
+                    <a:lnL w="12700" cap="flat" cmpd="sng" algn="ctr">
+                      <a:noFill/>
+                      <a:prstDash val="solid"/>
+                      <a:round/>
+                      <a:headEnd type="none" w="med" len="med"/>
+                      <a:tailEnd type="none" w="med" len="med"/>
+                    </a:lnL>
+                    <a:lnR w="12700" cap="flat" cmpd="sng" algn="ctr">
+                      <a:solidFill>
+                        <a:schemeClr val="tx1"/>
+                      </a:solidFill>
+                      <a:prstDash val="solid"/>
+                      <a:round/>
+                      <a:headEnd type="none" w="med" len="med"/>
+                      <a:tailEnd type="none" w="med" len="med"/>
+                    </a:lnR>
+                    <a:lnT w="12700" cap="flat" cmpd="sng" algn="ctr">
+                      <a:noFill/>
+                      <a:prstDash val="solid"/>
+                      <a:round/>
+                      <a:headEnd type="none" w="med" len="med"/>
+                      <a:tailEnd type="none" w="med" len="med"/>
+                    </a:lnT>
+                    <a:lnB w="12700" cap="flat" cmpd="sng" algn="ctr">
+                      <a:noFill/>
+                      <a:prstDash val="solid"/>
+                      <a:round/>
+                      <a:headEnd type="none" w="med" len="med"/>
+                      <a:tailEnd type="none" w="med" len="med"/>
+                    </a:lnB>
+                    <a:lnTlToBr w="12700" cmpd="sng">
+                      <a:noFill/>
+                      <a:prstDash val="solid"/>
+                    </a:lnTlToBr>
+                    <a:lnBlToTr w="12700" cmpd="sng">
+                      <a:noFill/>
+                      <a:prstDash val="solid"/>
+                    </a:lnBlToTr>
+                    <a:solidFill>
+                      <a:srgbClr val="FCFCFC"/>
+                    </a:solidFill>
+                  </a:tcPr>
+                </a:tc>
+                <a:extLst>
+                  <a:ext uri="{0D108BD9-81ED-4DB2-BD59-A6C34878D82A}">
+                    <a16:rowId xmlns:a16="http://schemas.microsoft.com/office/drawing/2014/main" val="289472029"/>
+                  </a:ext>
+                </a:extLst>
+              </a:tr>
+              <a:tr h="900000">
+                <a:tc>
+                  <a:txBody>
+                    <a:bodyPr/>
+                    <a:lstStyle/>
+                    <a:p>
+                      <a:pPr algn="l"/>
+                      <a:endParaRPr lang="en-US" b="0" dirty="0">
+                        <a:ln w="6350">
+                          <a:noFill/>
+                        </a:ln>
+                        <a:solidFill>
+                          <a:schemeClr val="tx1"/>
+                        </a:solidFill>
+                        <a:latin typeface="Arial" panose="020B0604020202020204" pitchFamily="34" charset="0"/>
+                        <a:cs typeface="Arial" panose="020B0604020202020204" pitchFamily="34" charset="0"/>
+                      </a:endParaRPr>
+                    </a:p>
+                  </a:txBody>
+                  <a:tcPr anchor="ctr">
+                    <a:lnL w="12700" cap="flat" cmpd="sng" algn="ctr">
+                      <a:solidFill>
+                        <a:schemeClr val="tx1"/>
+                      </a:solidFill>
+                      <a:prstDash val="solid"/>
+                      <a:round/>
+                      <a:headEnd type="none" w="med" len="med"/>
+                      <a:tailEnd type="none" w="med" len="med"/>
+                    </a:lnL>
+                    <a:lnR w="28575" cap="flat" cmpd="sng" algn="ctr">
+                      <a:solidFill>
+                        <a:schemeClr val="tx1"/>
+                      </a:solidFill>
+                      <a:prstDash val="solid"/>
+                      <a:round/>
+                      <a:headEnd type="none" w="med" len="med"/>
+                      <a:tailEnd type="none" w="med" len="med"/>
+                    </a:lnR>
+                    <a:lnT w="12700" cap="flat" cmpd="sng" algn="ctr">
+                      <a:noFill/>
+                      <a:prstDash val="solid"/>
+                      <a:round/>
+                      <a:headEnd type="none" w="med" len="med"/>
+                      <a:tailEnd type="none" w="med" len="med"/>
+                    </a:lnT>
+                    <a:lnB w="12700" cap="flat" cmpd="sng" algn="ctr">
+                      <a:solidFill>
+                        <a:schemeClr val="tx1"/>
+                      </a:solidFill>
+                      <a:prstDash val="solid"/>
+                      <a:round/>
+                      <a:headEnd type="none" w="med" len="med"/>
+                      <a:tailEnd type="none" w="med" len="med"/>
+                    </a:lnB>
+                    <a:lnTlToBr w="12700" cmpd="sng">
+                      <a:noFill/>
+                      <a:prstDash val="solid"/>
+                    </a:lnTlToBr>
+                    <a:lnBlToTr w="12700" cmpd="sng">
+                      <a:noFill/>
+                      <a:prstDash val="solid"/>
+                    </a:lnBlToTr>
+                    <a:solidFill>
+                      <a:srgbClr val="FCFCFC"/>
+                    </a:solidFill>
+                  </a:tcPr>
+                </a:tc>
+                <a:tc>
+                  <a:txBody>
+                    <a:bodyPr/>
+                    <a:lstStyle/>
+                    <a:p>
+                      <a:pPr algn="ctr"/>
+                      <a:r>
+                        <a:rPr lang="en-US" b="0" dirty="0" err="1">
+                          <a:ln w="6350">
+                            <a:noFill/>
+                          </a:ln>
+                          <a:solidFill>
+                            <a:schemeClr val="tx1"/>
+                          </a:solidFill>
+                          <a:latin typeface="Arial" panose="020B0604020202020204" pitchFamily="34" charset="0"/>
+                          <a:cs typeface="Arial" panose="020B0604020202020204" pitchFamily="34" charset="0"/>
+                        </a:rPr>
+                        <a:t>my_python_object</a:t>
+                      </a:r>
+                      <a:endParaRPr lang="en-US" b="0" dirty="0">
+                        <a:ln w="6350">
+                          <a:noFill/>
+                        </a:ln>
+                        <a:solidFill>
+                          <a:schemeClr val="tx1"/>
+                        </a:solidFill>
+                        <a:latin typeface="Arial" panose="020B0604020202020204" pitchFamily="34" charset="0"/>
+                        <a:cs typeface="Arial" panose="020B0604020202020204" pitchFamily="34" charset="0"/>
+                      </a:endParaRPr>
+                    </a:p>
+                  </a:txBody>
+                  <a:tcPr anchor="ctr">
+                    <a:lnL w="28575" cap="flat" cmpd="sng" algn="ctr">
+                      <a:solidFill>
+                        <a:schemeClr val="tx1"/>
+                      </a:solidFill>
+                      <a:prstDash val="solid"/>
+                      <a:round/>
+                      <a:headEnd type="none" w="med" len="med"/>
+                      <a:tailEnd type="none" w="med" len="med"/>
+                    </a:lnL>
+                    <a:lnR w="28575" cap="flat" cmpd="sng" algn="ctr">
+                      <a:solidFill>
+                        <a:schemeClr val="tx1"/>
+                      </a:solidFill>
+                      <a:prstDash val="solid"/>
+                      <a:round/>
+                      <a:headEnd type="none" w="med" len="med"/>
+                      <a:tailEnd type="none" w="med" len="med"/>
+                    </a:lnR>
+                    <a:lnT w="28575" cap="flat" cmpd="sng" algn="ctr">
+                      <a:solidFill>
+                        <a:schemeClr val="tx1"/>
+                      </a:solidFill>
+                      <a:prstDash val="solid"/>
+                      <a:round/>
+                      <a:headEnd type="none" w="med" len="med"/>
+                      <a:tailEnd type="none" w="med" len="med"/>
+                    </a:lnT>
+                    <a:lnB w="28575" cap="flat" cmpd="sng" algn="ctr">
+                      <a:solidFill>
+                        <a:schemeClr val="tx1"/>
+                      </a:solidFill>
+                      <a:prstDash val="solid"/>
+                      <a:round/>
+                      <a:headEnd type="none" w="med" len="med"/>
+                      <a:tailEnd type="none" w="med" len="med"/>
+                    </a:lnB>
+                    <a:lnTlToBr w="12700" cmpd="sng">
+                      <a:noFill/>
+                      <a:prstDash val="solid"/>
+                    </a:lnTlToBr>
+                    <a:lnBlToTr w="12700" cmpd="sng">
+                      <a:noFill/>
+                      <a:prstDash val="solid"/>
+                    </a:lnBlToTr>
+                    <a:solidFill>
+                      <a:srgbClr val="F3F7F6"/>
+                    </a:solidFill>
+                  </a:tcPr>
+                </a:tc>
+                <a:tc>
+                  <a:txBody>
+                    <a:bodyPr/>
+                    <a:lstStyle/>
+                    <a:p>
+                      <a:pPr algn="r"/>
+                      <a:endParaRPr lang="en-US" b="0" dirty="0">
+                        <a:ln w="6350">
+                          <a:noFill/>
+                        </a:ln>
+                        <a:solidFill>
+                          <a:schemeClr val="tx1"/>
+                        </a:solidFill>
+                        <a:latin typeface="Arial" panose="020B0604020202020204" pitchFamily="34" charset="0"/>
+                        <a:cs typeface="Arial" panose="020B0604020202020204" pitchFamily="34" charset="0"/>
+                      </a:endParaRPr>
+                    </a:p>
+                  </a:txBody>
+                  <a:tcPr anchor="ctr">
+                    <a:lnL w="28575" cap="flat" cmpd="sng" algn="ctr">
+                      <a:solidFill>
+                        <a:schemeClr val="tx1"/>
+                      </a:solidFill>
+                      <a:prstDash val="solid"/>
+                      <a:round/>
+                      <a:headEnd type="none" w="med" len="med"/>
+                      <a:tailEnd type="none" w="med" len="med"/>
+                    </a:lnL>
+                    <a:lnR w="12700" cap="flat" cmpd="sng" algn="ctr">
+                      <a:solidFill>
+                        <a:schemeClr val="tx1"/>
+                      </a:solidFill>
+                      <a:prstDash val="solid"/>
+                      <a:round/>
+                      <a:headEnd type="none" w="med" len="med"/>
+                      <a:tailEnd type="none" w="med" len="med"/>
+                    </a:lnR>
+                    <a:lnT w="12700" cap="flat" cmpd="sng" algn="ctr">
+                      <a:noFill/>
+                      <a:prstDash val="solid"/>
+                      <a:round/>
+                      <a:headEnd type="none" w="med" len="med"/>
+                      <a:tailEnd type="none" w="med" len="med"/>
+                    </a:lnT>
+                    <a:lnB w="12700" cap="flat" cmpd="sng" algn="ctr">
+                      <a:solidFill>
+                        <a:schemeClr val="tx1"/>
+                      </a:solidFill>
+                      <a:prstDash val="solid"/>
+                      <a:round/>
+                      <a:headEnd type="none" w="med" len="med"/>
+                      <a:tailEnd type="none" w="med" len="med"/>
+                    </a:lnB>
+                    <a:lnTlToBr w="12700" cmpd="sng">
+                      <a:noFill/>
+                      <a:prstDash val="solid"/>
+                    </a:lnTlToBr>
+                    <a:lnBlToTr w="12700" cmpd="sng">
+                      <a:noFill/>
+                      <a:prstDash val="solid"/>
+                    </a:lnBlToTr>
+                    <a:solidFill>
+                      <a:srgbClr val="FCFCFC"/>
+                    </a:solidFill>
+                  </a:tcPr>
+                </a:tc>
+                <a:extLst>
+                  <a:ext uri="{0D108BD9-81ED-4DB2-BD59-A6C34878D82A}">
+                    <a16:rowId xmlns:a16="http://schemas.microsoft.com/office/drawing/2014/main" val="245596258"/>
+                  </a:ext>
+                </a:extLst>
+              </a:tr>
+            </a:tbl>
+          </a:graphicData>
+        </a:graphic>
+      </p:graphicFrame>
+      <p:grpSp>
+        <p:nvGrpSpPr>
+          <p:cNvPr id="5" name="Group 4">
+            <a:extLst>
+              <a:ext uri="{FF2B5EF4-FFF2-40B4-BE49-F238E27FC236}">
+                <a16:creationId xmlns:a16="http://schemas.microsoft.com/office/drawing/2014/main" id="{C446B0DC-1455-0E43-B86F-B3B1FE1AF080}"/>
+              </a:ext>
+            </a:extLst>
+          </p:cNvPr>
+          <p:cNvGrpSpPr/>
+          <p:nvPr/>
+        </p:nvGrpSpPr>
+        <p:grpSpPr>
+          <a:xfrm>
+            <a:off x="7758798" y="1841988"/>
+            <a:ext cx="720000" cy="3780001"/>
+            <a:chOff x="7758798" y="1841988"/>
+            <a:chExt cx="720000" cy="3780001"/>
+          </a:xfrm>
+          <a:effectLst>
+            <a:outerShdw blurRad="50800" dist="38100" dir="2700000" algn="tl" rotWithShape="0">
+              <a:prstClr val="black">
+                <a:alpha val="20000"/>
+              </a:prstClr>
+            </a:outerShdw>
+          </a:effectLst>
+        </p:grpSpPr>
+        <p:sp>
+          <p:nvSpPr>
+            <p:cNvPr id="6" name="U-Turn Arrow 5">
+              <a:extLst>
+                <a:ext uri="{FF2B5EF4-FFF2-40B4-BE49-F238E27FC236}">
+                  <a16:creationId xmlns:a16="http://schemas.microsoft.com/office/drawing/2014/main" id="{2811B6C7-EF68-4346-9F4C-ED8F4D137575}"/>
+                </a:ext>
+              </a:extLst>
+            </p:cNvPr>
+            <p:cNvSpPr/>
+            <p:nvPr/>
+          </p:nvSpPr>
+          <p:spPr>
+            <a:xfrm rot="5400000">
+              <a:off x="7173798" y="4316989"/>
+              <a:ext cx="1890000" cy="720000"/>
+            </a:xfrm>
+            <a:prstGeom prst="uturnArrow">
+              <a:avLst>
+                <a:gd name="adj1" fmla="val 16537"/>
+                <a:gd name="adj2" fmla="val 19385"/>
+                <a:gd name="adj3" fmla="val 18038"/>
+                <a:gd name="adj4" fmla="val 43750"/>
+                <a:gd name="adj5" fmla="val 100000"/>
+              </a:avLst>
+            </a:prstGeom>
+            <a:solidFill>
+              <a:schemeClr val="tx1"/>
+            </a:solidFill>
+            <a:ln w="12700">
+              <a:solidFill>
+                <a:schemeClr val="bg1">
+                  <a:alpha val="67000"/>
+                </a:schemeClr>
+              </a:solidFill>
+            </a:ln>
+          </p:spPr>
+          <p:style>
+            <a:lnRef idx="2">
+              <a:schemeClr val="accent1">
+                <a:shade val="50000"/>
+              </a:schemeClr>
+            </a:lnRef>
+            <a:fillRef idx="1">
+              <a:schemeClr val="accent1"/>
+            </a:fillRef>
+            <a:effectRef idx="0">
+              <a:schemeClr val="accent1"/>
+            </a:effectRef>
+            <a:fontRef idx="minor">
+              <a:schemeClr val="lt1"/>
+            </a:fontRef>
+          </p:style>
+          <p:txBody>
+            <a:bodyPr rtlCol="0" anchor="ctr"/>
+            <a:lstStyle/>
+            <a:p>
+              <a:pPr algn="ctr"/>
+              <a:endParaRPr lang="en-US">
+                <a:solidFill>
+                  <a:schemeClr val="tx1"/>
+                </a:solidFill>
+              </a:endParaRPr>
+            </a:p>
+          </p:txBody>
+        </p:sp>
+        <p:sp>
+          <p:nvSpPr>
+            <p:cNvPr id="7" name="U-Turn Arrow 6">
+              <a:extLst>
+                <a:ext uri="{FF2B5EF4-FFF2-40B4-BE49-F238E27FC236}">
+                  <a16:creationId xmlns:a16="http://schemas.microsoft.com/office/drawing/2014/main" id="{3F2FC415-D25E-7D44-B1B5-9A928DB94ED6}"/>
+                </a:ext>
+              </a:extLst>
+            </p:cNvPr>
+            <p:cNvSpPr/>
+            <p:nvPr/>
+          </p:nvSpPr>
+          <p:spPr>
+            <a:xfrm rot="5400000">
+              <a:off x="7173798" y="2426988"/>
+              <a:ext cx="1890000" cy="720000"/>
+            </a:xfrm>
+            <a:prstGeom prst="uturnArrow">
+              <a:avLst>
+                <a:gd name="adj1" fmla="val 16537"/>
+                <a:gd name="adj2" fmla="val 19385"/>
+                <a:gd name="adj3" fmla="val 18038"/>
+                <a:gd name="adj4" fmla="val 43750"/>
+                <a:gd name="adj5" fmla="val 100000"/>
+              </a:avLst>
+            </a:prstGeom>
+            <a:solidFill>
+              <a:schemeClr val="tx1"/>
+            </a:solidFill>
+            <a:ln w="12700">
+              <a:solidFill>
+                <a:schemeClr val="bg1">
+                  <a:alpha val="67000"/>
+                </a:schemeClr>
+              </a:solidFill>
+            </a:ln>
+          </p:spPr>
+          <p:style>
+            <a:lnRef idx="2">
+              <a:schemeClr val="accent1">
+                <a:shade val="50000"/>
+              </a:schemeClr>
+            </a:lnRef>
+            <a:fillRef idx="1">
+              <a:schemeClr val="accent1"/>
+            </a:fillRef>
+            <a:effectRef idx="0">
+              <a:schemeClr val="accent1"/>
+            </a:effectRef>
+            <a:fontRef idx="minor">
+              <a:schemeClr val="lt1"/>
+            </a:fontRef>
+          </p:style>
+          <p:txBody>
+            <a:bodyPr rtlCol="0" anchor="ctr"/>
+            <a:lstStyle/>
+            <a:p>
+              <a:pPr algn="ctr"/>
+              <a:endParaRPr lang="en-US">
+                <a:solidFill>
+                  <a:schemeClr val="tx1"/>
+                </a:solidFill>
+              </a:endParaRPr>
+            </a:p>
+          </p:txBody>
+        </p:sp>
+      </p:grpSp>
+      <p:grpSp>
+        <p:nvGrpSpPr>
+          <p:cNvPr id="8" name="Group 7">
+            <a:extLst>
+              <a:ext uri="{FF2B5EF4-FFF2-40B4-BE49-F238E27FC236}">
+                <a16:creationId xmlns:a16="http://schemas.microsoft.com/office/drawing/2014/main" id="{27824229-4109-1045-8230-F356A9212244}"/>
+              </a:ext>
+            </a:extLst>
+          </p:cNvPr>
+          <p:cNvGrpSpPr/>
+          <p:nvPr/>
+        </p:nvGrpSpPr>
+        <p:grpSpPr>
+          <a:xfrm rot="10800000">
+            <a:off x="3626898" y="1765787"/>
+            <a:ext cx="720000" cy="3780001"/>
+            <a:chOff x="7758798" y="1841988"/>
+            <a:chExt cx="720000" cy="3780001"/>
+          </a:xfrm>
+          <a:effectLst>
+            <a:outerShdw blurRad="50800" dist="38100" dir="2700000" algn="tl" rotWithShape="0">
+              <a:prstClr val="black">
+                <a:alpha val="20000"/>
+              </a:prstClr>
+            </a:outerShdw>
+          </a:effectLst>
+        </p:grpSpPr>
+        <p:sp>
+          <p:nvSpPr>
+            <p:cNvPr id="9" name="U-Turn Arrow 8">
+              <a:extLst>
+                <a:ext uri="{FF2B5EF4-FFF2-40B4-BE49-F238E27FC236}">
+                  <a16:creationId xmlns:a16="http://schemas.microsoft.com/office/drawing/2014/main" id="{F6CBA8E6-151C-9040-AAC7-2948972DC81A}"/>
+                </a:ext>
+              </a:extLst>
+            </p:cNvPr>
+            <p:cNvSpPr/>
+            <p:nvPr/>
+          </p:nvSpPr>
+          <p:spPr>
+            <a:xfrm rot="5400000">
+              <a:off x="7173798" y="4316989"/>
+              <a:ext cx="1890000" cy="720000"/>
+            </a:xfrm>
+            <a:prstGeom prst="uturnArrow">
+              <a:avLst>
+                <a:gd name="adj1" fmla="val 16537"/>
+                <a:gd name="adj2" fmla="val 19385"/>
+                <a:gd name="adj3" fmla="val 18038"/>
+                <a:gd name="adj4" fmla="val 43750"/>
+                <a:gd name="adj5" fmla="val 100000"/>
+              </a:avLst>
+            </a:prstGeom>
+            <a:solidFill>
+              <a:schemeClr val="tx1"/>
+            </a:solidFill>
+            <a:ln w="12700">
+              <a:solidFill>
+                <a:schemeClr val="bg1">
+                  <a:alpha val="67000"/>
+                </a:schemeClr>
+              </a:solidFill>
+            </a:ln>
+          </p:spPr>
+          <p:style>
+            <a:lnRef idx="2">
+              <a:schemeClr val="accent1">
+                <a:shade val="50000"/>
+              </a:schemeClr>
+            </a:lnRef>
+            <a:fillRef idx="1">
+              <a:schemeClr val="accent1"/>
+            </a:fillRef>
+            <a:effectRef idx="0">
+              <a:schemeClr val="accent1"/>
+            </a:effectRef>
+            <a:fontRef idx="minor">
+              <a:schemeClr val="lt1"/>
+            </a:fontRef>
+          </p:style>
+          <p:txBody>
+            <a:bodyPr rtlCol="0" anchor="ctr"/>
+            <a:lstStyle/>
+            <a:p>
+              <a:pPr algn="ctr"/>
+              <a:endParaRPr lang="en-US">
+                <a:solidFill>
+                  <a:schemeClr val="tx1"/>
+                </a:solidFill>
+              </a:endParaRPr>
+            </a:p>
+          </p:txBody>
+        </p:sp>
+        <p:sp>
+          <p:nvSpPr>
+            <p:cNvPr id="10" name="U-Turn Arrow 9">
+              <a:extLst>
+                <a:ext uri="{FF2B5EF4-FFF2-40B4-BE49-F238E27FC236}">
+                  <a16:creationId xmlns:a16="http://schemas.microsoft.com/office/drawing/2014/main" id="{BDF362FE-2552-1C4E-A6D9-829EEEE43894}"/>
+                </a:ext>
+              </a:extLst>
+            </p:cNvPr>
+            <p:cNvSpPr/>
+            <p:nvPr/>
+          </p:nvSpPr>
+          <p:spPr>
+            <a:xfrm rot="5400000">
+              <a:off x="7173798" y="2426988"/>
+              <a:ext cx="1890000" cy="720000"/>
+            </a:xfrm>
+            <a:prstGeom prst="uturnArrow">
+              <a:avLst>
+                <a:gd name="adj1" fmla="val 16537"/>
+                <a:gd name="adj2" fmla="val 19385"/>
+                <a:gd name="adj3" fmla="val 18038"/>
+                <a:gd name="adj4" fmla="val 43750"/>
+                <a:gd name="adj5" fmla="val 100000"/>
+              </a:avLst>
+            </a:prstGeom>
+            <a:solidFill>
+              <a:schemeClr val="tx1"/>
+            </a:solidFill>
+            <a:ln w="12700">
+              <a:solidFill>
+                <a:schemeClr val="bg1">
+                  <a:alpha val="67000"/>
+                </a:schemeClr>
+              </a:solidFill>
+            </a:ln>
+          </p:spPr>
+          <p:style>
+            <a:lnRef idx="2">
+              <a:schemeClr val="accent1">
+                <a:shade val="50000"/>
+              </a:schemeClr>
+            </a:lnRef>
+            <a:fillRef idx="1">
+              <a:schemeClr val="accent1"/>
+            </a:fillRef>
+            <a:effectRef idx="0">
+              <a:schemeClr val="accent1"/>
+            </a:effectRef>
+            <a:fontRef idx="minor">
+              <a:schemeClr val="lt1"/>
+            </a:fontRef>
+          </p:style>
+          <p:txBody>
+            <a:bodyPr rtlCol="0" anchor="ctr"/>
+            <a:lstStyle/>
+            <a:p>
+              <a:pPr algn="ctr"/>
+              <a:endParaRPr lang="en-US">
+                <a:solidFill>
+                  <a:schemeClr val="tx1"/>
+                </a:solidFill>
+              </a:endParaRPr>
+            </a:p>
+          </p:txBody>
+        </p:sp>
+      </p:grpSp>
+    </p:spTree>
+    <p:extLst>
+      <p:ext uri="{BB962C8B-B14F-4D97-AF65-F5344CB8AC3E}">
+        <p14:creationId xmlns:p14="http://schemas.microsoft.com/office/powerpoint/2010/main" val="3173810811"/>
+      </p:ext>
+    </p:extLst>
+  </p:cSld>
+  <p:clrMapOvr>
+    <a:masterClrMapping/>
+  </p:clrMapOvr>
+</p:sld>
+</file>
+
 <file path=ppt/theme/theme1.xml><?xml version="1.0" encoding="utf-8"?>
 <a:theme xmlns:a="http://schemas.openxmlformats.org/drawingml/2006/main" name="Office Theme">
   <a:themeElements>

--- a/docs/_images/images.pptx
+++ b/docs/_images/images.pptx
@@ -2,21 +2,22 @@
 <file path=ppt/presentation.xml><?xml version="1.0" encoding="utf-8"?>
 <p:presentation xmlns:a="http://schemas.openxmlformats.org/drawingml/2006/main" xmlns:r="http://schemas.openxmlformats.org/officeDocument/2006/relationships" xmlns:p="http://schemas.openxmlformats.org/presentationml/2006/main" saveSubsetFonts="1" autoCompressPictures="0">
   <p:sldMasterIdLst>
-    <p:sldMasterId id="2147483648" r:id="rId1"/>
+    <p:sldMasterId id="2147483660" r:id="rId1"/>
   </p:sldMasterIdLst>
   <p:sldIdLst>
     <p:sldId id="256" r:id="rId2"/>
     <p:sldId id="257" r:id="rId3"/>
     <p:sldId id="258" r:id="rId4"/>
+    <p:sldId id="259" r:id="rId5"/>
   </p:sldIdLst>
-  <p:sldSz cx="12192000" cy="6858000"/>
+  <p:sldSz cx="23760113" cy="13679488"/>
   <p:notesSz cx="6858000" cy="9144000"/>
   <p:defaultTextStyle>
     <a:defPPr>
       <a:defRPr lang="en-US"/>
     </a:defPPr>
-    <a:lvl1pPr marL="0" algn="l" defTabSz="914400" rtl="0" eaLnBrk="1" latinLnBrk="0" hangingPunct="1">
-      <a:defRPr sz="1800" kern="1200">
+    <a:lvl1pPr marL="0" algn="l" defTabSz="1796986" rtl="0" eaLnBrk="1" latinLnBrk="0" hangingPunct="1">
+      <a:defRPr sz="3538" kern="1200">
         <a:solidFill>
           <a:schemeClr val="tx1"/>
         </a:solidFill>
@@ -25,8 +26,8 @@
         <a:cs typeface="+mn-cs"/>
       </a:defRPr>
     </a:lvl1pPr>
-    <a:lvl2pPr marL="457200" algn="l" defTabSz="914400" rtl="0" eaLnBrk="1" latinLnBrk="0" hangingPunct="1">
-      <a:defRPr sz="1800" kern="1200">
+    <a:lvl2pPr marL="898492" algn="l" defTabSz="1796986" rtl="0" eaLnBrk="1" latinLnBrk="0" hangingPunct="1">
+      <a:defRPr sz="3538" kern="1200">
         <a:solidFill>
           <a:schemeClr val="tx1"/>
         </a:solidFill>
@@ -35,8 +36,8 @@
         <a:cs typeface="+mn-cs"/>
       </a:defRPr>
     </a:lvl2pPr>
-    <a:lvl3pPr marL="914400" algn="l" defTabSz="914400" rtl="0" eaLnBrk="1" latinLnBrk="0" hangingPunct="1">
-      <a:defRPr sz="1800" kern="1200">
+    <a:lvl3pPr marL="1796986" algn="l" defTabSz="1796986" rtl="0" eaLnBrk="1" latinLnBrk="0" hangingPunct="1">
+      <a:defRPr sz="3538" kern="1200">
         <a:solidFill>
           <a:schemeClr val="tx1"/>
         </a:solidFill>
@@ -45,8 +46,8 @@
         <a:cs typeface="+mn-cs"/>
       </a:defRPr>
     </a:lvl3pPr>
-    <a:lvl4pPr marL="1371600" algn="l" defTabSz="914400" rtl="0" eaLnBrk="1" latinLnBrk="0" hangingPunct="1">
-      <a:defRPr sz="1800" kern="1200">
+    <a:lvl4pPr marL="2695480" algn="l" defTabSz="1796986" rtl="0" eaLnBrk="1" latinLnBrk="0" hangingPunct="1">
+      <a:defRPr sz="3538" kern="1200">
         <a:solidFill>
           <a:schemeClr val="tx1"/>
         </a:solidFill>
@@ -55,8 +56,8 @@
         <a:cs typeface="+mn-cs"/>
       </a:defRPr>
     </a:lvl4pPr>
-    <a:lvl5pPr marL="1828800" algn="l" defTabSz="914400" rtl="0" eaLnBrk="1" latinLnBrk="0" hangingPunct="1">
-      <a:defRPr sz="1800" kern="1200">
+    <a:lvl5pPr marL="3593972" algn="l" defTabSz="1796986" rtl="0" eaLnBrk="1" latinLnBrk="0" hangingPunct="1">
+      <a:defRPr sz="3538" kern="1200">
         <a:solidFill>
           <a:schemeClr val="tx1"/>
         </a:solidFill>
@@ -65,8 +66,8 @@
         <a:cs typeface="+mn-cs"/>
       </a:defRPr>
     </a:lvl5pPr>
-    <a:lvl6pPr marL="2286000" algn="l" defTabSz="914400" rtl="0" eaLnBrk="1" latinLnBrk="0" hangingPunct="1">
-      <a:defRPr sz="1800" kern="1200">
+    <a:lvl6pPr marL="4492464" algn="l" defTabSz="1796986" rtl="0" eaLnBrk="1" latinLnBrk="0" hangingPunct="1">
+      <a:defRPr sz="3538" kern="1200">
         <a:solidFill>
           <a:schemeClr val="tx1"/>
         </a:solidFill>
@@ -75,8 +76,8 @@
         <a:cs typeface="+mn-cs"/>
       </a:defRPr>
     </a:lvl6pPr>
-    <a:lvl7pPr marL="2743200" algn="l" defTabSz="914400" rtl="0" eaLnBrk="1" latinLnBrk="0" hangingPunct="1">
-      <a:defRPr sz="1800" kern="1200">
+    <a:lvl7pPr marL="5390955" algn="l" defTabSz="1796986" rtl="0" eaLnBrk="1" latinLnBrk="0" hangingPunct="1">
+      <a:defRPr sz="3538" kern="1200">
         <a:solidFill>
           <a:schemeClr val="tx1"/>
         </a:solidFill>
@@ -85,8 +86,8 @@
         <a:cs typeface="+mn-cs"/>
       </a:defRPr>
     </a:lvl7pPr>
-    <a:lvl8pPr marL="3200400" algn="l" defTabSz="914400" rtl="0" eaLnBrk="1" latinLnBrk="0" hangingPunct="1">
-      <a:defRPr sz="1800" kern="1200">
+    <a:lvl8pPr marL="6289449" algn="l" defTabSz="1796986" rtl="0" eaLnBrk="1" latinLnBrk="0" hangingPunct="1">
+      <a:defRPr sz="3538" kern="1200">
         <a:solidFill>
           <a:schemeClr val="tx1"/>
         </a:solidFill>
@@ -95,8 +96,8 @@
         <a:cs typeface="+mn-cs"/>
       </a:defRPr>
     </a:lvl8pPr>
-    <a:lvl9pPr marL="3657600" algn="l" defTabSz="914400" rtl="0" eaLnBrk="1" latinLnBrk="0" hangingPunct="1">
-      <a:defRPr sz="1800" kern="1200">
+    <a:lvl9pPr marL="7187943" algn="l" defTabSz="1796986" rtl="0" eaLnBrk="1" latinLnBrk="0" hangingPunct="1">
+      <a:defRPr sz="3538" kern="1200">
         <a:solidFill>
           <a:schemeClr val="tx1"/>
         </a:solidFill>
@@ -133,13 +134,7 @@
       </p:grpSpPr>
       <p:sp>
         <p:nvSpPr>
-          <p:cNvPr id="2" name="Title 1">
-            <a:extLst>
-              <a:ext uri="{FF2B5EF4-FFF2-40B4-BE49-F238E27FC236}">
-                <a16:creationId xmlns:a16="http://schemas.microsoft.com/office/drawing/2014/main" id="{88BE26F4-EE58-FB4B-88D8-51CF314A0C27}"/>
-              </a:ext>
-            </a:extLst>
-          </p:cNvPr>
+          <p:cNvPr id="2" name="Title 1"/>
           <p:cNvSpPr>
             <a:spLocks noGrp="1"/>
           </p:cNvSpPr>
@@ -149,15 +144,15 @@
         </p:nvSpPr>
         <p:spPr>
           <a:xfrm>
-            <a:off x="1524000" y="1122363"/>
-            <a:ext cx="9144000" cy="2387600"/>
+            <a:off x="2970014" y="2238751"/>
+            <a:ext cx="17820085" cy="4762488"/>
           </a:xfrm>
         </p:spPr>
         <p:txBody>
           <a:bodyPr anchor="b"/>
           <a:lstStyle>
             <a:lvl1pPr algn="ctr">
-              <a:defRPr sz="6000"/>
+              <a:defRPr sz="11693"/>
             </a:lvl1pPr>
           </a:lstStyle>
           <a:p>
@@ -165,18 +160,13 @@
               <a:rPr lang="en-US"/>
               <a:t>Click to edit Master title style</a:t>
             </a:r>
+            <a:endParaRPr lang="en-US" dirty="0"/>
           </a:p>
         </p:txBody>
       </p:sp>
       <p:sp>
         <p:nvSpPr>
-          <p:cNvPr id="3" name="Subtitle 2">
-            <a:extLst>
-              <a:ext uri="{FF2B5EF4-FFF2-40B4-BE49-F238E27FC236}">
-                <a16:creationId xmlns:a16="http://schemas.microsoft.com/office/drawing/2014/main" id="{5F6EF3F7-2629-EB44-AAAC-A2B2D0B1ECEA}"/>
-              </a:ext>
-            </a:extLst>
-          </p:cNvPr>
+          <p:cNvPr id="3" name="Subtitle 2"/>
           <p:cNvSpPr>
             <a:spLocks noGrp="1"/>
           </p:cNvSpPr>
@@ -186,8 +176,8 @@
         </p:nvSpPr>
         <p:spPr>
           <a:xfrm>
-            <a:off x="1524000" y="3602038"/>
-            <a:ext cx="9144000" cy="1655762"/>
+            <a:off x="2970014" y="7184899"/>
+            <a:ext cx="17820085" cy="3302709"/>
           </a:xfrm>
         </p:spPr>
         <p:txBody>
@@ -195,39 +185,39 @@
           <a:lstStyle>
             <a:lvl1pPr marL="0" indent="0" algn="ctr">
               <a:buNone/>
-              <a:defRPr sz="2400"/>
+              <a:defRPr sz="4677"/>
             </a:lvl1pPr>
-            <a:lvl2pPr marL="457200" indent="0" algn="ctr">
+            <a:lvl2pPr marL="890991" indent="0" algn="ctr">
               <a:buNone/>
-              <a:defRPr sz="2000"/>
+              <a:defRPr sz="3898"/>
             </a:lvl2pPr>
-            <a:lvl3pPr marL="914400" indent="0" algn="ctr">
+            <a:lvl3pPr marL="1781983" indent="0" algn="ctr">
               <a:buNone/>
-              <a:defRPr sz="1800"/>
+              <a:defRPr sz="3508"/>
             </a:lvl3pPr>
-            <a:lvl4pPr marL="1371600" indent="0" algn="ctr">
+            <a:lvl4pPr marL="2672974" indent="0" algn="ctr">
               <a:buNone/>
-              <a:defRPr sz="1600"/>
+              <a:defRPr sz="3118"/>
             </a:lvl4pPr>
-            <a:lvl5pPr marL="1828800" indent="0" algn="ctr">
+            <a:lvl5pPr marL="3563965" indent="0" algn="ctr">
               <a:buNone/>
-              <a:defRPr sz="1600"/>
+              <a:defRPr sz="3118"/>
             </a:lvl5pPr>
-            <a:lvl6pPr marL="2286000" indent="0" algn="ctr">
+            <a:lvl6pPr marL="4454957" indent="0" algn="ctr">
               <a:buNone/>
-              <a:defRPr sz="1600"/>
+              <a:defRPr sz="3118"/>
             </a:lvl6pPr>
-            <a:lvl7pPr marL="2743200" indent="0" algn="ctr">
+            <a:lvl7pPr marL="5345948" indent="0" algn="ctr">
               <a:buNone/>
-              <a:defRPr sz="1600"/>
+              <a:defRPr sz="3118"/>
             </a:lvl7pPr>
-            <a:lvl8pPr marL="3200400" indent="0" algn="ctr">
+            <a:lvl8pPr marL="6236940" indent="0" algn="ctr">
               <a:buNone/>
-              <a:defRPr sz="1600"/>
+              <a:defRPr sz="3118"/>
             </a:lvl8pPr>
-            <a:lvl9pPr marL="3657600" indent="0" algn="ctr">
+            <a:lvl9pPr marL="7127931" indent="0" algn="ctr">
               <a:buNone/>
-              <a:defRPr sz="1600"/>
+              <a:defRPr sz="3118"/>
             </a:lvl9pPr>
           </a:lstStyle>
           <a:p>
@@ -235,18 +225,13 @@
               <a:rPr lang="en-US"/>
               <a:t>Click to edit Master subtitle style</a:t>
             </a:r>
+            <a:endParaRPr lang="en-US" dirty="0"/>
           </a:p>
         </p:txBody>
       </p:sp>
       <p:sp>
         <p:nvSpPr>
-          <p:cNvPr id="4" name="Date Placeholder 3">
-            <a:extLst>
-              <a:ext uri="{FF2B5EF4-FFF2-40B4-BE49-F238E27FC236}">
-                <a16:creationId xmlns:a16="http://schemas.microsoft.com/office/drawing/2014/main" id="{351E2A9B-2BBB-AA45-805B-7BE6857602A6}"/>
-              </a:ext>
-            </a:extLst>
-          </p:cNvPr>
+          <p:cNvPr id="4" name="Date Placeholder 3"/>
           <p:cNvSpPr>
             <a:spLocks noGrp="1"/>
           </p:cNvSpPr>
@@ -261,7 +246,7 @@
           <a:p>
             <a:fld id="{0AFD7C04-1572-0B4C-972B-A32FC7BA93A5}" type="datetimeFigureOut">
               <a:rPr lang="en-US" smtClean="0"/>
-              <a:t>10/1/19</a:t>
+              <a:t>1/8/20</a:t>
             </a:fld>
             <a:endParaRPr lang="en-US"/>
           </a:p>
@@ -269,13 +254,7 @@
       </p:sp>
       <p:sp>
         <p:nvSpPr>
-          <p:cNvPr id="5" name="Footer Placeholder 4">
-            <a:extLst>
-              <a:ext uri="{FF2B5EF4-FFF2-40B4-BE49-F238E27FC236}">
-                <a16:creationId xmlns:a16="http://schemas.microsoft.com/office/drawing/2014/main" id="{1469862F-4FA8-4947-BA2D-401A7807B2D3}"/>
-              </a:ext>
-            </a:extLst>
-          </p:cNvPr>
+          <p:cNvPr id="5" name="Footer Placeholder 4"/>
           <p:cNvSpPr>
             <a:spLocks noGrp="1"/>
           </p:cNvSpPr>
@@ -294,13 +273,7 @@
       </p:sp>
       <p:sp>
         <p:nvSpPr>
-          <p:cNvPr id="6" name="Slide Number Placeholder 5">
-            <a:extLst>
-              <a:ext uri="{FF2B5EF4-FFF2-40B4-BE49-F238E27FC236}">
-                <a16:creationId xmlns:a16="http://schemas.microsoft.com/office/drawing/2014/main" id="{B34983E3-DC86-EA40-AF51-0DA096AA5EB9}"/>
-              </a:ext>
-            </a:extLst>
-          </p:cNvPr>
+          <p:cNvPr id="6" name="Slide Number Placeholder 5"/>
           <p:cNvSpPr>
             <a:spLocks noGrp="1"/>
           </p:cNvSpPr>
@@ -324,7 +297,7 @@
     </p:spTree>
     <p:extLst>
       <p:ext uri="{BB962C8B-B14F-4D97-AF65-F5344CB8AC3E}">
-        <p14:creationId xmlns:p14="http://schemas.microsoft.com/office/powerpoint/2010/main" val="2228076507"/>
+        <p14:creationId xmlns:p14="http://schemas.microsoft.com/office/powerpoint/2010/main" val="3209508411"/>
       </p:ext>
     </p:extLst>
   </p:cSld>
@@ -353,13 +326,7 @@
       </p:grpSpPr>
       <p:sp>
         <p:nvSpPr>
-          <p:cNvPr id="2" name="Title 1">
-            <a:extLst>
-              <a:ext uri="{FF2B5EF4-FFF2-40B4-BE49-F238E27FC236}">
-                <a16:creationId xmlns:a16="http://schemas.microsoft.com/office/drawing/2014/main" id="{D5DF7943-149A-8D4D-8E67-2A47E0F6DABE}"/>
-              </a:ext>
-            </a:extLst>
-          </p:cNvPr>
+          <p:cNvPr id="2" name="Title 1"/>
           <p:cNvSpPr>
             <a:spLocks noGrp="1"/>
           </p:cNvSpPr>
@@ -376,18 +343,13 @@
               <a:rPr lang="en-US"/>
               <a:t>Click to edit Master title style</a:t>
             </a:r>
+            <a:endParaRPr lang="en-US" dirty="0"/>
           </a:p>
         </p:txBody>
       </p:sp>
       <p:sp>
         <p:nvSpPr>
-          <p:cNvPr id="3" name="Vertical Text Placeholder 2">
-            <a:extLst>
-              <a:ext uri="{FF2B5EF4-FFF2-40B4-BE49-F238E27FC236}">
-                <a16:creationId xmlns:a16="http://schemas.microsoft.com/office/drawing/2014/main" id="{D7B44115-6605-4241-8120-37F82F03A1B4}"/>
-              </a:ext>
-            </a:extLst>
-          </p:cNvPr>
+          <p:cNvPr id="3" name="Vertical Text Placeholder 2"/>
           <p:cNvSpPr>
             <a:spLocks noGrp="1"/>
           </p:cNvSpPr>
@@ -433,18 +395,13 @@
               <a:rPr lang="en-US"/>
               <a:t>Fifth level</a:t>
             </a:r>
+            <a:endParaRPr lang="en-US" dirty="0"/>
           </a:p>
         </p:txBody>
       </p:sp>
       <p:sp>
         <p:nvSpPr>
-          <p:cNvPr id="4" name="Date Placeholder 3">
-            <a:extLst>
-              <a:ext uri="{FF2B5EF4-FFF2-40B4-BE49-F238E27FC236}">
-                <a16:creationId xmlns:a16="http://schemas.microsoft.com/office/drawing/2014/main" id="{EF1C7791-D33A-D64C-8DFF-C33D18223689}"/>
-              </a:ext>
-            </a:extLst>
-          </p:cNvPr>
+          <p:cNvPr id="4" name="Date Placeholder 3"/>
           <p:cNvSpPr>
             <a:spLocks noGrp="1"/>
           </p:cNvSpPr>
@@ -459,7 +416,7 @@
           <a:p>
             <a:fld id="{0AFD7C04-1572-0B4C-972B-A32FC7BA93A5}" type="datetimeFigureOut">
               <a:rPr lang="en-US" smtClean="0"/>
-              <a:t>10/1/19</a:t>
+              <a:t>1/8/20</a:t>
             </a:fld>
             <a:endParaRPr lang="en-US"/>
           </a:p>
@@ -467,13 +424,7 @@
       </p:sp>
       <p:sp>
         <p:nvSpPr>
-          <p:cNvPr id="5" name="Footer Placeholder 4">
-            <a:extLst>
-              <a:ext uri="{FF2B5EF4-FFF2-40B4-BE49-F238E27FC236}">
-                <a16:creationId xmlns:a16="http://schemas.microsoft.com/office/drawing/2014/main" id="{3FC2B598-5753-B54E-9E90-98B5282E3E14}"/>
-              </a:ext>
-            </a:extLst>
-          </p:cNvPr>
+          <p:cNvPr id="5" name="Footer Placeholder 4"/>
           <p:cNvSpPr>
             <a:spLocks noGrp="1"/>
           </p:cNvSpPr>
@@ -492,13 +443,7 @@
       </p:sp>
       <p:sp>
         <p:nvSpPr>
-          <p:cNvPr id="6" name="Slide Number Placeholder 5">
-            <a:extLst>
-              <a:ext uri="{FF2B5EF4-FFF2-40B4-BE49-F238E27FC236}">
-                <a16:creationId xmlns:a16="http://schemas.microsoft.com/office/drawing/2014/main" id="{2D172A86-9BF9-C848-BC19-8EFCCC2EF645}"/>
-              </a:ext>
-            </a:extLst>
-          </p:cNvPr>
+          <p:cNvPr id="6" name="Slide Number Placeholder 5"/>
           <p:cNvSpPr>
             <a:spLocks noGrp="1"/>
           </p:cNvSpPr>
@@ -522,7 +467,7 @@
     </p:spTree>
     <p:extLst>
       <p:ext uri="{BB962C8B-B14F-4D97-AF65-F5344CB8AC3E}">
-        <p14:creationId xmlns:p14="http://schemas.microsoft.com/office/powerpoint/2010/main" val="3925682261"/>
+        <p14:creationId xmlns:p14="http://schemas.microsoft.com/office/powerpoint/2010/main" val="1213640395"/>
       </p:ext>
     </p:extLst>
   </p:cSld>
@@ -551,13 +496,7 @@
       </p:grpSpPr>
       <p:sp>
         <p:nvSpPr>
-          <p:cNvPr id="2" name="Vertical Title 1">
-            <a:extLst>
-              <a:ext uri="{FF2B5EF4-FFF2-40B4-BE49-F238E27FC236}">
-                <a16:creationId xmlns:a16="http://schemas.microsoft.com/office/drawing/2014/main" id="{10E48172-DAAB-9E42-AC5C-C1556D11EE69}"/>
-              </a:ext>
-            </a:extLst>
-          </p:cNvPr>
+          <p:cNvPr id="2" name="Vertical Title 1"/>
           <p:cNvSpPr>
             <a:spLocks noGrp="1"/>
           </p:cNvSpPr>
@@ -567,8 +506,8 @@
         </p:nvSpPr>
         <p:spPr>
           <a:xfrm>
-            <a:off x="8724900" y="365125"/>
-            <a:ext cx="2628900" cy="5811838"/>
+            <a:off x="17003331" y="728306"/>
+            <a:ext cx="5123274" cy="11592734"/>
           </a:xfrm>
         </p:spPr>
         <p:txBody>
@@ -579,18 +518,13 @@
               <a:rPr lang="en-US"/>
               <a:t>Click to edit Master title style</a:t>
             </a:r>
+            <a:endParaRPr lang="en-US" dirty="0"/>
           </a:p>
         </p:txBody>
       </p:sp>
       <p:sp>
         <p:nvSpPr>
-          <p:cNvPr id="3" name="Vertical Text Placeholder 2">
-            <a:extLst>
-              <a:ext uri="{FF2B5EF4-FFF2-40B4-BE49-F238E27FC236}">
-                <a16:creationId xmlns:a16="http://schemas.microsoft.com/office/drawing/2014/main" id="{3446FBD4-DCC0-7846-9A5D-6BDDC2DF6090}"/>
-              </a:ext>
-            </a:extLst>
-          </p:cNvPr>
+          <p:cNvPr id="3" name="Vertical Text Placeholder 2"/>
           <p:cNvSpPr>
             <a:spLocks noGrp="1"/>
           </p:cNvSpPr>
@@ -600,8 +534,8 @@
         </p:nvSpPr>
         <p:spPr>
           <a:xfrm>
-            <a:off x="838200" y="365125"/>
-            <a:ext cx="7734300" cy="5811838"/>
+            <a:off x="1633508" y="728306"/>
+            <a:ext cx="15072822" cy="11592734"/>
           </a:xfrm>
         </p:spPr>
         <p:txBody>
@@ -641,18 +575,13 @@
               <a:rPr lang="en-US"/>
               <a:t>Fifth level</a:t>
             </a:r>
+            <a:endParaRPr lang="en-US" dirty="0"/>
           </a:p>
         </p:txBody>
       </p:sp>
       <p:sp>
         <p:nvSpPr>
-          <p:cNvPr id="4" name="Date Placeholder 3">
-            <a:extLst>
-              <a:ext uri="{FF2B5EF4-FFF2-40B4-BE49-F238E27FC236}">
-                <a16:creationId xmlns:a16="http://schemas.microsoft.com/office/drawing/2014/main" id="{2E0613AE-0591-9F4A-B505-A0BF46D8EAD0}"/>
-              </a:ext>
-            </a:extLst>
-          </p:cNvPr>
+          <p:cNvPr id="4" name="Date Placeholder 3"/>
           <p:cNvSpPr>
             <a:spLocks noGrp="1"/>
           </p:cNvSpPr>
@@ -667,7 +596,7 @@
           <a:p>
             <a:fld id="{0AFD7C04-1572-0B4C-972B-A32FC7BA93A5}" type="datetimeFigureOut">
               <a:rPr lang="en-US" smtClean="0"/>
-              <a:t>10/1/19</a:t>
+              <a:t>1/8/20</a:t>
             </a:fld>
             <a:endParaRPr lang="en-US"/>
           </a:p>
@@ -675,13 +604,7 @@
       </p:sp>
       <p:sp>
         <p:nvSpPr>
-          <p:cNvPr id="5" name="Footer Placeholder 4">
-            <a:extLst>
-              <a:ext uri="{FF2B5EF4-FFF2-40B4-BE49-F238E27FC236}">
-                <a16:creationId xmlns:a16="http://schemas.microsoft.com/office/drawing/2014/main" id="{86180393-6D3B-ED46-A684-E6DDDA697055}"/>
-              </a:ext>
-            </a:extLst>
-          </p:cNvPr>
+          <p:cNvPr id="5" name="Footer Placeholder 4"/>
           <p:cNvSpPr>
             <a:spLocks noGrp="1"/>
           </p:cNvSpPr>
@@ -700,13 +623,7 @@
       </p:sp>
       <p:sp>
         <p:nvSpPr>
-          <p:cNvPr id="6" name="Slide Number Placeholder 5">
-            <a:extLst>
-              <a:ext uri="{FF2B5EF4-FFF2-40B4-BE49-F238E27FC236}">
-                <a16:creationId xmlns:a16="http://schemas.microsoft.com/office/drawing/2014/main" id="{2A7FBF2F-811C-1441-9740-BFDE4F90B9D2}"/>
-              </a:ext>
-            </a:extLst>
-          </p:cNvPr>
+          <p:cNvPr id="6" name="Slide Number Placeholder 5"/>
           <p:cNvSpPr>
             <a:spLocks noGrp="1"/>
           </p:cNvSpPr>
@@ -730,7 +647,7 @@
     </p:spTree>
     <p:extLst>
       <p:ext uri="{BB962C8B-B14F-4D97-AF65-F5344CB8AC3E}">
-        <p14:creationId xmlns:p14="http://schemas.microsoft.com/office/powerpoint/2010/main" val="229691158"/>
+        <p14:creationId xmlns:p14="http://schemas.microsoft.com/office/powerpoint/2010/main" val="2556714123"/>
       </p:ext>
     </p:extLst>
   </p:cSld>
@@ -759,13 +676,7 @@
       </p:grpSpPr>
       <p:sp>
         <p:nvSpPr>
-          <p:cNvPr id="2" name="Title 1">
-            <a:extLst>
-              <a:ext uri="{FF2B5EF4-FFF2-40B4-BE49-F238E27FC236}">
-                <a16:creationId xmlns:a16="http://schemas.microsoft.com/office/drawing/2014/main" id="{99105882-BC55-B34A-B02B-50B2CD1042C1}"/>
-              </a:ext>
-            </a:extLst>
-          </p:cNvPr>
+          <p:cNvPr id="2" name="Title 1"/>
           <p:cNvSpPr>
             <a:spLocks noGrp="1"/>
           </p:cNvSpPr>
@@ -782,18 +693,13 @@
               <a:rPr lang="en-US"/>
               <a:t>Click to edit Master title style</a:t>
             </a:r>
+            <a:endParaRPr lang="en-US" dirty="0"/>
           </a:p>
         </p:txBody>
       </p:sp>
       <p:sp>
         <p:nvSpPr>
-          <p:cNvPr id="3" name="Content Placeholder 2">
-            <a:extLst>
-              <a:ext uri="{FF2B5EF4-FFF2-40B4-BE49-F238E27FC236}">
-                <a16:creationId xmlns:a16="http://schemas.microsoft.com/office/drawing/2014/main" id="{A6F72A7E-6CD9-C947-BB35-4C31FD6BED9C}"/>
-              </a:ext>
-            </a:extLst>
-          </p:cNvPr>
+          <p:cNvPr id="3" name="Content Placeholder 2"/>
           <p:cNvSpPr>
             <a:spLocks noGrp="1"/>
           </p:cNvSpPr>
@@ -839,18 +745,13 @@
               <a:rPr lang="en-US"/>
               <a:t>Fifth level</a:t>
             </a:r>
+            <a:endParaRPr lang="en-US" dirty="0"/>
           </a:p>
         </p:txBody>
       </p:sp>
       <p:sp>
         <p:nvSpPr>
-          <p:cNvPr id="4" name="Date Placeholder 3">
-            <a:extLst>
-              <a:ext uri="{FF2B5EF4-FFF2-40B4-BE49-F238E27FC236}">
-                <a16:creationId xmlns:a16="http://schemas.microsoft.com/office/drawing/2014/main" id="{C7F8EDEC-A794-F443-B87F-1414F2C48B9D}"/>
-              </a:ext>
-            </a:extLst>
-          </p:cNvPr>
+          <p:cNvPr id="4" name="Date Placeholder 3"/>
           <p:cNvSpPr>
             <a:spLocks noGrp="1"/>
           </p:cNvSpPr>
@@ -865,7 +766,7 @@
           <a:p>
             <a:fld id="{0AFD7C04-1572-0B4C-972B-A32FC7BA93A5}" type="datetimeFigureOut">
               <a:rPr lang="en-US" smtClean="0"/>
-              <a:t>10/1/19</a:t>
+              <a:t>1/8/20</a:t>
             </a:fld>
             <a:endParaRPr lang="en-US"/>
           </a:p>
@@ -873,13 +774,7 @@
       </p:sp>
       <p:sp>
         <p:nvSpPr>
-          <p:cNvPr id="5" name="Footer Placeholder 4">
-            <a:extLst>
-              <a:ext uri="{FF2B5EF4-FFF2-40B4-BE49-F238E27FC236}">
-                <a16:creationId xmlns:a16="http://schemas.microsoft.com/office/drawing/2014/main" id="{B82060C1-54DF-EF44-BC80-A10D4FEE4D4A}"/>
-              </a:ext>
-            </a:extLst>
-          </p:cNvPr>
+          <p:cNvPr id="5" name="Footer Placeholder 4"/>
           <p:cNvSpPr>
             <a:spLocks noGrp="1"/>
           </p:cNvSpPr>
@@ -898,13 +793,7 @@
       </p:sp>
       <p:sp>
         <p:nvSpPr>
-          <p:cNvPr id="6" name="Slide Number Placeholder 5">
-            <a:extLst>
-              <a:ext uri="{FF2B5EF4-FFF2-40B4-BE49-F238E27FC236}">
-                <a16:creationId xmlns:a16="http://schemas.microsoft.com/office/drawing/2014/main" id="{9C8ED95D-8537-DA40-A9B2-F7476D3B5CC3}"/>
-              </a:ext>
-            </a:extLst>
-          </p:cNvPr>
+          <p:cNvPr id="6" name="Slide Number Placeholder 5"/>
           <p:cNvSpPr>
             <a:spLocks noGrp="1"/>
           </p:cNvSpPr>
@@ -928,7 +817,7 @@
     </p:spTree>
     <p:extLst>
       <p:ext uri="{BB962C8B-B14F-4D97-AF65-F5344CB8AC3E}">
-        <p14:creationId xmlns:p14="http://schemas.microsoft.com/office/powerpoint/2010/main" val="3067123241"/>
+        <p14:creationId xmlns:p14="http://schemas.microsoft.com/office/powerpoint/2010/main" val="2178314053"/>
       </p:ext>
     </p:extLst>
   </p:cSld>
@@ -957,13 +846,7 @@
       </p:grpSpPr>
       <p:sp>
         <p:nvSpPr>
-          <p:cNvPr id="2" name="Title 1">
-            <a:extLst>
-              <a:ext uri="{FF2B5EF4-FFF2-40B4-BE49-F238E27FC236}">
-                <a16:creationId xmlns:a16="http://schemas.microsoft.com/office/drawing/2014/main" id="{AFAC3D7B-723D-0F49-B50F-8B07EC348020}"/>
-              </a:ext>
-            </a:extLst>
-          </p:cNvPr>
+          <p:cNvPr id="2" name="Title 1"/>
           <p:cNvSpPr>
             <a:spLocks noGrp="1"/>
           </p:cNvSpPr>
@@ -973,15 +856,15 @@
         </p:nvSpPr>
         <p:spPr>
           <a:xfrm>
-            <a:off x="831850" y="1709738"/>
-            <a:ext cx="10515600" cy="2852737"/>
+            <a:off x="1621133" y="3410374"/>
+            <a:ext cx="20493097" cy="5690286"/>
           </a:xfrm>
         </p:spPr>
         <p:txBody>
           <a:bodyPr anchor="b"/>
           <a:lstStyle>
             <a:lvl1pPr>
-              <a:defRPr sz="6000"/>
+              <a:defRPr sz="11693"/>
             </a:lvl1pPr>
           </a:lstStyle>
           <a:p>
@@ -989,18 +872,13 @@
               <a:rPr lang="en-US"/>
               <a:t>Click to edit Master title style</a:t>
             </a:r>
+            <a:endParaRPr lang="en-US" dirty="0"/>
           </a:p>
         </p:txBody>
       </p:sp>
       <p:sp>
         <p:nvSpPr>
-          <p:cNvPr id="3" name="Text Placeholder 2">
-            <a:extLst>
-              <a:ext uri="{FF2B5EF4-FFF2-40B4-BE49-F238E27FC236}">
-                <a16:creationId xmlns:a16="http://schemas.microsoft.com/office/drawing/2014/main" id="{B03B0476-9FAA-AD48-9179-54F5ACBACA4B}"/>
-              </a:ext>
-            </a:extLst>
-          </p:cNvPr>
+          <p:cNvPr id="3" name="Text Placeholder 2"/>
           <p:cNvSpPr>
             <a:spLocks noGrp="1"/>
           </p:cNvSpPr>
@@ -1010,8 +888,8 @@
         </p:nvSpPr>
         <p:spPr>
           <a:xfrm>
-            <a:off x="831850" y="4589463"/>
-            <a:ext cx="10515600" cy="1500187"/>
+            <a:off x="1621133" y="9154493"/>
+            <a:ext cx="20493097" cy="2992387"/>
           </a:xfrm>
         </p:spPr>
         <p:txBody>
@@ -1019,7 +897,7 @@
           <a:lstStyle>
             <a:lvl1pPr marL="0" indent="0">
               <a:buNone/>
-              <a:defRPr sz="2400">
+              <a:defRPr sz="4677">
                 <a:solidFill>
                   <a:schemeClr val="tx1">
                     <a:tint val="75000"/>
@@ -1027,9 +905,9 @@
                 </a:solidFill>
               </a:defRPr>
             </a:lvl1pPr>
-            <a:lvl2pPr marL="457200" indent="0">
+            <a:lvl2pPr marL="890991" indent="0">
               <a:buNone/>
-              <a:defRPr sz="2000">
+              <a:defRPr sz="3898">
                 <a:solidFill>
                   <a:schemeClr val="tx1">
                     <a:tint val="75000"/>
@@ -1037,9 +915,9 @@
                 </a:solidFill>
               </a:defRPr>
             </a:lvl2pPr>
-            <a:lvl3pPr marL="914400" indent="0">
+            <a:lvl3pPr marL="1781983" indent="0">
               <a:buNone/>
-              <a:defRPr sz="1800">
+              <a:defRPr sz="3508">
                 <a:solidFill>
                   <a:schemeClr val="tx1">
                     <a:tint val="75000"/>
@@ -1047,9 +925,9 @@
                 </a:solidFill>
               </a:defRPr>
             </a:lvl3pPr>
-            <a:lvl4pPr marL="1371600" indent="0">
+            <a:lvl4pPr marL="2672974" indent="0">
               <a:buNone/>
-              <a:defRPr sz="1600">
+              <a:defRPr sz="3118">
                 <a:solidFill>
                   <a:schemeClr val="tx1">
                     <a:tint val="75000"/>
@@ -1057,9 +935,9 @@
                 </a:solidFill>
               </a:defRPr>
             </a:lvl4pPr>
-            <a:lvl5pPr marL="1828800" indent="0">
+            <a:lvl5pPr marL="3563965" indent="0">
               <a:buNone/>
-              <a:defRPr sz="1600">
+              <a:defRPr sz="3118">
                 <a:solidFill>
                   <a:schemeClr val="tx1">
                     <a:tint val="75000"/>
@@ -1067,9 +945,9 @@
                 </a:solidFill>
               </a:defRPr>
             </a:lvl5pPr>
-            <a:lvl6pPr marL="2286000" indent="0">
+            <a:lvl6pPr marL="4454957" indent="0">
               <a:buNone/>
-              <a:defRPr sz="1600">
+              <a:defRPr sz="3118">
                 <a:solidFill>
                   <a:schemeClr val="tx1">
                     <a:tint val="75000"/>
@@ -1077,9 +955,9 @@
                 </a:solidFill>
               </a:defRPr>
             </a:lvl6pPr>
-            <a:lvl7pPr marL="2743200" indent="0">
+            <a:lvl7pPr marL="5345948" indent="0">
               <a:buNone/>
-              <a:defRPr sz="1600">
+              <a:defRPr sz="3118">
                 <a:solidFill>
                   <a:schemeClr val="tx1">
                     <a:tint val="75000"/>
@@ -1087,9 +965,9 @@
                 </a:solidFill>
               </a:defRPr>
             </a:lvl7pPr>
-            <a:lvl8pPr marL="3200400" indent="0">
+            <a:lvl8pPr marL="6236940" indent="0">
               <a:buNone/>
-              <a:defRPr sz="1600">
+              <a:defRPr sz="3118">
                 <a:solidFill>
                   <a:schemeClr val="tx1">
                     <a:tint val="75000"/>
@@ -1097,9 +975,9 @@
                 </a:solidFill>
               </a:defRPr>
             </a:lvl8pPr>
-            <a:lvl9pPr marL="3657600" indent="0">
+            <a:lvl9pPr marL="7127931" indent="0">
               <a:buNone/>
-              <a:defRPr sz="1600">
+              <a:defRPr sz="3118">
                 <a:solidFill>
                   <a:schemeClr val="tx1">
                     <a:tint val="75000"/>
@@ -1119,13 +997,7 @@
       </p:sp>
       <p:sp>
         <p:nvSpPr>
-          <p:cNvPr id="4" name="Date Placeholder 3">
-            <a:extLst>
-              <a:ext uri="{FF2B5EF4-FFF2-40B4-BE49-F238E27FC236}">
-                <a16:creationId xmlns:a16="http://schemas.microsoft.com/office/drawing/2014/main" id="{DECF3988-68B6-534C-9952-D68AE36A5A85}"/>
-              </a:ext>
-            </a:extLst>
-          </p:cNvPr>
+          <p:cNvPr id="4" name="Date Placeholder 3"/>
           <p:cNvSpPr>
             <a:spLocks noGrp="1"/>
           </p:cNvSpPr>
@@ -1140,7 +1012,7 @@
           <a:p>
             <a:fld id="{0AFD7C04-1572-0B4C-972B-A32FC7BA93A5}" type="datetimeFigureOut">
               <a:rPr lang="en-US" smtClean="0"/>
-              <a:t>10/1/19</a:t>
+              <a:t>1/8/20</a:t>
             </a:fld>
             <a:endParaRPr lang="en-US"/>
           </a:p>
@@ -1148,13 +1020,7 @@
       </p:sp>
       <p:sp>
         <p:nvSpPr>
-          <p:cNvPr id="5" name="Footer Placeholder 4">
-            <a:extLst>
-              <a:ext uri="{FF2B5EF4-FFF2-40B4-BE49-F238E27FC236}">
-                <a16:creationId xmlns:a16="http://schemas.microsoft.com/office/drawing/2014/main" id="{B5CB0C08-966E-D046-A865-306E56EB7D05}"/>
-              </a:ext>
-            </a:extLst>
-          </p:cNvPr>
+          <p:cNvPr id="5" name="Footer Placeholder 4"/>
           <p:cNvSpPr>
             <a:spLocks noGrp="1"/>
           </p:cNvSpPr>
@@ -1173,13 +1039,7 @@
       </p:sp>
       <p:sp>
         <p:nvSpPr>
-          <p:cNvPr id="6" name="Slide Number Placeholder 5">
-            <a:extLst>
-              <a:ext uri="{FF2B5EF4-FFF2-40B4-BE49-F238E27FC236}">
-                <a16:creationId xmlns:a16="http://schemas.microsoft.com/office/drawing/2014/main" id="{5C6103CB-71D9-9843-9185-52736E2ADBE9}"/>
-              </a:ext>
-            </a:extLst>
-          </p:cNvPr>
+          <p:cNvPr id="6" name="Slide Number Placeholder 5"/>
           <p:cNvSpPr>
             <a:spLocks noGrp="1"/>
           </p:cNvSpPr>
@@ -1203,7 +1063,7 @@
     </p:spTree>
     <p:extLst>
       <p:ext uri="{BB962C8B-B14F-4D97-AF65-F5344CB8AC3E}">
-        <p14:creationId xmlns:p14="http://schemas.microsoft.com/office/powerpoint/2010/main" val="165042854"/>
+        <p14:creationId xmlns:p14="http://schemas.microsoft.com/office/powerpoint/2010/main" val="2397323884"/>
       </p:ext>
     </p:extLst>
   </p:cSld>
@@ -1232,13 +1092,7 @@
       </p:grpSpPr>
       <p:sp>
         <p:nvSpPr>
-          <p:cNvPr id="2" name="Title 1">
-            <a:extLst>
-              <a:ext uri="{FF2B5EF4-FFF2-40B4-BE49-F238E27FC236}">
-                <a16:creationId xmlns:a16="http://schemas.microsoft.com/office/drawing/2014/main" id="{D02BCD8B-EAE1-D443-8F19-03B5C703CCD6}"/>
-              </a:ext>
-            </a:extLst>
-          </p:cNvPr>
+          <p:cNvPr id="2" name="Title 1"/>
           <p:cNvSpPr>
             <a:spLocks noGrp="1"/>
           </p:cNvSpPr>
@@ -1255,18 +1109,13 @@
               <a:rPr lang="en-US"/>
               <a:t>Click to edit Master title style</a:t>
             </a:r>
+            <a:endParaRPr lang="en-US" dirty="0"/>
           </a:p>
         </p:txBody>
       </p:sp>
       <p:sp>
         <p:nvSpPr>
-          <p:cNvPr id="3" name="Content Placeholder 2">
-            <a:extLst>
-              <a:ext uri="{FF2B5EF4-FFF2-40B4-BE49-F238E27FC236}">
-                <a16:creationId xmlns:a16="http://schemas.microsoft.com/office/drawing/2014/main" id="{20389436-5012-4048-BFCE-8D6799EA905D}"/>
-              </a:ext>
-            </a:extLst>
-          </p:cNvPr>
+          <p:cNvPr id="3" name="Content Placeholder 2"/>
           <p:cNvSpPr>
             <a:spLocks noGrp="1"/>
           </p:cNvSpPr>
@@ -1276,8 +1125,8 @@
         </p:nvSpPr>
         <p:spPr>
           <a:xfrm>
-            <a:off x="838200" y="1825625"/>
-            <a:ext cx="5181600" cy="4351338"/>
+            <a:off x="1633508" y="3641531"/>
+            <a:ext cx="10098048" cy="8679509"/>
           </a:xfrm>
         </p:spPr>
         <p:txBody>
@@ -1317,18 +1166,13 @@
               <a:rPr lang="en-US"/>
               <a:t>Fifth level</a:t>
             </a:r>
+            <a:endParaRPr lang="en-US" dirty="0"/>
           </a:p>
         </p:txBody>
       </p:sp>
       <p:sp>
         <p:nvSpPr>
-          <p:cNvPr id="4" name="Content Placeholder 3">
-            <a:extLst>
-              <a:ext uri="{FF2B5EF4-FFF2-40B4-BE49-F238E27FC236}">
-                <a16:creationId xmlns:a16="http://schemas.microsoft.com/office/drawing/2014/main" id="{F005F305-CE9E-8142-8484-1F315E183275}"/>
-              </a:ext>
-            </a:extLst>
-          </p:cNvPr>
+          <p:cNvPr id="4" name="Content Placeholder 3"/>
           <p:cNvSpPr>
             <a:spLocks noGrp="1"/>
           </p:cNvSpPr>
@@ -1338,8 +1182,8 @@
         </p:nvSpPr>
         <p:spPr>
           <a:xfrm>
-            <a:off x="6172200" y="1825625"/>
-            <a:ext cx="5181600" cy="4351338"/>
+            <a:off x="12028557" y="3641531"/>
+            <a:ext cx="10098048" cy="8679509"/>
           </a:xfrm>
         </p:spPr>
         <p:txBody>
@@ -1379,18 +1223,13 @@
               <a:rPr lang="en-US"/>
               <a:t>Fifth level</a:t>
             </a:r>
+            <a:endParaRPr lang="en-US" dirty="0"/>
           </a:p>
         </p:txBody>
       </p:sp>
       <p:sp>
         <p:nvSpPr>
-          <p:cNvPr id="5" name="Date Placeholder 4">
-            <a:extLst>
-              <a:ext uri="{FF2B5EF4-FFF2-40B4-BE49-F238E27FC236}">
-                <a16:creationId xmlns:a16="http://schemas.microsoft.com/office/drawing/2014/main" id="{B50366FF-95E8-2C46-933C-E0AF36408C38}"/>
-              </a:ext>
-            </a:extLst>
-          </p:cNvPr>
+          <p:cNvPr id="5" name="Date Placeholder 4"/>
           <p:cNvSpPr>
             <a:spLocks noGrp="1"/>
           </p:cNvSpPr>
@@ -1405,7 +1244,7 @@
           <a:p>
             <a:fld id="{0AFD7C04-1572-0B4C-972B-A32FC7BA93A5}" type="datetimeFigureOut">
               <a:rPr lang="en-US" smtClean="0"/>
-              <a:t>10/1/19</a:t>
+              <a:t>1/8/20</a:t>
             </a:fld>
             <a:endParaRPr lang="en-US"/>
           </a:p>
@@ -1413,13 +1252,7 @@
       </p:sp>
       <p:sp>
         <p:nvSpPr>
-          <p:cNvPr id="6" name="Footer Placeholder 5">
-            <a:extLst>
-              <a:ext uri="{FF2B5EF4-FFF2-40B4-BE49-F238E27FC236}">
-                <a16:creationId xmlns:a16="http://schemas.microsoft.com/office/drawing/2014/main" id="{B552014E-3BA8-4440-8BD9-D0F3B5D7395B}"/>
-              </a:ext>
-            </a:extLst>
-          </p:cNvPr>
+          <p:cNvPr id="6" name="Footer Placeholder 5"/>
           <p:cNvSpPr>
             <a:spLocks noGrp="1"/>
           </p:cNvSpPr>
@@ -1438,13 +1271,7 @@
       </p:sp>
       <p:sp>
         <p:nvSpPr>
-          <p:cNvPr id="7" name="Slide Number Placeholder 6">
-            <a:extLst>
-              <a:ext uri="{FF2B5EF4-FFF2-40B4-BE49-F238E27FC236}">
-                <a16:creationId xmlns:a16="http://schemas.microsoft.com/office/drawing/2014/main" id="{EBCDB6DF-BE0F-5E4A-BD7D-25176585878C}"/>
-              </a:ext>
-            </a:extLst>
-          </p:cNvPr>
+          <p:cNvPr id="7" name="Slide Number Placeholder 6"/>
           <p:cNvSpPr>
             <a:spLocks noGrp="1"/>
           </p:cNvSpPr>
@@ -1468,7 +1295,7 @@
     </p:spTree>
     <p:extLst>
       <p:ext uri="{BB962C8B-B14F-4D97-AF65-F5344CB8AC3E}">
-        <p14:creationId xmlns:p14="http://schemas.microsoft.com/office/powerpoint/2010/main" val="1331765713"/>
+        <p14:creationId xmlns:p14="http://schemas.microsoft.com/office/powerpoint/2010/main" val="647686001"/>
       </p:ext>
     </p:extLst>
   </p:cSld>
@@ -1497,13 +1324,7 @@
       </p:grpSpPr>
       <p:sp>
         <p:nvSpPr>
-          <p:cNvPr id="2" name="Title 1">
-            <a:extLst>
-              <a:ext uri="{FF2B5EF4-FFF2-40B4-BE49-F238E27FC236}">
-                <a16:creationId xmlns:a16="http://schemas.microsoft.com/office/drawing/2014/main" id="{E69A4F8F-00E1-A04E-97A4-D4A1794F6612}"/>
-              </a:ext>
-            </a:extLst>
-          </p:cNvPr>
+          <p:cNvPr id="2" name="Title 1"/>
           <p:cNvSpPr>
             <a:spLocks noGrp="1"/>
           </p:cNvSpPr>
@@ -1513,8 +1334,8 @@
         </p:nvSpPr>
         <p:spPr>
           <a:xfrm>
-            <a:off x="839788" y="365125"/>
-            <a:ext cx="10515600" cy="1325563"/>
+            <a:off x="1636603" y="728307"/>
+            <a:ext cx="20493097" cy="2644069"/>
           </a:xfrm>
         </p:spPr>
         <p:txBody>
@@ -1525,18 +1346,13 @@
               <a:rPr lang="en-US"/>
               <a:t>Click to edit Master title style</a:t>
             </a:r>
+            <a:endParaRPr lang="en-US" dirty="0"/>
           </a:p>
         </p:txBody>
       </p:sp>
       <p:sp>
         <p:nvSpPr>
-          <p:cNvPr id="3" name="Text Placeholder 2">
-            <a:extLst>
-              <a:ext uri="{FF2B5EF4-FFF2-40B4-BE49-F238E27FC236}">
-                <a16:creationId xmlns:a16="http://schemas.microsoft.com/office/drawing/2014/main" id="{B209439F-F1E9-6649-9191-98EBF43482C5}"/>
-              </a:ext>
-            </a:extLst>
-          </p:cNvPr>
+          <p:cNvPr id="3" name="Text Placeholder 2"/>
           <p:cNvSpPr>
             <a:spLocks noGrp="1"/>
           </p:cNvSpPr>
@@ -1546,8 +1362,8 @@
         </p:nvSpPr>
         <p:spPr>
           <a:xfrm>
-            <a:off x="839788" y="1681163"/>
-            <a:ext cx="5157787" cy="823912"/>
+            <a:off x="1636603" y="3353376"/>
+            <a:ext cx="10051641" cy="1643437"/>
           </a:xfrm>
         </p:spPr>
         <p:txBody>
@@ -1555,39 +1371,39 @@
           <a:lstStyle>
             <a:lvl1pPr marL="0" indent="0">
               <a:buNone/>
-              <a:defRPr sz="2400" b="1"/>
+              <a:defRPr sz="4677" b="1"/>
             </a:lvl1pPr>
-            <a:lvl2pPr marL="457200" indent="0">
+            <a:lvl2pPr marL="890991" indent="0">
               <a:buNone/>
-              <a:defRPr sz="2000" b="1"/>
+              <a:defRPr sz="3898" b="1"/>
             </a:lvl2pPr>
-            <a:lvl3pPr marL="914400" indent="0">
+            <a:lvl3pPr marL="1781983" indent="0">
               <a:buNone/>
-              <a:defRPr sz="1800" b="1"/>
+              <a:defRPr sz="3508" b="1"/>
             </a:lvl3pPr>
-            <a:lvl4pPr marL="1371600" indent="0">
+            <a:lvl4pPr marL="2672974" indent="0">
               <a:buNone/>
-              <a:defRPr sz="1600" b="1"/>
+              <a:defRPr sz="3118" b="1"/>
             </a:lvl4pPr>
-            <a:lvl5pPr marL="1828800" indent="0">
+            <a:lvl5pPr marL="3563965" indent="0">
               <a:buNone/>
-              <a:defRPr sz="1600" b="1"/>
+              <a:defRPr sz="3118" b="1"/>
             </a:lvl5pPr>
-            <a:lvl6pPr marL="2286000" indent="0">
+            <a:lvl6pPr marL="4454957" indent="0">
               <a:buNone/>
-              <a:defRPr sz="1600" b="1"/>
+              <a:defRPr sz="3118" b="1"/>
             </a:lvl6pPr>
-            <a:lvl7pPr marL="2743200" indent="0">
+            <a:lvl7pPr marL="5345948" indent="0">
               <a:buNone/>
-              <a:defRPr sz="1600" b="1"/>
+              <a:defRPr sz="3118" b="1"/>
             </a:lvl7pPr>
-            <a:lvl8pPr marL="3200400" indent="0">
+            <a:lvl8pPr marL="6236940" indent="0">
               <a:buNone/>
-              <a:defRPr sz="1600" b="1"/>
+              <a:defRPr sz="3118" b="1"/>
             </a:lvl8pPr>
-            <a:lvl9pPr marL="3657600" indent="0">
+            <a:lvl9pPr marL="7127931" indent="0">
               <a:buNone/>
-              <a:defRPr sz="1600" b="1"/>
+              <a:defRPr sz="3118" b="1"/>
             </a:lvl9pPr>
           </a:lstStyle>
           <a:p>
@@ -1601,13 +1417,7 @@
       </p:sp>
       <p:sp>
         <p:nvSpPr>
-          <p:cNvPr id="4" name="Content Placeholder 3">
-            <a:extLst>
-              <a:ext uri="{FF2B5EF4-FFF2-40B4-BE49-F238E27FC236}">
-                <a16:creationId xmlns:a16="http://schemas.microsoft.com/office/drawing/2014/main" id="{40D35062-59E1-2842-93C6-5DCDD5DD5691}"/>
-              </a:ext>
-            </a:extLst>
-          </p:cNvPr>
+          <p:cNvPr id="4" name="Content Placeholder 3"/>
           <p:cNvSpPr>
             <a:spLocks noGrp="1"/>
           </p:cNvSpPr>
@@ -1617,8 +1427,8 @@
         </p:nvSpPr>
         <p:spPr>
           <a:xfrm>
-            <a:off x="839788" y="2505075"/>
-            <a:ext cx="5157787" cy="3684588"/>
+            <a:off x="1636603" y="4996813"/>
+            <a:ext cx="10051641" cy="7349559"/>
           </a:xfrm>
         </p:spPr>
         <p:txBody>
@@ -1658,18 +1468,13 @@
               <a:rPr lang="en-US"/>
               <a:t>Fifth level</a:t>
             </a:r>
+            <a:endParaRPr lang="en-US" dirty="0"/>
           </a:p>
         </p:txBody>
       </p:sp>
       <p:sp>
         <p:nvSpPr>
-          <p:cNvPr id="5" name="Text Placeholder 4">
-            <a:extLst>
-              <a:ext uri="{FF2B5EF4-FFF2-40B4-BE49-F238E27FC236}">
-                <a16:creationId xmlns:a16="http://schemas.microsoft.com/office/drawing/2014/main" id="{3D575927-ED20-3449-89E2-6AEA6355199B}"/>
-              </a:ext>
-            </a:extLst>
-          </p:cNvPr>
+          <p:cNvPr id="5" name="Text Placeholder 4"/>
           <p:cNvSpPr>
             <a:spLocks noGrp="1"/>
           </p:cNvSpPr>
@@ -1679,8 +1484,8 @@
         </p:nvSpPr>
         <p:spPr>
           <a:xfrm>
-            <a:off x="6172200" y="1681163"/>
-            <a:ext cx="5183188" cy="823912"/>
+            <a:off x="12028557" y="3353376"/>
+            <a:ext cx="10101143" cy="1643437"/>
           </a:xfrm>
         </p:spPr>
         <p:txBody>
@@ -1688,39 +1493,39 @@
           <a:lstStyle>
             <a:lvl1pPr marL="0" indent="0">
               <a:buNone/>
-              <a:defRPr sz="2400" b="1"/>
+              <a:defRPr sz="4677" b="1"/>
             </a:lvl1pPr>
-            <a:lvl2pPr marL="457200" indent="0">
+            <a:lvl2pPr marL="890991" indent="0">
               <a:buNone/>
-              <a:defRPr sz="2000" b="1"/>
+              <a:defRPr sz="3898" b="1"/>
             </a:lvl2pPr>
-            <a:lvl3pPr marL="914400" indent="0">
+            <a:lvl3pPr marL="1781983" indent="0">
               <a:buNone/>
-              <a:defRPr sz="1800" b="1"/>
+              <a:defRPr sz="3508" b="1"/>
             </a:lvl3pPr>
-            <a:lvl4pPr marL="1371600" indent="0">
+            <a:lvl4pPr marL="2672974" indent="0">
               <a:buNone/>
-              <a:defRPr sz="1600" b="1"/>
+              <a:defRPr sz="3118" b="1"/>
             </a:lvl4pPr>
-            <a:lvl5pPr marL="1828800" indent="0">
+            <a:lvl5pPr marL="3563965" indent="0">
               <a:buNone/>
-              <a:defRPr sz="1600" b="1"/>
+              <a:defRPr sz="3118" b="1"/>
             </a:lvl5pPr>
-            <a:lvl6pPr marL="2286000" indent="0">
+            <a:lvl6pPr marL="4454957" indent="0">
               <a:buNone/>
-              <a:defRPr sz="1600" b="1"/>
+              <a:defRPr sz="3118" b="1"/>
             </a:lvl6pPr>
-            <a:lvl7pPr marL="2743200" indent="0">
+            <a:lvl7pPr marL="5345948" indent="0">
               <a:buNone/>
-              <a:defRPr sz="1600" b="1"/>
+              <a:defRPr sz="3118" b="1"/>
             </a:lvl7pPr>
-            <a:lvl8pPr marL="3200400" indent="0">
+            <a:lvl8pPr marL="6236940" indent="0">
               <a:buNone/>
-              <a:defRPr sz="1600" b="1"/>
+              <a:defRPr sz="3118" b="1"/>
             </a:lvl8pPr>
-            <a:lvl9pPr marL="3657600" indent="0">
+            <a:lvl9pPr marL="7127931" indent="0">
               <a:buNone/>
-              <a:defRPr sz="1600" b="1"/>
+              <a:defRPr sz="3118" b="1"/>
             </a:lvl9pPr>
           </a:lstStyle>
           <a:p>
@@ -1734,13 +1539,7 @@
       </p:sp>
       <p:sp>
         <p:nvSpPr>
-          <p:cNvPr id="6" name="Content Placeholder 5">
-            <a:extLst>
-              <a:ext uri="{FF2B5EF4-FFF2-40B4-BE49-F238E27FC236}">
-                <a16:creationId xmlns:a16="http://schemas.microsoft.com/office/drawing/2014/main" id="{9677B8BB-A8A6-4C46-BCEE-02A81470FC68}"/>
-              </a:ext>
-            </a:extLst>
-          </p:cNvPr>
+          <p:cNvPr id="6" name="Content Placeholder 5"/>
           <p:cNvSpPr>
             <a:spLocks noGrp="1"/>
           </p:cNvSpPr>
@@ -1750,8 +1549,8 @@
         </p:nvSpPr>
         <p:spPr>
           <a:xfrm>
-            <a:off x="6172200" y="2505075"/>
-            <a:ext cx="5183188" cy="3684588"/>
+            <a:off x="12028557" y="4996813"/>
+            <a:ext cx="10101143" cy="7349559"/>
           </a:xfrm>
         </p:spPr>
         <p:txBody>
@@ -1791,18 +1590,13 @@
               <a:rPr lang="en-US"/>
               <a:t>Fifth level</a:t>
             </a:r>
+            <a:endParaRPr lang="en-US" dirty="0"/>
           </a:p>
         </p:txBody>
       </p:sp>
       <p:sp>
         <p:nvSpPr>
-          <p:cNvPr id="7" name="Date Placeholder 6">
-            <a:extLst>
-              <a:ext uri="{FF2B5EF4-FFF2-40B4-BE49-F238E27FC236}">
-                <a16:creationId xmlns:a16="http://schemas.microsoft.com/office/drawing/2014/main" id="{A3F74E1E-D385-8347-B7CA-4E62665A53FA}"/>
-              </a:ext>
-            </a:extLst>
-          </p:cNvPr>
+          <p:cNvPr id="7" name="Date Placeholder 6"/>
           <p:cNvSpPr>
             <a:spLocks noGrp="1"/>
           </p:cNvSpPr>
@@ -1817,7 +1611,7 @@
           <a:p>
             <a:fld id="{0AFD7C04-1572-0B4C-972B-A32FC7BA93A5}" type="datetimeFigureOut">
               <a:rPr lang="en-US" smtClean="0"/>
-              <a:t>10/1/19</a:t>
+              <a:t>1/8/20</a:t>
             </a:fld>
             <a:endParaRPr lang="en-US"/>
           </a:p>
@@ -1825,13 +1619,7 @@
       </p:sp>
       <p:sp>
         <p:nvSpPr>
-          <p:cNvPr id="8" name="Footer Placeholder 7">
-            <a:extLst>
-              <a:ext uri="{FF2B5EF4-FFF2-40B4-BE49-F238E27FC236}">
-                <a16:creationId xmlns:a16="http://schemas.microsoft.com/office/drawing/2014/main" id="{DC591D40-7344-F841-83CF-3E26AD69D5B0}"/>
-              </a:ext>
-            </a:extLst>
-          </p:cNvPr>
+          <p:cNvPr id="8" name="Footer Placeholder 7"/>
           <p:cNvSpPr>
             <a:spLocks noGrp="1"/>
           </p:cNvSpPr>
@@ -1850,13 +1638,7 @@
       </p:sp>
       <p:sp>
         <p:nvSpPr>
-          <p:cNvPr id="9" name="Slide Number Placeholder 8">
-            <a:extLst>
-              <a:ext uri="{FF2B5EF4-FFF2-40B4-BE49-F238E27FC236}">
-                <a16:creationId xmlns:a16="http://schemas.microsoft.com/office/drawing/2014/main" id="{B9A0F4F3-1483-2C4E-9123-E6E66D3A352A}"/>
-              </a:ext>
-            </a:extLst>
-          </p:cNvPr>
+          <p:cNvPr id="9" name="Slide Number Placeholder 8"/>
           <p:cNvSpPr>
             <a:spLocks noGrp="1"/>
           </p:cNvSpPr>
@@ -1880,7 +1662,7 @@
     </p:spTree>
     <p:extLst>
       <p:ext uri="{BB962C8B-B14F-4D97-AF65-F5344CB8AC3E}">
-        <p14:creationId xmlns:p14="http://schemas.microsoft.com/office/powerpoint/2010/main" val="1527899643"/>
+        <p14:creationId xmlns:p14="http://schemas.microsoft.com/office/powerpoint/2010/main" val="148217767"/>
       </p:ext>
     </p:extLst>
   </p:cSld>
@@ -1909,13 +1691,7 @@
       </p:grpSpPr>
       <p:sp>
         <p:nvSpPr>
-          <p:cNvPr id="2" name="Title 1">
-            <a:extLst>
-              <a:ext uri="{FF2B5EF4-FFF2-40B4-BE49-F238E27FC236}">
-                <a16:creationId xmlns:a16="http://schemas.microsoft.com/office/drawing/2014/main" id="{8A5AC509-8B33-6440-977C-77166A740352}"/>
-              </a:ext>
-            </a:extLst>
-          </p:cNvPr>
+          <p:cNvPr id="2" name="Title 1"/>
           <p:cNvSpPr>
             <a:spLocks noGrp="1"/>
           </p:cNvSpPr>
@@ -1932,18 +1708,13 @@
               <a:rPr lang="en-US"/>
               <a:t>Click to edit Master title style</a:t>
             </a:r>
+            <a:endParaRPr lang="en-US" dirty="0"/>
           </a:p>
         </p:txBody>
       </p:sp>
       <p:sp>
         <p:nvSpPr>
-          <p:cNvPr id="3" name="Date Placeholder 2">
-            <a:extLst>
-              <a:ext uri="{FF2B5EF4-FFF2-40B4-BE49-F238E27FC236}">
-                <a16:creationId xmlns:a16="http://schemas.microsoft.com/office/drawing/2014/main" id="{26D4CA1F-4E2B-3646-8AB8-EC2B8CD5A7F1}"/>
-              </a:ext>
-            </a:extLst>
-          </p:cNvPr>
+          <p:cNvPr id="3" name="Date Placeholder 2"/>
           <p:cNvSpPr>
             <a:spLocks noGrp="1"/>
           </p:cNvSpPr>
@@ -1958,7 +1729,7 @@
           <a:p>
             <a:fld id="{0AFD7C04-1572-0B4C-972B-A32FC7BA93A5}" type="datetimeFigureOut">
               <a:rPr lang="en-US" smtClean="0"/>
-              <a:t>10/1/19</a:t>
+              <a:t>1/8/20</a:t>
             </a:fld>
             <a:endParaRPr lang="en-US"/>
           </a:p>
@@ -1966,13 +1737,7 @@
       </p:sp>
       <p:sp>
         <p:nvSpPr>
-          <p:cNvPr id="4" name="Footer Placeholder 3">
-            <a:extLst>
-              <a:ext uri="{FF2B5EF4-FFF2-40B4-BE49-F238E27FC236}">
-                <a16:creationId xmlns:a16="http://schemas.microsoft.com/office/drawing/2014/main" id="{0D375F7D-1775-884C-A0A0-9E379698C6EB}"/>
-              </a:ext>
-            </a:extLst>
-          </p:cNvPr>
+          <p:cNvPr id="4" name="Footer Placeholder 3"/>
           <p:cNvSpPr>
             <a:spLocks noGrp="1"/>
           </p:cNvSpPr>
@@ -1991,13 +1756,7 @@
       </p:sp>
       <p:sp>
         <p:nvSpPr>
-          <p:cNvPr id="5" name="Slide Number Placeholder 4">
-            <a:extLst>
-              <a:ext uri="{FF2B5EF4-FFF2-40B4-BE49-F238E27FC236}">
-                <a16:creationId xmlns:a16="http://schemas.microsoft.com/office/drawing/2014/main" id="{9DB22EB0-18DE-D544-9459-7A57F16BB890}"/>
-              </a:ext>
-            </a:extLst>
-          </p:cNvPr>
+          <p:cNvPr id="5" name="Slide Number Placeholder 4"/>
           <p:cNvSpPr>
             <a:spLocks noGrp="1"/>
           </p:cNvSpPr>
@@ -2021,7 +1780,7 @@
     </p:spTree>
     <p:extLst>
       <p:ext uri="{BB962C8B-B14F-4D97-AF65-F5344CB8AC3E}">
-        <p14:creationId xmlns:p14="http://schemas.microsoft.com/office/powerpoint/2010/main" val="1090932018"/>
+        <p14:creationId xmlns:p14="http://schemas.microsoft.com/office/powerpoint/2010/main" val="1811642986"/>
       </p:ext>
     </p:extLst>
   </p:cSld>
@@ -2050,13 +1809,7 @@
       </p:grpSpPr>
       <p:sp>
         <p:nvSpPr>
-          <p:cNvPr id="2" name="Date Placeholder 1">
-            <a:extLst>
-              <a:ext uri="{FF2B5EF4-FFF2-40B4-BE49-F238E27FC236}">
-                <a16:creationId xmlns:a16="http://schemas.microsoft.com/office/drawing/2014/main" id="{BC1B564F-EBF5-314D-954A-4D4A055418FE}"/>
-              </a:ext>
-            </a:extLst>
-          </p:cNvPr>
+          <p:cNvPr id="2" name="Date Placeholder 1"/>
           <p:cNvSpPr>
             <a:spLocks noGrp="1"/>
           </p:cNvSpPr>
@@ -2071,7 +1824,7 @@
           <a:p>
             <a:fld id="{0AFD7C04-1572-0B4C-972B-A32FC7BA93A5}" type="datetimeFigureOut">
               <a:rPr lang="en-US" smtClean="0"/>
-              <a:t>10/1/19</a:t>
+              <a:t>1/8/20</a:t>
             </a:fld>
             <a:endParaRPr lang="en-US"/>
           </a:p>
@@ -2079,13 +1832,7 @@
       </p:sp>
       <p:sp>
         <p:nvSpPr>
-          <p:cNvPr id="3" name="Footer Placeholder 2">
-            <a:extLst>
-              <a:ext uri="{FF2B5EF4-FFF2-40B4-BE49-F238E27FC236}">
-                <a16:creationId xmlns:a16="http://schemas.microsoft.com/office/drawing/2014/main" id="{BEDEA4AB-C61E-8146-8B74-E46DD6E77A56}"/>
-              </a:ext>
-            </a:extLst>
-          </p:cNvPr>
+          <p:cNvPr id="3" name="Footer Placeholder 2"/>
           <p:cNvSpPr>
             <a:spLocks noGrp="1"/>
           </p:cNvSpPr>
@@ -2104,13 +1851,7 @@
       </p:sp>
       <p:sp>
         <p:nvSpPr>
-          <p:cNvPr id="4" name="Slide Number Placeholder 3">
-            <a:extLst>
-              <a:ext uri="{FF2B5EF4-FFF2-40B4-BE49-F238E27FC236}">
-                <a16:creationId xmlns:a16="http://schemas.microsoft.com/office/drawing/2014/main" id="{E11607C4-532C-A445-A088-A486261CC1F6}"/>
-              </a:ext>
-            </a:extLst>
-          </p:cNvPr>
+          <p:cNvPr id="4" name="Slide Number Placeholder 3"/>
           <p:cNvSpPr>
             <a:spLocks noGrp="1"/>
           </p:cNvSpPr>
@@ -2134,7 +1875,7 @@
     </p:spTree>
     <p:extLst>
       <p:ext uri="{BB962C8B-B14F-4D97-AF65-F5344CB8AC3E}">
-        <p14:creationId xmlns:p14="http://schemas.microsoft.com/office/powerpoint/2010/main" val="146352351"/>
+        <p14:creationId xmlns:p14="http://schemas.microsoft.com/office/powerpoint/2010/main" val="178915340"/>
       </p:ext>
     </p:extLst>
   </p:cSld>
@@ -2163,13 +1904,7 @@
       </p:grpSpPr>
       <p:sp>
         <p:nvSpPr>
-          <p:cNvPr id="2" name="Title 1">
-            <a:extLst>
-              <a:ext uri="{FF2B5EF4-FFF2-40B4-BE49-F238E27FC236}">
-                <a16:creationId xmlns:a16="http://schemas.microsoft.com/office/drawing/2014/main" id="{F5747D4F-12A8-AA43-BE9E-BD47C1674ECE}"/>
-              </a:ext>
-            </a:extLst>
-          </p:cNvPr>
+          <p:cNvPr id="2" name="Title 1"/>
           <p:cNvSpPr>
             <a:spLocks noGrp="1"/>
           </p:cNvSpPr>
@@ -2179,15 +1914,15 @@
         </p:nvSpPr>
         <p:spPr>
           <a:xfrm>
-            <a:off x="839788" y="457200"/>
-            <a:ext cx="3932237" cy="1600200"/>
+            <a:off x="1636604" y="911966"/>
+            <a:ext cx="7663254" cy="3191881"/>
           </a:xfrm>
         </p:spPr>
         <p:txBody>
           <a:bodyPr anchor="b"/>
           <a:lstStyle>
             <a:lvl1pPr>
-              <a:defRPr sz="3200"/>
+              <a:defRPr sz="6236"/>
             </a:lvl1pPr>
           </a:lstStyle>
           <a:p>
@@ -2195,18 +1930,13 @@
               <a:rPr lang="en-US"/>
               <a:t>Click to edit Master title style</a:t>
             </a:r>
+            <a:endParaRPr lang="en-US" dirty="0"/>
           </a:p>
         </p:txBody>
       </p:sp>
       <p:sp>
         <p:nvSpPr>
-          <p:cNvPr id="3" name="Content Placeholder 2">
-            <a:extLst>
-              <a:ext uri="{FF2B5EF4-FFF2-40B4-BE49-F238E27FC236}">
-                <a16:creationId xmlns:a16="http://schemas.microsoft.com/office/drawing/2014/main" id="{1D0A2358-675A-CC40-90A3-74CD00B7AA8F}"/>
-              </a:ext>
-            </a:extLst>
-          </p:cNvPr>
+          <p:cNvPr id="3" name="Content Placeholder 2"/>
           <p:cNvSpPr>
             <a:spLocks noGrp="1"/>
           </p:cNvSpPr>
@@ -2216,39 +1946,39 @@
         </p:nvSpPr>
         <p:spPr>
           <a:xfrm>
-            <a:off x="5183188" y="987425"/>
-            <a:ext cx="6172200" cy="4873625"/>
+            <a:off x="10101143" y="1969594"/>
+            <a:ext cx="12028557" cy="9721303"/>
           </a:xfrm>
         </p:spPr>
         <p:txBody>
           <a:bodyPr/>
           <a:lstStyle>
             <a:lvl1pPr>
-              <a:defRPr sz="3200"/>
+              <a:defRPr sz="6236"/>
             </a:lvl1pPr>
             <a:lvl2pPr>
-              <a:defRPr sz="2800"/>
+              <a:defRPr sz="5457"/>
             </a:lvl2pPr>
             <a:lvl3pPr>
-              <a:defRPr sz="2400"/>
+              <a:defRPr sz="4677"/>
             </a:lvl3pPr>
             <a:lvl4pPr>
-              <a:defRPr sz="2000"/>
+              <a:defRPr sz="3898"/>
             </a:lvl4pPr>
             <a:lvl5pPr>
-              <a:defRPr sz="2000"/>
+              <a:defRPr sz="3898"/>
             </a:lvl5pPr>
             <a:lvl6pPr>
-              <a:defRPr sz="2000"/>
+              <a:defRPr sz="3898"/>
             </a:lvl6pPr>
             <a:lvl7pPr>
-              <a:defRPr sz="2000"/>
+              <a:defRPr sz="3898"/>
             </a:lvl7pPr>
             <a:lvl8pPr>
-              <a:defRPr sz="2000"/>
+              <a:defRPr sz="3898"/>
             </a:lvl8pPr>
             <a:lvl9pPr>
-              <a:defRPr sz="2000"/>
+              <a:defRPr sz="3898"/>
             </a:lvl9pPr>
           </a:lstStyle>
           <a:p>
@@ -2285,18 +2015,13 @@
               <a:rPr lang="en-US"/>
               <a:t>Fifth level</a:t>
             </a:r>
+            <a:endParaRPr lang="en-US" dirty="0"/>
           </a:p>
         </p:txBody>
       </p:sp>
       <p:sp>
         <p:nvSpPr>
-          <p:cNvPr id="4" name="Text Placeholder 3">
-            <a:extLst>
-              <a:ext uri="{FF2B5EF4-FFF2-40B4-BE49-F238E27FC236}">
-                <a16:creationId xmlns:a16="http://schemas.microsoft.com/office/drawing/2014/main" id="{C8DE9726-E195-0341-B643-A92D96242EF8}"/>
-              </a:ext>
-            </a:extLst>
-          </p:cNvPr>
+          <p:cNvPr id="4" name="Text Placeholder 3"/>
           <p:cNvSpPr>
             <a:spLocks noGrp="1"/>
           </p:cNvSpPr>
@@ -2306,8 +2031,8 @@
         </p:nvSpPr>
         <p:spPr>
           <a:xfrm>
-            <a:off x="839788" y="2057400"/>
-            <a:ext cx="3932237" cy="3811588"/>
+            <a:off x="1636604" y="4103846"/>
+            <a:ext cx="7663254" cy="7602883"/>
           </a:xfrm>
         </p:spPr>
         <p:txBody>
@@ -2315,39 +2040,39 @@
           <a:lstStyle>
             <a:lvl1pPr marL="0" indent="0">
               <a:buNone/>
-              <a:defRPr sz="1600"/>
+              <a:defRPr sz="3118"/>
             </a:lvl1pPr>
-            <a:lvl2pPr marL="457200" indent="0">
+            <a:lvl2pPr marL="890991" indent="0">
               <a:buNone/>
-              <a:defRPr sz="1400"/>
+              <a:defRPr sz="2728"/>
             </a:lvl2pPr>
-            <a:lvl3pPr marL="914400" indent="0">
+            <a:lvl3pPr marL="1781983" indent="0">
               <a:buNone/>
-              <a:defRPr sz="1200"/>
+              <a:defRPr sz="2339"/>
             </a:lvl3pPr>
-            <a:lvl4pPr marL="1371600" indent="0">
+            <a:lvl4pPr marL="2672974" indent="0">
               <a:buNone/>
-              <a:defRPr sz="1000"/>
+              <a:defRPr sz="1949"/>
             </a:lvl4pPr>
-            <a:lvl5pPr marL="1828800" indent="0">
+            <a:lvl5pPr marL="3563965" indent="0">
               <a:buNone/>
-              <a:defRPr sz="1000"/>
+              <a:defRPr sz="1949"/>
             </a:lvl5pPr>
-            <a:lvl6pPr marL="2286000" indent="0">
+            <a:lvl6pPr marL="4454957" indent="0">
               <a:buNone/>
-              <a:defRPr sz="1000"/>
+              <a:defRPr sz="1949"/>
             </a:lvl6pPr>
-            <a:lvl7pPr marL="2743200" indent="0">
+            <a:lvl7pPr marL="5345948" indent="0">
               <a:buNone/>
-              <a:defRPr sz="1000"/>
+              <a:defRPr sz="1949"/>
             </a:lvl7pPr>
-            <a:lvl8pPr marL="3200400" indent="0">
+            <a:lvl8pPr marL="6236940" indent="0">
               <a:buNone/>
-              <a:defRPr sz="1000"/>
+              <a:defRPr sz="1949"/>
             </a:lvl8pPr>
-            <a:lvl9pPr marL="3657600" indent="0">
+            <a:lvl9pPr marL="7127931" indent="0">
               <a:buNone/>
-              <a:defRPr sz="1000"/>
+              <a:defRPr sz="1949"/>
             </a:lvl9pPr>
           </a:lstStyle>
           <a:p>
@@ -2361,13 +2086,7 @@
       </p:sp>
       <p:sp>
         <p:nvSpPr>
-          <p:cNvPr id="5" name="Date Placeholder 4">
-            <a:extLst>
-              <a:ext uri="{FF2B5EF4-FFF2-40B4-BE49-F238E27FC236}">
-                <a16:creationId xmlns:a16="http://schemas.microsoft.com/office/drawing/2014/main" id="{75505D95-CB87-A748-B96A-BBDE6F727F8F}"/>
-              </a:ext>
-            </a:extLst>
-          </p:cNvPr>
+          <p:cNvPr id="5" name="Date Placeholder 4"/>
           <p:cNvSpPr>
             <a:spLocks noGrp="1"/>
           </p:cNvSpPr>
@@ -2382,7 +2101,7 @@
           <a:p>
             <a:fld id="{0AFD7C04-1572-0B4C-972B-A32FC7BA93A5}" type="datetimeFigureOut">
               <a:rPr lang="en-US" smtClean="0"/>
-              <a:t>10/1/19</a:t>
+              <a:t>1/8/20</a:t>
             </a:fld>
             <a:endParaRPr lang="en-US"/>
           </a:p>
@@ -2390,13 +2109,7 @@
       </p:sp>
       <p:sp>
         <p:nvSpPr>
-          <p:cNvPr id="6" name="Footer Placeholder 5">
-            <a:extLst>
-              <a:ext uri="{FF2B5EF4-FFF2-40B4-BE49-F238E27FC236}">
-                <a16:creationId xmlns:a16="http://schemas.microsoft.com/office/drawing/2014/main" id="{403C5298-E3D9-4B4C-87D7-BFCDCDF24F74}"/>
-              </a:ext>
-            </a:extLst>
-          </p:cNvPr>
+          <p:cNvPr id="6" name="Footer Placeholder 5"/>
           <p:cNvSpPr>
             <a:spLocks noGrp="1"/>
           </p:cNvSpPr>
@@ -2415,13 +2128,7 @@
       </p:sp>
       <p:sp>
         <p:nvSpPr>
-          <p:cNvPr id="7" name="Slide Number Placeholder 6">
-            <a:extLst>
-              <a:ext uri="{FF2B5EF4-FFF2-40B4-BE49-F238E27FC236}">
-                <a16:creationId xmlns:a16="http://schemas.microsoft.com/office/drawing/2014/main" id="{B8C2B1BE-CE26-C545-9872-A2915749E256}"/>
-              </a:ext>
-            </a:extLst>
-          </p:cNvPr>
+          <p:cNvPr id="7" name="Slide Number Placeholder 6"/>
           <p:cNvSpPr>
             <a:spLocks noGrp="1"/>
           </p:cNvSpPr>
@@ -2445,7 +2152,7 @@
     </p:spTree>
     <p:extLst>
       <p:ext uri="{BB962C8B-B14F-4D97-AF65-F5344CB8AC3E}">
-        <p14:creationId xmlns:p14="http://schemas.microsoft.com/office/powerpoint/2010/main" val="757465072"/>
+        <p14:creationId xmlns:p14="http://schemas.microsoft.com/office/powerpoint/2010/main" val="1214794505"/>
       </p:ext>
     </p:extLst>
   </p:cSld>
@@ -2474,13 +2181,7 @@
       </p:grpSpPr>
       <p:sp>
         <p:nvSpPr>
-          <p:cNvPr id="2" name="Title 1">
-            <a:extLst>
-              <a:ext uri="{FF2B5EF4-FFF2-40B4-BE49-F238E27FC236}">
-                <a16:creationId xmlns:a16="http://schemas.microsoft.com/office/drawing/2014/main" id="{C913CCF8-08FF-5540-A63C-7E42761428CD}"/>
-              </a:ext>
-            </a:extLst>
-          </p:cNvPr>
+          <p:cNvPr id="2" name="Title 1"/>
           <p:cNvSpPr>
             <a:spLocks noGrp="1"/>
           </p:cNvSpPr>
@@ -2490,15 +2191,15 @@
         </p:nvSpPr>
         <p:spPr>
           <a:xfrm>
-            <a:off x="839788" y="457200"/>
-            <a:ext cx="3932237" cy="1600200"/>
+            <a:off x="1636604" y="911966"/>
+            <a:ext cx="7663254" cy="3191881"/>
           </a:xfrm>
         </p:spPr>
         <p:txBody>
           <a:bodyPr anchor="b"/>
           <a:lstStyle>
             <a:lvl1pPr>
-              <a:defRPr sz="3200"/>
+              <a:defRPr sz="6236"/>
             </a:lvl1pPr>
           </a:lstStyle>
           <a:p>
@@ -2506,20 +2207,15 @@
               <a:rPr lang="en-US"/>
               <a:t>Click to edit Master title style</a:t>
             </a:r>
+            <a:endParaRPr lang="en-US" dirty="0"/>
           </a:p>
         </p:txBody>
       </p:sp>
       <p:sp>
         <p:nvSpPr>
-          <p:cNvPr id="3" name="Picture Placeholder 2">
-            <a:extLst>
-              <a:ext uri="{FF2B5EF4-FFF2-40B4-BE49-F238E27FC236}">
-                <a16:creationId xmlns:a16="http://schemas.microsoft.com/office/drawing/2014/main" id="{0D08470B-C7FC-9C42-8303-222A29FFEF83}"/>
-              </a:ext>
-            </a:extLst>
-          </p:cNvPr>
+          <p:cNvPr id="3" name="Picture Placeholder 2"/>
           <p:cNvSpPr>
-            <a:spLocks noGrp="1"/>
+            <a:spLocks noGrp="1" noChangeAspect="1"/>
           </p:cNvSpPr>
           <p:nvPr>
             <p:ph type="pic" idx="1"/>
@@ -2527,64 +2223,62 @@
         </p:nvSpPr>
         <p:spPr>
           <a:xfrm>
-            <a:off x="5183188" y="987425"/>
-            <a:ext cx="6172200" cy="4873625"/>
+            <a:off x="10101143" y="1969594"/>
+            <a:ext cx="12028557" cy="9721303"/>
           </a:xfrm>
         </p:spPr>
         <p:txBody>
-          <a:bodyPr/>
+          <a:bodyPr anchor="t"/>
           <a:lstStyle>
             <a:lvl1pPr marL="0" indent="0">
               <a:buNone/>
-              <a:defRPr sz="3200"/>
+              <a:defRPr sz="6236"/>
             </a:lvl1pPr>
-            <a:lvl2pPr marL="457200" indent="0">
+            <a:lvl2pPr marL="890991" indent="0">
               <a:buNone/>
-              <a:defRPr sz="2800"/>
+              <a:defRPr sz="5457"/>
             </a:lvl2pPr>
-            <a:lvl3pPr marL="914400" indent="0">
+            <a:lvl3pPr marL="1781983" indent="0">
               <a:buNone/>
-              <a:defRPr sz="2400"/>
+              <a:defRPr sz="4677"/>
             </a:lvl3pPr>
-            <a:lvl4pPr marL="1371600" indent="0">
+            <a:lvl4pPr marL="2672974" indent="0">
               <a:buNone/>
-              <a:defRPr sz="2000"/>
+              <a:defRPr sz="3898"/>
             </a:lvl4pPr>
-            <a:lvl5pPr marL="1828800" indent="0">
+            <a:lvl5pPr marL="3563965" indent="0">
               <a:buNone/>
-              <a:defRPr sz="2000"/>
+              <a:defRPr sz="3898"/>
             </a:lvl5pPr>
-            <a:lvl6pPr marL="2286000" indent="0">
+            <a:lvl6pPr marL="4454957" indent="0">
               <a:buNone/>
-              <a:defRPr sz="2000"/>
+              <a:defRPr sz="3898"/>
             </a:lvl6pPr>
-            <a:lvl7pPr marL="2743200" indent="0">
+            <a:lvl7pPr marL="5345948" indent="0">
               <a:buNone/>
-              <a:defRPr sz="2000"/>
+              <a:defRPr sz="3898"/>
             </a:lvl7pPr>
-            <a:lvl8pPr marL="3200400" indent="0">
+            <a:lvl8pPr marL="6236940" indent="0">
               <a:buNone/>
-              <a:defRPr sz="2000"/>
+              <a:defRPr sz="3898"/>
             </a:lvl8pPr>
-            <a:lvl9pPr marL="3657600" indent="0">
+            <a:lvl9pPr marL="7127931" indent="0">
               <a:buNone/>
-              <a:defRPr sz="2000"/>
+              <a:defRPr sz="3898"/>
             </a:lvl9pPr>
           </a:lstStyle>
           <a:p>
-            <a:endParaRPr lang="en-US"/>
+            <a:r>
+              <a:rPr lang="en-US"/>
+              <a:t>Click icon to add picture</a:t>
+            </a:r>
+            <a:endParaRPr lang="en-US" dirty="0"/>
           </a:p>
         </p:txBody>
       </p:sp>
       <p:sp>
         <p:nvSpPr>
-          <p:cNvPr id="4" name="Text Placeholder 3">
-            <a:extLst>
-              <a:ext uri="{FF2B5EF4-FFF2-40B4-BE49-F238E27FC236}">
-                <a16:creationId xmlns:a16="http://schemas.microsoft.com/office/drawing/2014/main" id="{8A165E92-6331-DF4A-B327-0CD514E4B108}"/>
-              </a:ext>
-            </a:extLst>
-          </p:cNvPr>
+          <p:cNvPr id="4" name="Text Placeholder 3"/>
           <p:cNvSpPr>
             <a:spLocks noGrp="1"/>
           </p:cNvSpPr>
@@ -2594,8 +2288,8 @@
         </p:nvSpPr>
         <p:spPr>
           <a:xfrm>
-            <a:off x="839788" y="2057400"/>
-            <a:ext cx="3932237" cy="3811588"/>
+            <a:off x="1636604" y="4103846"/>
+            <a:ext cx="7663254" cy="7602883"/>
           </a:xfrm>
         </p:spPr>
         <p:txBody>
@@ -2603,39 +2297,39 @@
           <a:lstStyle>
             <a:lvl1pPr marL="0" indent="0">
               <a:buNone/>
-              <a:defRPr sz="1600"/>
+              <a:defRPr sz="3118"/>
             </a:lvl1pPr>
-            <a:lvl2pPr marL="457200" indent="0">
+            <a:lvl2pPr marL="890991" indent="0">
               <a:buNone/>
-              <a:defRPr sz="1400"/>
+              <a:defRPr sz="2728"/>
             </a:lvl2pPr>
-            <a:lvl3pPr marL="914400" indent="0">
+            <a:lvl3pPr marL="1781983" indent="0">
               <a:buNone/>
-              <a:defRPr sz="1200"/>
+              <a:defRPr sz="2339"/>
             </a:lvl3pPr>
-            <a:lvl4pPr marL="1371600" indent="0">
+            <a:lvl4pPr marL="2672974" indent="0">
               <a:buNone/>
-              <a:defRPr sz="1000"/>
+              <a:defRPr sz="1949"/>
             </a:lvl4pPr>
-            <a:lvl5pPr marL="1828800" indent="0">
+            <a:lvl5pPr marL="3563965" indent="0">
               <a:buNone/>
-              <a:defRPr sz="1000"/>
+              <a:defRPr sz="1949"/>
             </a:lvl5pPr>
-            <a:lvl6pPr marL="2286000" indent="0">
+            <a:lvl6pPr marL="4454957" indent="0">
               <a:buNone/>
-              <a:defRPr sz="1000"/>
+              <a:defRPr sz="1949"/>
             </a:lvl6pPr>
-            <a:lvl7pPr marL="2743200" indent="0">
+            <a:lvl7pPr marL="5345948" indent="0">
               <a:buNone/>
-              <a:defRPr sz="1000"/>
+              <a:defRPr sz="1949"/>
             </a:lvl7pPr>
-            <a:lvl8pPr marL="3200400" indent="0">
+            <a:lvl8pPr marL="6236940" indent="0">
               <a:buNone/>
-              <a:defRPr sz="1000"/>
+              <a:defRPr sz="1949"/>
             </a:lvl8pPr>
-            <a:lvl9pPr marL="3657600" indent="0">
+            <a:lvl9pPr marL="7127931" indent="0">
               <a:buNone/>
-              <a:defRPr sz="1000"/>
+              <a:defRPr sz="1949"/>
             </a:lvl9pPr>
           </a:lstStyle>
           <a:p>
@@ -2649,13 +2343,7 @@
       </p:sp>
       <p:sp>
         <p:nvSpPr>
-          <p:cNvPr id="5" name="Date Placeholder 4">
-            <a:extLst>
-              <a:ext uri="{FF2B5EF4-FFF2-40B4-BE49-F238E27FC236}">
-                <a16:creationId xmlns:a16="http://schemas.microsoft.com/office/drawing/2014/main" id="{B6B8DE1F-D8AC-6D46-AFE0-7DC667B652AF}"/>
-              </a:ext>
-            </a:extLst>
-          </p:cNvPr>
+          <p:cNvPr id="5" name="Date Placeholder 4"/>
           <p:cNvSpPr>
             <a:spLocks noGrp="1"/>
           </p:cNvSpPr>
@@ -2670,7 +2358,7 @@
           <a:p>
             <a:fld id="{0AFD7C04-1572-0B4C-972B-A32FC7BA93A5}" type="datetimeFigureOut">
               <a:rPr lang="en-US" smtClean="0"/>
-              <a:t>10/1/19</a:t>
+              <a:t>1/8/20</a:t>
             </a:fld>
             <a:endParaRPr lang="en-US"/>
           </a:p>
@@ -2678,13 +2366,7 @@
       </p:sp>
       <p:sp>
         <p:nvSpPr>
-          <p:cNvPr id="6" name="Footer Placeholder 5">
-            <a:extLst>
-              <a:ext uri="{FF2B5EF4-FFF2-40B4-BE49-F238E27FC236}">
-                <a16:creationId xmlns:a16="http://schemas.microsoft.com/office/drawing/2014/main" id="{AA507C27-EE8F-C548-B1A4-BA64D21C36C8}"/>
-              </a:ext>
-            </a:extLst>
-          </p:cNvPr>
+          <p:cNvPr id="6" name="Footer Placeholder 5"/>
           <p:cNvSpPr>
             <a:spLocks noGrp="1"/>
           </p:cNvSpPr>
@@ -2703,13 +2385,7 @@
       </p:sp>
       <p:sp>
         <p:nvSpPr>
-          <p:cNvPr id="7" name="Slide Number Placeholder 6">
-            <a:extLst>
-              <a:ext uri="{FF2B5EF4-FFF2-40B4-BE49-F238E27FC236}">
-                <a16:creationId xmlns:a16="http://schemas.microsoft.com/office/drawing/2014/main" id="{9A13511F-C6B1-294A-AEC6-5312B717F6D4}"/>
-              </a:ext>
-            </a:extLst>
-          </p:cNvPr>
+          <p:cNvPr id="7" name="Slide Number Placeholder 6"/>
           <p:cNvSpPr>
             <a:spLocks noGrp="1"/>
           </p:cNvSpPr>
@@ -2733,7 +2409,7 @@
     </p:spTree>
     <p:extLst>
       <p:ext uri="{BB962C8B-B14F-4D97-AF65-F5344CB8AC3E}">
-        <p14:creationId xmlns:p14="http://schemas.microsoft.com/office/powerpoint/2010/main" val="1503097891"/>
+        <p14:creationId xmlns:p14="http://schemas.microsoft.com/office/powerpoint/2010/main" val="1472232124"/>
       </p:ext>
     </p:extLst>
   </p:cSld>
@@ -2767,13 +2443,7 @@
       </p:grpSpPr>
       <p:sp>
         <p:nvSpPr>
-          <p:cNvPr id="2" name="Title Placeholder 1">
-            <a:extLst>
-              <a:ext uri="{FF2B5EF4-FFF2-40B4-BE49-F238E27FC236}">
-                <a16:creationId xmlns:a16="http://schemas.microsoft.com/office/drawing/2014/main" id="{F2271DDB-C318-9841-BCE9-7F642B8CD7EE}"/>
-              </a:ext>
-            </a:extLst>
-          </p:cNvPr>
+          <p:cNvPr id="2" name="Title Placeholder 1"/>
           <p:cNvSpPr>
             <a:spLocks noGrp="1"/>
           </p:cNvSpPr>
@@ -2783,8 +2453,8 @@
         </p:nvSpPr>
         <p:spPr>
           <a:xfrm>
-            <a:off x="838200" y="365125"/>
-            <a:ext cx="10515600" cy="1325563"/>
+            <a:off x="1633508" y="728307"/>
+            <a:ext cx="20493097" cy="2644069"/>
           </a:xfrm>
           <a:prstGeom prst="rect">
             <a:avLst/>
@@ -2800,18 +2470,13 @@
               <a:rPr lang="en-US"/>
               <a:t>Click to edit Master title style</a:t>
             </a:r>
+            <a:endParaRPr lang="en-US" dirty="0"/>
           </a:p>
         </p:txBody>
       </p:sp>
       <p:sp>
         <p:nvSpPr>
-          <p:cNvPr id="3" name="Text Placeholder 2">
-            <a:extLst>
-              <a:ext uri="{FF2B5EF4-FFF2-40B4-BE49-F238E27FC236}">
-                <a16:creationId xmlns:a16="http://schemas.microsoft.com/office/drawing/2014/main" id="{E661BDC7-0650-A343-A68D-254D5DAE2DE2}"/>
-              </a:ext>
-            </a:extLst>
-          </p:cNvPr>
+          <p:cNvPr id="3" name="Text Placeholder 2"/>
           <p:cNvSpPr>
             <a:spLocks noGrp="1"/>
           </p:cNvSpPr>
@@ -2821,8 +2486,8 @@
         </p:nvSpPr>
         <p:spPr>
           <a:xfrm>
-            <a:off x="838200" y="1825625"/>
-            <a:ext cx="10515600" cy="4351338"/>
+            <a:off x="1633508" y="3641531"/>
+            <a:ext cx="20493097" cy="8679509"/>
           </a:xfrm>
           <a:prstGeom prst="rect">
             <a:avLst/>
@@ -2867,18 +2532,13 @@
               <a:rPr lang="en-US"/>
               <a:t>Fifth level</a:t>
             </a:r>
+            <a:endParaRPr lang="en-US" dirty="0"/>
           </a:p>
         </p:txBody>
       </p:sp>
       <p:sp>
         <p:nvSpPr>
-          <p:cNvPr id="4" name="Date Placeholder 3">
-            <a:extLst>
-              <a:ext uri="{FF2B5EF4-FFF2-40B4-BE49-F238E27FC236}">
-                <a16:creationId xmlns:a16="http://schemas.microsoft.com/office/drawing/2014/main" id="{55D92C67-95EF-BC49-B1FA-9CFAD0E921C8}"/>
-              </a:ext>
-            </a:extLst>
-          </p:cNvPr>
+          <p:cNvPr id="4" name="Date Placeholder 3"/>
           <p:cNvSpPr>
             <a:spLocks noGrp="1"/>
           </p:cNvSpPr>
@@ -2888,8 +2548,8 @@
         </p:nvSpPr>
         <p:spPr>
           <a:xfrm>
-            <a:off x="838200" y="6356350"/>
-            <a:ext cx="2743200" cy="365125"/>
+            <a:off x="1633508" y="12678860"/>
+            <a:ext cx="5346025" cy="728306"/>
           </a:xfrm>
           <a:prstGeom prst="rect">
             <a:avLst/>
@@ -2899,7 +2559,7 @@
           <a:bodyPr vert="horz" lIns="91440" tIns="45720" rIns="91440" bIns="45720" rtlCol="0" anchor="ctr"/>
           <a:lstStyle>
             <a:lvl1pPr algn="l">
-              <a:defRPr sz="1200">
+              <a:defRPr sz="2339">
                 <a:solidFill>
                   <a:schemeClr val="tx1">
                     <a:tint val="75000"/>
@@ -2911,7 +2571,7 @@
           <a:p>
             <a:fld id="{0AFD7C04-1572-0B4C-972B-A32FC7BA93A5}" type="datetimeFigureOut">
               <a:rPr lang="en-US" smtClean="0"/>
-              <a:t>10/1/19</a:t>
+              <a:t>1/8/20</a:t>
             </a:fld>
             <a:endParaRPr lang="en-US"/>
           </a:p>
@@ -2919,13 +2579,7 @@
       </p:sp>
       <p:sp>
         <p:nvSpPr>
-          <p:cNvPr id="5" name="Footer Placeholder 4">
-            <a:extLst>
-              <a:ext uri="{FF2B5EF4-FFF2-40B4-BE49-F238E27FC236}">
-                <a16:creationId xmlns:a16="http://schemas.microsoft.com/office/drawing/2014/main" id="{0E2BCD3B-975B-E84D-B793-4E7B33FF8523}"/>
-              </a:ext>
-            </a:extLst>
-          </p:cNvPr>
+          <p:cNvPr id="5" name="Footer Placeholder 4"/>
           <p:cNvSpPr>
             <a:spLocks noGrp="1"/>
           </p:cNvSpPr>
@@ -2935,8 +2589,8 @@
         </p:nvSpPr>
         <p:spPr>
           <a:xfrm>
-            <a:off x="4038600" y="6356350"/>
-            <a:ext cx="4114800" cy="365125"/>
+            <a:off x="7870538" y="12678860"/>
+            <a:ext cx="8019038" cy="728306"/>
           </a:xfrm>
           <a:prstGeom prst="rect">
             <a:avLst/>
@@ -2946,7 +2600,7 @@
           <a:bodyPr vert="horz" lIns="91440" tIns="45720" rIns="91440" bIns="45720" rtlCol="0" anchor="ctr"/>
           <a:lstStyle>
             <a:lvl1pPr algn="ctr">
-              <a:defRPr sz="1200">
+              <a:defRPr sz="2339">
                 <a:solidFill>
                   <a:schemeClr val="tx1">
                     <a:tint val="75000"/>
@@ -2962,13 +2616,7 @@
       </p:sp>
       <p:sp>
         <p:nvSpPr>
-          <p:cNvPr id="6" name="Slide Number Placeholder 5">
-            <a:extLst>
-              <a:ext uri="{FF2B5EF4-FFF2-40B4-BE49-F238E27FC236}">
-                <a16:creationId xmlns:a16="http://schemas.microsoft.com/office/drawing/2014/main" id="{8DD8ABE8-E30A-A74D-A669-5813C221A15F}"/>
-              </a:ext>
-            </a:extLst>
-          </p:cNvPr>
+          <p:cNvPr id="6" name="Slide Number Placeholder 5"/>
           <p:cNvSpPr>
             <a:spLocks noGrp="1"/>
           </p:cNvSpPr>
@@ -2978,8 +2626,8 @@
         </p:nvSpPr>
         <p:spPr>
           <a:xfrm>
-            <a:off x="8610600" y="6356350"/>
-            <a:ext cx="2743200" cy="365125"/>
+            <a:off x="16780580" y="12678860"/>
+            <a:ext cx="5346025" cy="728306"/>
           </a:xfrm>
           <a:prstGeom prst="rect">
             <a:avLst/>
@@ -2989,7 +2637,7 @@
           <a:bodyPr vert="horz" lIns="91440" tIns="45720" rIns="91440" bIns="45720" rtlCol="0" anchor="ctr"/>
           <a:lstStyle>
             <a:lvl1pPr algn="r">
-              <a:defRPr sz="1200">
+              <a:defRPr sz="2339">
                 <a:solidFill>
                   <a:schemeClr val="tx1">
                     <a:tint val="75000"/>
@@ -3010,27 +2658,27 @@
     </p:spTree>
     <p:extLst>
       <p:ext uri="{BB962C8B-B14F-4D97-AF65-F5344CB8AC3E}">
-        <p14:creationId xmlns:p14="http://schemas.microsoft.com/office/powerpoint/2010/main" val="1760622315"/>
+        <p14:creationId xmlns:p14="http://schemas.microsoft.com/office/powerpoint/2010/main" val="2160046697"/>
       </p:ext>
     </p:extLst>
   </p:cSld>
   <p:clrMap bg1="lt1" tx1="dk1" bg2="lt2" tx2="dk2" accent1="accent1" accent2="accent2" accent3="accent3" accent4="accent4" accent5="accent5" accent6="accent6" hlink="hlink" folHlink="folHlink"/>
   <p:sldLayoutIdLst>
-    <p:sldLayoutId id="2147483649" r:id="rId1"/>
-    <p:sldLayoutId id="2147483650" r:id="rId2"/>
-    <p:sldLayoutId id="2147483651" r:id="rId3"/>
-    <p:sldLayoutId id="2147483652" r:id="rId4"/>
-    <p:sldLayoutId id="2147483653" r:id="rId5"/>
-    <p:sldLayoutId id="2147483654" r:id="rId6"/>
-    <p:sldLayoutId id="2147483655" r:id="rId7"/>
-    <p:sldLayoutId id="2147483656" r:id="rId8"/>
-    <p:sldLayoutId id="2147483657" r:id="rId9"/>
-    <p:sldLayoutId id="2147483658" r:id="rId10"/>
-    <p:sldLayoutId id="2147483659" r:id="rId11"/>
+    <p:sldLayoutId id="2147483661" r:id="rId1"/>
+    <p:sldLayoutId id="2147483662" r:id="rId2"/>
+    <p:sldLayoutId id="2147483663" r:id="rId3"/>
+    <p:sldLayoutId id="2147483664" r:id="rId4"/>
+    <p:sldLayoutId id="2147483665" r:id="rId5"/>
+    <p:sldLayoutId id="2147483666" r:id="rId6"/>
+    <p:sldLayoutId id="2147483667" r:id="rId7"/>
+    <p:sldLayoutId id="2147483668" r:id="rId8"/>
+    <p:sldLayoutId id="2147483669" r:id="rId9"/>
+    <p:sldLayoutId id="2147483670" r:id="rId10"/>
+    <p:sldLayoutId id="2147483671" r:id="rId11"/>
   </p:sldLayoutIdLst>
   <p:txStyles>
     <p:titleStyle>
-      <a:lvl1pPr algn="l" defTabSz="914400" rtl="0" eaLnBrk="1" latinLnBrk="0" hangingPunct="1">
+      <a:lvl1pPr algn="l" defTabSz="1781983" rtl="0" eaLnBrk="1" latinLnBrk="0" hangingPunct="1">
         <a:lnSpc>
           <a:spcPct val="90000"/>
         </a:lnSpc>
@@ -3038,7 +2686,7 @@
           <a:spcPct val="0"/>
         </a:spcBef>
         <a:buNone/>
-        <a:defRPr sz="4400" kern="1200">
+        <a:defRPr sz="8575" kern="1200">
           <a:solidFill>
             <a:schemeClr val="tx1"/>
           </a:solidFill>
@@ -3049,16 +2697,16 @@
       </a:lvl1pPr>
     </p:titleStyle>
     <p:bodyStyle>
-      <a:lvl1pPr marL="228600" indent="-228600" algn="l" defTabSz="914400" rtl="0" eaLnBrk="1" latinLnBrk="0" hangingPunct="1">
+      <a:lvl1pPr marL="445496" indent="-445496" algn="l" defTabSz="1781983" rtl="0" eaLnBrk="1" latinLnBrk="0" hangingPunct="1">
         <a:lnSpc>
           <a:spcPct val="90000"/>
         </a:lnSpc>
         <a:spcBef>
-          <a:spcPts val="1000"/>
+          <a:spcPts val="1949"/>
         </a:spcBef>
         <a:buFont typeface="Arial" panose="020B0604020202020204" pitchFamily="34" charset="0"/>
         <a:buChar char="•"/>
-        <a:defRPr sz="2800" kern="1200">
+        <a:defRPr sz="5457" kern="1200">
           <a:solidFill>
             <a:schemeClr val="tx1"/>
           </a:solidFill>
@@ -3067,16 +2715,16 @@
           <a:cs typeface="+mn-cs"/>
         </a:defRPr>
       </a:lvl1pPr>
-      <a:lvl2pPr marL="685800" indent="-228600" algn="l" defTabSz="914400" rtl="0" eaLnBrk="1" latinLnBrk="0" hangingPunct="1">
+      <a:lvl2pPr marL="1336487" indent="-445496" algn="l" defTabSz="1781983" rtl="0" eaLnBrk="1" latinLnBrk="0" hangingPunct="1">
         <a:lnSpc>
           <a:spcPct val="90000"/>
         </a:lnSpc>
         <a:spcBef>
-          <a:spcPts val="500"/>
+          <a:spcPts val="974"/>
         </a:spcBef>
         <a:buFont typeface="Arial" panose="020B0604020202020204" pitchFamily="34" charset="0"/>
         <a:buChar char="•"/>
-        <a:defRPr sz="2400" kern="1200">
+        <a:defRPr sz="4677" kern="1200">
           <a:solidFill>
             <a:schemeClr val="tx1"/>
           </a:solidFill>
@@ -3085,16 +2733,16 @@
           <a:cs typeface="+mn-cs"/>
         </a:defRPr>
       </a:lvl2pPr>
-      <a:lvl3pPr marL="1143000" indent="-228600" algn="l" defTabSz="914400" rtl="0" eaLnBrk="1" latinLnBrk="0" hangingPunct="1">
+      <a:lvl3pPr marL="2227478" indent="-445496" algn="l" defTabSz="1781983" rtl="0" eaLnBrk="1" latinLnBrk="0" hangingPunct="1">
         <a:lnSpc>
           <a:spcPct val="90000"/>
         </a:lnSpc>
         <a:spcBef>
-          <a:spcPts val="500"/>
+          <a:spcPts val="974"/>
         </a:spcBef>
         <a:buFont typeface="Arial" panose="020B0604020202020204" pitchFamily="34" charset="0"/>
         <a:buChar char="•"/>
-        <a:defRPr sz="2000" kern="1200">
+        <a:defRPr sz="3898" kern="1200">
           <a:solidFill>
             <a:schemeClr val="tx1"/>
           </a:solidFill>
@@ -3103,16 +2751,16 @@
           <a:cs typeface="+mn-cs"/>
         </a:defRPr>
       </a:lvl3pPr>
-      <a:lvl4pPr marL="1600200" indent="-228600" algn="l" defTabSz="914400" rtl="0" eaLnBrk="1" latinLnBrk="0" hangingPunct="1">
+      <a:lvl4pPr marL="3118470" indent="-445496" algn="l" defTabSz="1781983" rtl="0" eaLnBrk="1" latinLnBrk="0" hangingPunct="1">
         <a:lnSpc>
           <a:spcPct val="90000"/>
         </a:lnSpc>
         <a:spcBef>
-          <a:spcPts val="500"/>
+          <a:spcPts val="974"/>
         </a:spcBef>
         <a:buFont typeface="Arial" panose="020B0604020202020204" pitchFamily="34" charset="0"/>
         <a:buChar char="•"/>
-        <a:defRPr sz="1800" kern="1200">
+        <a:defRPr sz="3508" kern="1200">
           <a:solidFill>
             <a:schemeClr val="tx1"/>
           </a:solidFill>
@@ -3121,16 +2769,16 @@
           <a:cs typeface="+mn-cs"/>
         </a:defRPr>
       </a:lvl4pPr>
-      <a:lvl5pPr marL="2057400" indent="-228600" algn="l" defTabSz="914400" rtl="0" eaLnBrk="1" latinLnBrk="0" hangingPunct="1">
+      <a:lvl5pPr marL="4009461" indent="-445496" algn="l" defTabSz="1781983" rtl="0" eaLnBrk="1" latinLnBrk="0" hangingPunct="1">
         <a:lnSpc>
           <a:spcPct val="90000"/>
         </a:lnSpc>
         <a:spcBef>
-          <a:spcPts val="500"/>
+          <a:spcPts val="974"/>
         </a:spcBef>
         <a:buFont typeface="Arial" panose="020B0604020202020204" pitchFamily="34" charset="0"/>
         <a:buChar char="•"/>
-        <a:defRPr sz="1800" kern="1200">
+        <a:defRPr sz="3508" kern="1200">
           <a:solidFill>
             <a:schemeClr val="tx1"/>
           </a:solidFill>
@@ -3139,16 +2787,16 @@
           <a:cs typeface="+mn-cs"/>
         </a:defRPr>
       </a:lvl5pPr>
-      <a:lvl6pPr marL="2514600" indent="-228600" algn="l" defTabSz="914400" rtl="0" eaLnBrk="1" latinLnBrk="0" hangingPunct="1">
+      <a:lvl6pPr marL="4900452" indent="-445496" algn="l" defTabSz="1781983" rtl="0" eaLnBrk="1" latinLnBrk="0" hangingPunct="1">
         <a:lnSpc>
           <a:spcPct val="90000"/>
         </a:lnSpc>
         <a:spcBef>
-          <a:spcPts val="500"/>
+          <a:spcPts val="974"/>
         </a:spcBef>
         <a:buFont typeface="Arial" panose="020B0604020202020204" pitchFamily="34" charset="0"/>
         <a:buChar char="•"/>
-        <a:defRPr sz="1800" kern="1200">
+        <a:defRPr sz="3508" kern="1200">
           <a:solidFill>
             <a:schemeClr val="tx1"/>
           </a:solidFill>
@@ -3157,16 +2805,16 @@
           <a:cs typeface="+mn-cs"/>
         </a:defRPr>
       </a:lvl6pPr>
-      <a:lvl7pPr marL="2971800" indent="-228600" algn="l" defTabSz="914400" rtl="0" eaLnBrk="1" latinLnBrk="0" hangingPunct="1">
+      <a:lvl7pPr marL="5791444" indent="-445496" algn="l" defTabSz="1781983" rtl="0" eaLnBrk="1" latinLnBrk="0" hangingPunct="1">
         <a:lnSpc>
           <a:spcPct val="90000"/>
         </a:lnSpc>
         <a:spcBef>
-          <a:spcPts val="500"/>
+          <a:spcPts val="974"/>
         </a:spcBef>
         <a:buFont typeface="Arial" panose="020B0604020202020204" pitchFamily="34" charset="0"/>
         <a:buChar char="•"/>
-        <a:defRPr sz="1800" kern="1200">
+        <a:defRPr sz="3508" kern="1200">
           <a:solidFill>
             <a:schemeClr val="tx1"/>
           </a:solidFill>
@@ -3175,16 +2823,16 @@
           <a:cs typeface="+mn-cs"/>
         </a:defRPr>
       </a:lvl7pPr>
-      <a:lvl8pPr marL="3429000" indent="-228600" algn="l" defTabSz="914400" rtl="0" eaLnBrk="1" latinLnBrk="0" hangingPunct="1">
+      <a:lvl8pPr marL="6682435" indent="-445496" algn="l" defTabSz="1781983" rtl="0" eaLnBrk="1" latinLnBrk="0" hangingPunct="1">
         <a:lnSpc>
           <a:spcPct val="90000"/>
         </a:lnSpc>
         <a:spcBef>
-          <a:spcPts val="500"/>
+          <a:spcPts val="974"/>
         </a:spcBef>
         <a:buFont typeface="Arial" panose="020B0604020202020204" pitchFamily="34" charset="0"/>
         <a:buChar char="•"/>
-        <a:defRPr sz="1800" kern="1200">
+        <a:defRPr sz="3508" kern="1200">
           <a:solidFill>
             <a:schemeClr val="tx1"/>
           </a:solidFill>
@@ -3193,16 +2841,16 @@
           <a:cs typeface="+mn-cs"/>
         </a:defRPr>
       </a:lvl8pPr>
-      <a:lvl9pPr marL="3886200" indent="-228600" algn="l" defTabSz="914400" rtl="0" eaLnBrk="1" latinLnBrk="0" hangingPunct="1">
+      <a:lvl9pPr marL="7573427" indent="-445496" algn="l" defTabSz="1781983" rtl="0" eaLnBrk="1" latinLnBrk="0" hangingPunct="1">
         <a:lnSpc>
           <a:spcPct val="90000"/>
         </a:lnSpc>
         <a:spcBef>
-          <a:spcPts val="500"/>
+          <a:spcPts val="974"/>
         </a:spcBef>
         <a:buFont typeface="Arial" panose="020B0604020202020204" pitchFamily="34" charset="0"/>
         <a:buChar char="•"/>
-        <a:defRPr sz="1800" kern="1200">
+        <a:defRPr sz="3508" kern="1200">
           <a:solidFill>
             <a:schemeClr val="tx1"/>
           </a:solidFill>
@@ -3216,8 +2864,8 @@
       <a:defPPr>
         <a:defRPr lang="en-US"/>
       </a:defPPr>
-      <a:lvl1pPr marL="0" algn="l" defTabSz="914400" rtl="0" eaLnBrk="1" latinLnBrk="0" hangingPunct="1">
-        <a:defRPr sz="1800" kern="1200">
+      <a:lvl1pPr marL="0" algn="l" defTabSz="1781983" rtl="0" eaLnBrk="1" latinLnBrk="0" hangingPunct="1">
+        <a:defRPr sz="3508" kern="1200">
           <a:solidFill>
             <a:schemeClr val="tx1"/>
           </a:solidFill>
@@ -3226,8 +2874,8 @@
           <a:cs typeface="+mn-cs"/>
         </a:defRPr>
       </a:lvl1pPr>
-      <a:lvl2pPr marL="457200" algn="l" defTabSz="914400" rtl="0" eaLnBrk="1" latinLnBrk="0" hangingPunct="1">
-        <a:defRPr sz="1800" kern="1200">
+      <a:lvl2pPr marL="890991" algn="l" defTabSz="1781983" rtl="0" eaLnBrk="1" latinLnBrk="0" hangingPunct="1">
+        <a:defRPr sz="3508" kern="1200">
           <a:solidFill>
             <a:schemeClr val="tx1"/>
           </a:solidFill>
@@ -3236,8 +2884,8 @@
           <a:cs typeface="+mn-cs"/>
         </a:defRPr>
       </a:lvl2pPr>
-      <a:lvl3pPr marL="914400" algn="l" defTabSz="914400" rtl="0" eaLnBrk="1" latinLnBrk="0" hangingPunct="1">
-        <a:defRPr sz="1800" kern="1200">
+      <a:lvl3pPr marL="1781983" algn="l" defTabSz="1781983" rtl="0" eaLnBrk="1" latinLnBrk="0" hangingPunct="1">
+        <a:defRPr sz="3508" kern="1200">
           <a:solidFill>
             <a:schemeClr val="tx1"/>
           </a:solidFill>
@@ -3246,8 +2894,8 @@
           <a:cs typeface="+mn-cs"/>
         </a:defRPr>
       </a:lvl3pPr>
-      <a:lvl4pPr marL="1371600" algn="l" defTabSz="914400" rtl="0" eaLnBrk="1" latinLnBrk="0" hangingPunct="1">
-        <a:defRPr sz="1800" kern="1200">
+      <a:lvl4pPr marL="2672974" algn="l" defTabSz="1781983" rtl="0" eaLnBrk="1" latinLnBrk="0" hangingPunct="1">
+        <a:defRPr sz="3508" kern="1200">
           <a:solidFill>
             <a:schemeClr val="tx1"/>
           </a:solidFill>
@@ -3256,8 +2904,8 @@
           <a:cs typeface="+mn-cs"/>
         </a:defRPr>
       </a:lvl4pPr>
-      <a:lvl5pPr marL="1828800" algn="l" defTabSz="914400" rtl="0" eaLnBrk="1" latinLnBrk="0" hangingPunct="1">
-        <a:defRPr sz="1800" kern="1200">
+      <a:lvl5pPr marL="3563965" algn="l" defTabSz="1781983" rtl="0" eaLnBrk="1" latinLnBrk="0" hangingPunct="1">
+        <a:defRPr sz="3508" kern="1200">
           <a:solidFill>
             <a:schemeClr val="tx1"/>
           </a:solidFill>
@@ -3266,8 +2914,8 @@
           <a:cs typeface="+mn-cs"/>
         </a:defRPr>
       </a:lvl5pPr>
-      <a:lvl6pPr marL="2286000" algn="l" defTabSz="914400" rtl="0" eaLnBrk="1" latinLnBrk="0" hangingPunct="1">
-        <a:defRPr sz="1800" kern="1200">
+      <a:lvl6pPr marL="4454957" algn="l" defTabSz="1781983" rtl="0" eaLnBrk="1" latinLnBrk="0" hangingPunct="1">
+        <a:defRPr sz="3508" kern="1200">
           <a:solidFill>
             <a:schemeClr val="tx1"/>
           </a:solidFill>
@@ -3276,8 +2924,8 @@
           <a:cs typeface="+mn-cs"/>
         </a:defRPr>
       </a:lvl6pPr>
-      <a:lvl7pPr marL="2743200" algn="l" defTabSz="914400" rtl="0" eaLnBrk="1" latinLnBrk="0" hangingPunct="1">
-        <a:defRPr sz="1800" kern="1200">
+      <a:lvl7pPr marL="5345948" algn="l" defTabSz="1781983" rtl="0" eaLnBrk="1" latinLnBrk="0" hangingPunct="1">
+        <a:defRPr sz="3508" kern="1200">
           <a:solidFill>
             <a:schemeClr val="tx1"/>
           </a:solidFill>
@@ -3286,8 +2934,8 @@
           <a:cs typeface="+mn-cs"/>
         </a:defRPr>
       </a:lvl7pPr>
-      <a:lvl8pPr marL="3200400" algn="l" defTabSz="914400" rtl="0" eaLnBrk="1" latinLnBrk="0" hangingPunct="1">
-        <a:defRPr sz="1800" kern="1200">
+      <a:lvl8pPr marL="6236940" algn="l" defTabSz="1781983" rtl="0" eaLnBrk="1" latinLnBrk="0" hangingPunct="1">
+        <a:defRPr sz="3508" kern="1200">
           <a:solidFill>
             <a:schemeClr val="tx1"/>
           </a:solidFill>
@@ -3296,8 +2944,8 @@
           <a:cs typeface="+mn-cs"/>
         </a:defRPr>
       </a:lvl8pPr>
-      <a:lvl9pPr marL="3657600" algn="l" defTabSz="914400" rtl="0" eaLnBrk="1" latinLnBrk="0" hangingPunct="1">
-        <a:defRPr sz="1800" kern="1200">
+      <a:lvl9pPr marL="7127931" algn="l" defTabSz="1781983" rtl="0" eaLnBrk="1" latinLnBrk="0" hangingPunct="1">
+        <a:defRPr sz="3508" kern="1200">
           <a:solidFill>
             <a:schemeClr val="tx1"/>
           </a:solidFill>
@@ -3342,8 +2990,8 @@
         </p:nvGrpSpPr>
         <p:grpSpPr>
           <a:xfrm>
-            <a:off x="1344184" y="282200"/>
-            <a:ext cx="7059152" cy="6247244"/>
+            <a:off x="2619583" y="707172"/>
+            <a:ext cx="13757074" cy="12174805"/>
             <a:chOff x="1344184" y="282200"/>
             <a:chExt cx="7059152" cy="6247244"/>
           </a:xfrm>
@@ -3439,7 +3087,7 @@
             <a:p>
               <a:pPr algn="ctr"/>
               <a:r>
-                <a:rPr lang="en-US" sz="3200" dirty="0">
+                <a:rPr lang="en-US" sz="6236" dirty="0">
                   <a:solidFill>
                     <a:schemeClr val="tx1"/>
                   </a:solidFill>
@@ -3500,7 +3148,7 @@
             <a:p>
               <a:pPr algn="ctr"/>
               <a:r>
-                <a:rPr lang="en-US" sz="3200" dirty="0">
+                <a:rPr lang="en-US" sz="6236" dirty="0">
                   <a:solidFill>
                     <a:schemeClr val="tx1"/>
                   </a:solidFill>
@@ -3561,7 +3209,7 @@
             <a:p>
               <a:pPr algn="ctr"/>
               <a:r>
-                <a:rPr lang="en-US" sz="3200" dirty="0">
+                <a:rPr lang="en-US" sz="6236" dirty="0">
                   <a:solidFill>
                     <a:schemeClr val="tx1"/>
                   </a:solidFill>
@@ -3622,7 +3270,7 @@
             <a:p>
               <a:pPr algn="ctr"/>
               <a:r>
-                <a:rPr lang="en-US" sz="3200" dirty="0">
+                <a:rPr lang="en-US" sz="6236" dirty="0">
                   <a:solidFill>
                     <a:schemeClr val="tx1"/>
                   </a:solidFill>
@@ -3683,7 +3331,7 @@
             <a:p>
               <a:pPr algn="ctr"/>
               <a:r>
-                <a:rPr lang="en-US" sz="3200" dirty="0">
+                <a:rPr lang="en-US" sz="6236" dirty="0">
                   <a:solidFill>
                     <a:schemeClr val="tx1"/>
                   </a:solidFill>
@@ -3744,7 +3392,7 @@
             <a:p>
               <a:pPr algn="ctr"/>
               <a:r>
-                <a:rPr lang="en-US" sz="3200" dirty="0">
+                <a:rPr lang="en-US" sz="6236" dirty="0">
                   <a:solidFill>
                     <a:schemeClr val="tx1"/>
                   </a:solidFill>
@@ -3805,7 +3453,7 @@
             <a:p>
               <a:pPr algn="ctr"/>
               <a:r>
-                <a:rPr lang="en-US" sz="3200" dirty="0">
+                <a:rPr lang="en-US" sz="6236" dirty="0">
                   <a:solidFill>
                     <a:schemeClr val="tx1"/>
                   </a:solidFill>
@@ -3866,7 +3514,7 @@
             <a:p>
               <a:pPr algn="ctr"/>
               <a:r>
-                <a:rPr lang="en-US" sz="3200" dirty="0">
+                <a:rPr lang="en-US" sz="6236" dirty="0">
                   <a:solidFill>
                     <a:schemeClr val="tx1"/>
                   </a:solidFill>
@@ -3927,7 +3575,7 @@
             <a:p>
               <a:pPr algn="ctr"/>
               <a:r>
-                <a:rPr lang="en-US" sz="3200" dirty="0">
+                <a:rPr lang="en-US" sz="6236" dirty="0">
                   <a:solidFill>
                     <a:schemeClr val="tx1"/>
                   </a:solidFill>
@@ -3990,7 +3638,7 @@
             <a:lstStyle/>
             <a:p>
               <a:pPr algn="ctr"/>
-              <a:endParaRPr lang="en-US" sz="3200">
+              <a:endParaRPr lang="en-US" sz="6236">
                 <a:solidFill>
                   <a:schemeClr val="tx1"/>
                 </a:solidFill>
@@ -4047,7 +3695,7 @@
             <a:lstStyle/>
             <a:p>
               <a:pPr algn="ctr"/>
-              <a:endParaRPr lang="en-US" sz="3200">
+              <a:endParaRPr lang="en-US" sz="6236">
                 <a:solidFill>
                   <a:schemeClr val="tx1"/>
                 </a:solidFill>
@@ -4070,7 +3718,7 @@
           <p:spPr>
             <a:xfrm>
               <a:off x="4824071" y="1222644"/>
-              <a:ext cx="441146" cy="1015663"/>
+              <a:ext cx="351392" cy="970704"/>
             </a:xfrm>
             <a:prstGeom prst="rect">
               <a:avLst/>
@@ -4084,7 +3732,7 @@
             <a:lstStyle/>
             <a:p>
               <a:r>
-                <a:rPr lang="en-US" sz="6000" i="1" dirty="0">
+                <a:rPr lang="en-US" sz="11693" i="1" dirty="0">
                   <a:latin typeface="Arial" panose="020B0604020202020204" pitchFamily="34" charset="0"/>
                   <a:cs typeface="Arial" panose="020B0604020202020204" pitchFamily="34" charset="0"/>
                 </a:rPr>
@@ -4142,7 +3790,7 @@
             <a:p>
               <a:pPr algn="ctr"/>
               <a:r>
-                <a:rPr lang="en-US" sz="3200" dirty="0">
+                <a:rPr lang="en-US" sz="6236" dirty="0">
                   <a:solidFill>
                     <a:schemeClr val="tx1"/>
                   </a:solidFill>
@@ -4207,8 +3855,8 @@
         </p:blipFill>
         <p:spPr>
           <a:xfrm rot="21286326">
-            <a:off x="3314169" y="786383"/>
-            <a:ext cx="2906486" cy="4069081"/>
+            <a:off x="6458745" y="1689743"/>
+            <a:ext cx="5664242" cy="7929939"/>
           </a:xfrm>
           <a:prstGeom prst="rect">
             <a:avLst/>
@@ -4232,8 +3880,8 @@
         </p:nvSpPr>
         <p:spPr>
           <a:xfrm flipV="1">
-            <a:off x="4565034" y="1618486"/>
-            <a:ext cx="1140822" cy="3008375"/>
+            <a:off x="8896466" y="3311368"/>
+            <a:ext cx="2223266" cy="5862806"/>
           </a:xfrm>
           <a:prstGeom prst="rtTriangle">
             <a:avLst/>
@@ -4270,7 +3918,7 @@
           <a:lstStyle/>
           <a:p>
             <a:pPr algn="ctr"/>
-            <a:endParaRPr lang="en-US"/>
+            <a:endParaRPr lang="en-US" sz="6895"/>
           </a:p>
         </p:txBody>
       </p:sp>
@@ -4288,8 +3936,8 @@
         </p:nvSpPr>
         <p:spPr>
           <a:xfrm rot="19398617">
-            <a:off x="4449973" y="4032504"/>
-            <a:ext cx="448056" cy="457200"/>
+            <a:off x="8672232" y="8015870"/>
+            <a:ext cx="873184" cy="891004"/>
           </a:xfrm>
           <a:prstGeom prst="arc">
             <a:avLst/>
@@ -4319,7 +3967,7 @@
           <a:lstStyle/>
           <a:p>
             <a:pPr algn="ctr"/>
-            <a:endParaRPr lang="en-US">
+            <a:endParaRPr lang="en-US" sz="6895">
               <a:noFill/>
             </a:endParaRPr>
           </a:p>
@@ -4341,8 +3989,8 @@
             </p:nvSpPr>
             <p:spPr>
               <a:xfrm>
-                <a:off x="3958281" y="3841940"/>
-                <a:ext cx="500073" cy="461665"/>
+                <a:off x="7714013" y="7644498"/>
+                <a:ext cx="976869" cy="899605"/>
               </a:xfrm>
               <a:prstGeom prst="rect">
                 <a:avLst/>
@@ -4365,7 +4013,7 @@
                       <m:sSub>
                         <m:sSubPr>
                           <m:ctrlPr>
-                            <a:rPr lang="en-US" sz="3000" b="1" i="1" smtClean="0">
+                            <a:rPr lang="en-US" sz="5846" b="1" i="1">
                               <a:ln w="12700">
                                 <a:solidFill>
                                   <a:schemeClr val="bg1"/>
@@ -4377,7 +4025,7 @@
                         </m:sSubPr>
                         <m:e>
                           <m:r>
-                            <a:rPr lang="en-US" sz="3000" b="1" i="1" smtClean="0">
+                            <a:rPr lang="en-US" sz="5846" b="1" i="1">
                               <a:ln w="12700">
                                 <a:solidFill>
                                   <a:schemeClr val="bg1"/>
@@ -4391,7 +4039,7 @@
                         </m:e>
                         <m:sub>
                           <m:r>
-                            <a:rPr lang="nl-NL" sz="3000" b="1" i="1" smtClean="0">
+                            <a:rPr lang="nl-NL" sz="5846" b="1" i="1">
                               <a:ln w="12700">
                                 <a:solidFill>
                                   <a:schemeClr val="bg1"/>
@@ -4406,7 +4054,7 @@
                     </m:oMath>
                   </m:oMathPara>
                 </a14:m>
-                <a:endParaRPr lang="en-US" sz="3000" b="1" dirty="0">
+                <a:endParaRPr lang="en-US" sz="5846" b="1" dirty="0">
                   <a:ln w="12700">
                     <a:solidFill>
                       <a:schemeClr val="bg1"/>
@@ -4434,8 +4082,8 @@
             </p:nvSpPr>
             <p:spPr>
               <a:xfrm>
-                <a:off x="3958281" y="3841940"/>
-                <a:ext cx="500073" cy="461665"/>
+                <a:off x="7714013" y="7644498"/>
+                <a:ext cx="976869" cy="899605"/>
               </a:xfrm>
               <a:prstGeom prst="rect">
                 <a:avLst/>
@@ -4478,8 +4126,8 @@
             </p:nvSpPr>
             <p:spPr>
               <a:xfrm>
-                <a:off x="5132396" y="1044241"/>
-                <a:ext cx="413511" cy="461665"/>
+                <a:off x="10002161" y="2192263"/>
+                <a:ext cx="806951" cy="899605"/>
               </a:xfrm>
               <a:prstGeom prst="rect">
                 <a:avLst/>
@@ -4502,7 +4150,7 @@
                       <m:sSub>
                         <m:sSubPr>
                           <m:ctrlPr>
-                            <a:rPr lang="en-US" sz="3000" b="1" i="1" smtClean="0">
+                            <a:rPr lang="en-US" sz="5846" b="1" i="1">
                               <a:ln w="12700">
                                 <a:solidFill>
                                   <a:schemeClr val="bg1"/>
@@ -4514,7 +4162,7 @@
                         </m:sSubPr>
                         <m:e>
                           <m:r>
-                            <a:rPr lang="nl-NL" sz="3000" b="1" i="1" smtClean="0">
+                            <a:rPr lang="nl-NL" sz="5846" b="1" i="1">
                               <a:ln w="12700">
                                 <a:solidFill>
                                   <a:schemeClr val="bg1"/>
@@ -4528,7 +4176,7 @@
                         </m:e>
                         <m:sub>
                           <m:r>
-                            <a:rPr lang="nl-NL" sz="3000" b="1" i="1" smtClean="0">
+                            <a:rPr lang="nl-NL" sz="5846" b="1" i="1">
                               <a:ln w="12700">
                                 <a:solidFill>
                                   <a:schemeClr val="bg1"/>
@@ -4543,7 +4191,7 @@
                     </m:oMath>
                   </m:oMathPara>
                 </a14:m>
-                <a:endParaRPr lang="en-US" sz="3000" b="1" dirty="0">
+                <a:endParaRPr lang="en-US" sz="5846" b="1" dirty="0">
                   <a:ln w="12700">
                     <a:solidFill>
                       <a:schemeClr val="bg1"/>
@@ -4571,8 +4219,8 @@
             </p:nvSpPr>
             <p:spPr>
               <a:xfrm>
-                <a:off x="5132396" y="1044241"/>
-                <a:ext cx="413511" cy="461665"/>
+                <a:off x="10002161" y="2192263"/>
+                <a:ext cx="806951" cy="899605"/>
               </a:xfrm>
               <a:prstGeom prst="rect">
                 <a:avLst/>
@@ -4613,8 +4261,8 @@
         </p:nvSpPr>
         <p:spPr>
           <a:xfrm flipV="1">
-            <a:off x="4558936" y="1618486"/>
-            <a:ext cx="1146919" cy="3008375"/>
+            <a:off x="8884587" y="3311368"/>
+            <a:ext cx="2235148" cy="5862806"/>
           </a:xfrm>
           <a:prstGeom prst="rtTriangle">
             <a:avLst/>
@@ -4648,7 +4296,7 @@
           <a:lstStyle/>
           <a:p>
             <a:pPr algn="ctr"/>
-            <a:endParaRPr lang="en-US"/>
+            <a:endParaRPr lang="en-US" sz="6895"/>
           </a:p>
         </p:txBody>
       </p:sp>
@@ -4703,8 +4351,8 @@
           </p:nvPr>
         </p:nvGraphicFramePr>
         <p:xfrm>
-          <a:off x="1205522" y="543655"/>
-          <a:ext cx="9720000" cy="5400000"/>
+          <a:off x="2349355" y="1216702"/>
+          <a:ext cx="18942609" cy="10523670"/>
         </p:xfrm>
         <a:graphic>
           <a:graphicData uri="http://schemas.openxmlformats.org/drawingml/2006/table">
@@ -4720,21 +4368,21 @@
                 <a:tableStyleId>{5C22544A-7EE6-4342-B048-85BDC9FD1C3A}</a:tableStyleId>
               </a:tblPr>
               <a:tblGrid>
-                <a:gridCol w="3240000">
+                <a:gridCol w="6314203">
                   <a:extLst>
                     <a:ext uri="{9D8B030D-6E8A-4147-A177-3AD203B41FA5}">
                       <a16:colId xmlns:a16="http://schemas.microsoft.com/office/drawing/2014/main" val="3448364002"/>
                     </a:ext>
                   </a:extLst>
                 </a:gridCol>
-                <a:gridCol w="3240000">
+                <a:gridCol w="6314203">
                   <a:extLst>
                     <a:ext uri="{9D8B030D-6E8A-4147-A177-3AD203B41FA5}">
                       <a16:colId xmlns:a16="http://schemas.microsoft.com/office/drawing/2014/main" val="295263896"/>
                     </a:ext>
                   </a:extLst>
                 </a:gridCol>
-                <a:gridCol w="3240000">
+                <a:gridCol w="6314203">
                   <a:extLst>
                     <a:ext uri="{9D8B030D-6E8A-4147-A177-3AD203B41FA5}">
                       <a16:colId xmlns:a16="http://schemas.microsoft.com/office/drawing/2014/main" val="3264412198"/>
@@ -4742,7 +4390,7 @@
                   </a:extLst>
                 </a:gridCol>
               </a:tblGrid>
-              <a:tr h="900000">
+              <a:tr h="1753945">
                 <a:tc gridSpan="3">
                   <a:txBody>
                     <a:bodyPr/>
@@ -4750,7 +4398,7 @@
                     <a:p>
                       <a:pPr algn="ctr"/>
                       <a:r>
-                        <a:rPr lang="en-US" sz="3200" b="1" dirty="0">
+                        <a:rPr lang="en-US" sz="6200" b="1" dirty="0">
                           <a:ln w="12700">
                             <a:noFill/>
                           </a:ln>
@@ -4763,7 +4411,7 @@
                         <a:t>The </a:t>
                       </a:r>
                       <a:r>
-                        <a:rPr lang="en-US" sz="3200" b="1" dirty="0" err="1">
+                        <a:rPr lang="en-US" sz="6200" b="1" dirty="0" err="1">
                           <a:ln w="12700">
                             <a:noFill/>
                           </a:ln>
@@ -4776,7 +4424,7 @@
                         <a:t>CAT.Database</a:t>
                       </a:r>
                       <a:r>
-                        <a:rPr lang="en-US" sz="3200" b="1" dirty="0">
+                        <a:rPr lang="en-US" sz="6200" b="1" dirty="0">
                           <a:ln w="12700">
                             <a:noFill/>
                           </a:ln>
@@ -4790,7 +4438,7 @@
                       </a:r>
                     </a:p>
                   </a:txBody>
-                  <a:tcPr anchor="ctr">
+                  <a:tcPr marL="178201" marR="178201" marT="89100" marB="89100" anchor="ctr">
                     <a:lnL w="12700" cap="flat" cmpd="sng" algn="ctr">
                       <a:solidFill>
                         <a:schemeClr val="tx1"/>
@@ -4866,14 +4514,14 @@
                   </a:ext>
                 </a:extLst>
               </a:tr>
-              <a:tr h="900000">
+              <a:tr h="1753945">
                 <a:tc>
                   <a:txBody>
                     <a:bodyPr/>
                     <a:lstStyle/>
                     <a:p>
                       <a:pPr algn="l"/>
-                      <a:endParaRPr lang="en-US" b="0" dirty="0">
+                      <a:endParaRPr lang="en-US" sz="3500" b="0" dirty="0">
                         <a:ln w="6350">
                           <a:noFill/>
                         </a:ln>
@@ -4885,7 +4533,7 @@
                       </a:endParaRPr>
                     </a:p>
                   </a:txBody>
-                  <a:tcPr anchor="ctr">
+                  <a:tcPr marL="178201" marR="178201" marT="89100" marB="89100" anchor="ctr">
                     <a:lnL w="12700" cap="flat" cmpd="sng" algn="ctr">
                       <a:solidFill>
                         <a:schemeClr val="tx1"/>
@@ -4940,7 +4588,7 @@
                     <a:p>
                       <a:pPr algn="ctr"/>
                       <a:r>
-                        <a:rPr lang="en-US" b="0" dirty="0">
+                        <a:rPr lang="en-US" sz="3500" b="0" dirty="0">
                           <a:ln w="6350">
                             <a:noFill/>
                           </a:ln>
@@ -4954,7 +4602,7 @@
                       </a:r>
                     </a:p>
                   </a:txBody>
-                  <a:tcPr anchor="ctr">
+                  <a:tcPr marL="178201" marR="178201" marT="89100" marB="89100" anchor="ctr">
                     <a:lnL w="28575" cap="flat" cmpd="sng" algn="ctr">
                       <a:solidFill>
                         <a:schemeClr val="tx1"/>
@@ -5010,7 +4658,7 @@
                     <a:lstStyle/>
                     <a:p>
                       <a:pPr algn="r"/>
-                      <a:endParaRPr lang="en-US" b="0" dirty="0">
+                      <a:endParaRPr lang="en-US" sz="3500" b="0" dirty="0">
                         <a:ln w="6350">
                           <a:noFill/>
                         </a:ln>
@@ -5022,7 +4670,7 @@
                       </a:endParaRPr>
                     </a:p>
                   </a:txBody>
-                  <a:tcPr anchor="ctr">
+                  <a:tcPr marL="178201" marR="178201" marT="89100" marB="89100" anchor="ctr">
                     <a:lnL w="28575" cap="flat" cmpd="sng" algn="ctr">
                       <a:solidFill>
                         <a:schemeClr val="tx1"/>
@@ -5076,7 +4724,7 @@
                   </a:ext>
                 </a:extLst>
               </a:tr>
-              <a:tr h="900000">
+              <a:tr h="1753945">
                 <a:tc>
                   <a:txBody>
                     <a:bodyPr/>
@@ -5100,7 +4748,7 @@
                         <a:defRPr/>
                       </a:pPr>
                       <a:r>
-                        <a:rPr lang="en-US" b="0" dirty="0" err="1">
+                        <a:rPr lang="en-US" sz="3500" b="0" dirty="0" err="1">
                           <a:ln w="6350">
                             <a:noFill/>
                           </a:ln>
@@ -5113,7 +4761,7 @@
                         <a:t>Database.close</a:t>
                       </a:r>
                       <a:r>
-                        <a:rPr lang="en-US" b="0" dirty="0">
+                        <a:rPr lang="en-US" sz="3500" b="0" dirty="0">
                           <a:ln w="6350">
                             <a:noFill/>
                           </a:ln>
@@ -5128,7 +4776,7 @@
                     </a:p>
                     <a:p>
                       <a:pPr algn="l"/>
-                      <a:endParaRPr lang="en-US" b="0" dirty="0">
+                      <a:endParaRPr lang="en-US" sz="3500" b="0" dirty="0">
                         <a:ln w="6350">
                           <a:noFill/>
                         </a:ln>
@@ -5140,7 +4788,7 @@
                       </a:endParaRPr>
                     </a:p>
                   </a:txBody>
-                  <a:tcPr anchor="ctr">
+                  <a:tcPr marL="178201" marR="178201" marT="89100" marB="89100" anchor="ctr">
                     <a:lnL w="12700" cap="flat" cmpd="sng" algn="ctr">
                       <a:solidFill>
                         <a:schemeClr val="tx1"/>
@@ -5190,7 +4838,7 @@
                     <a:lstStyle/>
                     <a:p>
                       <a:pPr algn="ctr"/>
-                      <a:endParaRPr lang="en-US" b="0" dirty="0">
+                      <a:endParaRPr lang="en-US" sz="3500" b="0" dirty="0">
                         <a:ln w="6350">
                           <a:noFill/>
                         </a:ln>
@@ -5202,7 +4850,7 @@
                       </a:endParaRPr>
                     </a:p>
                   </a:txBody>
-                  <a:tcPr anchor="ctr">
+                  <a:tcPr marL="178201" marR="178201" marT="89100" marB="89100" anchor="ctr">
                     <a:lnL w="12700" cap="flat" cmpd="sng" algn="ctr">
                       <a:noFill/>
                       <a:prstDash val="solid"/>
@@ -5255,7 +4903,7 @@
                     <a:p>
                       <a:pPr algn="r"/>
                       <a:r>
-                        <a:rPr lang="en-US" b="0" dirty="0" err="1">
+                        <a:rPr lang="en-US" sz="3500" b="0" dirty="0" err="1">
                           <a:ln w="6350">
                             <a:noFill/>
                           </a:ln>
@@ -5268,7 +4916,7 @@
                         <a:t>Database.open</a:t>
                       </a:r>
                       <a:r>
-                        <a:rPr lang="en-US" b="0" dirty="0">
+                        <a:rPr lang="en-US" sz="3500" b="0" dirty="0">
                           <a:ln w="6350">
                             <a:noFill/>
                           </a:ln>
@@ -5282,7 +4930,7 @@
                       </a:r>
                     </a:p>
                   </a:txBody>
-                  <a:tcPr anchor="ctr">
+                  <a:tcPr marL="178201" marR="178201" marT="89100" marB="89100" anchor="ctr">
                     <a:lnL w="12700" cap="flat" cmpd="sng" algn="ctr">
                       <a:noFill/>
                       <a:prstDash val="solid"/>
@@ -5332,14 +4980,14 @@
                   </a:ext>
                 </a:extLst>
               </a:tr>
-              <a:tr h="900000">
+              <a:tr h="1753945">
                 <a:tc>
                   <a:txBody>
                     <a:bodyPr/>
                     <a:lstStyle/>
                     <a:p>
                       <a:pPr algn="l"/>
-                      <a:endParaRPr lang="en-US" b="0" dirty="0">
+                      <a:endParaRPr lang="en-US" sz="3500" b="0" dirty="0">
                         <a:ln w="6350">
                           <a:noFill/>
                         </a:ln>
@@ -5351,7 +4999,7 @@
                       </a:endParaRPr>
                     </a:p>
                   </a:txBody>
-                  <a:tcPr anchor="ctr">
+                  <a:tcPr marL="178201" marR="178201" marT="89100" marB="89100" anchor="ctr">
                     <a:lnL w="12700" cap="flat" cmpd="sng" algn="ctr">
                       <a:solidFill>
                         <a:schemeClr val="tx1"/>
@@ -5404,7 +5052,7 @@
                     <a:p>
                       <a:pPr algn="ctr"/>
                       <a:r>
-                        <a:rPr lang="en-US" b="0" dirty="0" err="1">
+                        <a:rPr lang="en-US" sz="3500" b="0" dirty="0" err="1">
                           <a:ln w="6350">
                             <a:noFill/>
                           </a:ln>
@@ -5416,7 +5064,7 @@
                         </a:rPr>
                         <a:t>CAT.Database</a:t>
                       </a:r>
-                      <a:endParaRPr lang="en-US" b="0" dirty="0">
+                      <a:endParaRPr lang="en-US" sz="3500" b="0" dirty="0">
                         <a:ln w="6350">
                           <a:noFill/>
                         </a:ln>
@@ -5428,7 +5076,7 @@
                       </a:endParaRPr>
                     </a:p>
                   </a:txBody>
-                  <a:tcPr anchor="ctr">
+                  <a:tcPr marL="178201" marR="178201" marT="89100" marB="89100" anchor="ctr">
                     <a:lnL w="28575" cap="flat" cmpd="sng" algn="ctr">
                       <a:solidFill>
                         <a:schemeClr val="tx1"/>
@@ -5484,7 +5132,7 @@
                     <a:lstStyle/>
                     <a:p>
                       <a:pPr algn="r"/>
-                      <a:endParaRPr lang="en-US" b="0" dirty="0">
+                      <a:endParaRPr lang="en-US" sz="3500" b="0" dirty="0">
                         <a:ln w="6350">
                           <a:noFill/>
                         </a:ln>
@@ -5496,7 +5144,7 @@
                       </a:endParaRPr>
                     </a:p>
                   </a:txBody>
-                  <a:tcPr anchor="ctr">
+                  <a:tcPr marL="178201" marR="178201" marT="89100" marB="89100" anchor="ctr">
                     <a:lnL w="28575" cap="flat" cmpd="sng" algn="ctr">
                       <a:solidFill>
                         <a:schemeClr val="tx1"/>
@@ -5548,7 +5196,7 @@
                   </a:ext>
                 </a:extLst>
               </a:tr>
-              <a:tr h="900000">
+              <a:tr h="1753945">
                 <a:tc>
                   <a:txBody>
                     <a:bodyPr/>
@@ -5572,7 +5220,7 @@
                         <a:defRPr/>
                       </a:pPr>
                       <a:r>
-                        <a:rPr lang="en-US" b="0" dirty="0" err="1">
+                        <a:rPr lang="en-US" sz="3500" b="0" dirty="0" err="1">
                           <a:ln w="6350">
                             <a:noFill/>
                           </a:ln>
@@ -5585,7 +5233,7 @@
                         <a:t>Database.update</a:t>
                       </a:r>
                       <a:r>
-                        <a:rPr lang="en-US" b="0" dirty="0">
+                        <a:rPr lang="en-US" sz="3500" b="0" dirty="0">
                           <a:ln w="6350">
                             <a:noFill/>
                           </a:ln>
@@ -5599,7 +5247,7 @@
                       </a:r>
                     </a:p>
                   </a:txBody>
-                  <a:tcPr anchor="ctr">
+                  <a:tcPr marL="178201" marR="178201" marT="89100" marB="89100" anchor="ctr">
                     <a:lnL w="12700" cap="flat" cmpd="sng" algn="ctr">
                       <a:solidFill>
                         <a:schemeClr val="tx1"/>
@@ -5649,7 +5297,7 @@
                     <a:lstStyle/>
                     <a:p>
                       <a:pPr algn="ctr"/>
-                      <a:endParaRPr lang="en-US" b="0" dirty="0">
+                      <a:endParaRPr lang="en-US" sz="3500" b="0" dirty="0">
                         <a:ln w="6350">
                           <a:noFill/>
                         </a:ln>
@@ -5661,7 +5309,7 @@
                       </a:endParaRPr>
                     </a:p>
                   </a:txBody>
-                  <a:tcPr anchor="ctr">
+                  <a:tcPr marL="178201" marR="178201" marT="89100" marB="89100" anchor="ctr">
                     <a:lnL w="12700" cap="flat" cmpd="sng" algn="ctr">
                       <a:noFill/>
                       <a:prstDash val="solid"/>
@@ -5730,7 +5378,7 @@
                         <a:defRPr/>
                       </a:pPr>
                       <a:r>
-                        <a:rPr lang="en-US" b="0" dirty="0" err="1">
+                        <a:rPr lang="en-US" sz="3500" b="0" dirty="0" err="1">
                           <a:ln w="6350">
                             <a:noFill/>
                           </a:ln>
@@ -5743,7 +5391,7 @@
                         <a:t>Database.from</a:t>
                       </a:r>
                       <a:r>
-                        <a:rPr lang="en-US" b="0" dirty="0">
+                        <a:rPr lang="en-US" sz="3500" b="0" dirty="0">
                           <a:ln w="6350">
                             <a:noFill/>
                           </a:ln>
@@ -5757,7 +5405,7 @@
                       </a:r>
                     </a:p>
                   </a:txBody>
-                  <a:tcPr anchor="ctr">
+                  <a:tcPr marL="178201" marR="178201" marT="89100" marB="89100" anchor="ctr">
                     <a:lnL w="12700" cap="flat" cmpd="sng" algn="ctr">
                       <a:noFill/>
                       <a:prstDash val="solid"/>
@@ -5807,14 +5455,14 @@
                   </a:ext>
                 </a:extLst>
               </a:tr>
-              <a:tr h="900000">
+              <a:tr h="1753945">
                 <a:tc>
                   <a:txBody>
                     <a:bodyPr/>
                     <a:lstStyle/>
                     <a:p>
                       <a:pPr algn="l"/>
-                      <a:endParaRPr lang="en-US" b="0" dirty="0">
+                      <a:endParaRPr lang="en-US" sz="3500" b="0" dirty="0">
                         <a:ln w="6350">
                           <a:noFill/>
                         </a:ln>
@@ -5826,7 +5474,7 @@
                       </a:endParaRPr>
                     </a:p>
                   </a:txBody>
-                  <a:tcPr anchor="ctr">
+                  <a:tcPr marL="178201" marR="178201" marT="89100" marB="89100" anchor="ctr">
                     <a:lnL w="12700" cap="flat" cmpd="sng" algn="ctr">
                       <a:solidFill>
                         <a:schemeClr val="tx1"/>
@@ -5881,7 +5529,7 @@
                     <a:p>
                       <a:pPr algn="ctr"/>
                       <a:r>
-                        <a:rPr lang="en-US" b="0" dirty="0" err="1">
+                        <a:rPr lang="en-US" sz="3500" b="0" dirty="0" err="1">
                           <a:ln w="6350">
                             <a:noFill/>
                           </a:ln>
@@ -5893,7 +5541,7 @@
                         </a:rPr>
                         <a:t>my_python_object</a:t>
                       </a:r>
-                      <a:endParaRPr lang="en-US" b="0" dirty="0">
+                      <a:endParaRPr lang="en-US" sz="3500" b="0" dirty="0">
                         <a:ln w="6350">
                           <a:noFill/>
                         </a:ln>
@@ -5905,7 +5553,7 @@
                       </a:endParaRPr>
                     </a:p>
                   </a:txBody>
-                  <a:tcPr anchor="ctr">
+                  <a:tcPr marL="178201" marR="178201" marT="89100" marB="89100" anchor="ctr">
                     <a:lnL w="28575" cap="flat" cmpd="sng" algn="ctr">
                       <a:solidFill>
                         <a:schemeClr val="tx1"/>
@@ -5961,7 +5609,7 @@
                     <a:lstStyle/>
                     <a:p>
                       <a:pPr algn="r"/>
-                      <a:endParaRPr lang="en-US" b="0" dirty="0">
+                      <a:endParaRPr lang="en-US" sz="3500" b="0" dirty="0">
                         <a:ln w="6350">
                           <a:noFill/>
                         </a:ln>
@@ -5973,7 +5621,7 @@
                       </a:endParaRPr>
                     </a:p>
                   </a:txBody>
-                  <a:tcPr anchor="ctr">
+                  <a:tcPr marL="178201" marR="178201" marT="89100" marB="89100" anchor="ctr">
                     <a:lnL w="28575" cap="flat" cmpd="sng" algn="ctr">
                       <a:solidFill>
                         <a:schemeClr val="tx1"/>
@@ -6045,8 +5693,8 @@
         </p:nvGrpSpPr>
         <p:grpSpPr>
           <a:xfrm>
-            <a:off x="7758798" y="1841988"/>
-            <a:ext cx="720000" cy="3780001"/>
+            <a:off x="15120564" y="3746935"/>
+            <a:ext cx="1403156" cy="7366572"/>
             <a:chOff x="7758798" y="1841988"/>
             <a:chExt cx="720000" cy="3780001"/>
           </a:xfrm>
@@ -6116,7 +5764,7 @@
             <a:lstStyle/>
             <a:p>
               <a:pPr algn="ctr"/>
-              <a:endParaRPr lang="en-US">
+              <a:endParaRPr lang="en-US" sz="6895">
                 <a:solidFill>
                   <a:schemeClr val="tx1"/>
                 </a:solidFill>
@@ -6182,7 +5830,7 @@
             <a:lstStyle/>
             <a:p>
               <a:pPr algn="ctr"/>
-              <a:endParaRPr lang="en-US">
+              <a:endParaRPr lang="en-US" sz="6895">
                 <a:solidFill>
                   <a:schemeClr val="tx1"/>
                 </a:solidFill>
@@ -6205,8 +5853,8 @@
         </p:nvGrpSpPr>
         <p:grpSpPr>
           <a:xfrm rot="10800000">
-            <a:off x="3626898" y="1765787"/>
-            <a:ext cx="720000" cy="3780001"/>
+            <a:off x="7068201" y="3598433"/>
+            <a:ext cx="1403156" cy="7366572"/>
             <a:chOff x="7758798" y="1841988"/>
             <a:chExt cx="720000" cy="3780001"/>
           </a:xfrm>
@@ -6276,7 +5924,7 @@
             <a:lstStyle/>
             <a:p>
               <a:pPr algn="ctr"/>
-              <a:endParaRPr lang="en-US">
+              <a:endParaRPr lang="en-US" sz="6895">
                 <a:solidFill>
                   <a:schemeClr val="tx1"/>
                 </a:solidFill>
@@ -6342,7 +5990,7 @@
             <a:lstStyle/>
             <a:p>
               <a:pPr algn="ctr"/>
-              <a:endParaRPr lang="en-US">
+              <a:endParaRPr lang="en-US" sz="6895">
                 <a:solidFill>
                   <a:schemeClr val="tx1"/>
                 </a:solidFill>
@@ -6364,10 +6012,746 @@
 </p:sld>
 </file>
 
+<file path=ppt/slides/slide4.xml><?xml version="1.0" encoding="utf-8"?>
+<p:sld xmlns:a="http://schemas.openxmlformats.org/drawingml/2006/main" xmlns:r="http://schemas.openxmlformats.org/officeDocument/2006/relationships" xmlns:p="http://schemas.openxmlformats.org/presentationml/2006/main">
+  <p:cSld>
+    <p:spTree>
+      <p:nvGrpSpPr>
+        <p:cNvPr id="1" name=""/>
+        <p:cNvGrpSpPr/>
+        <p:nvPr/>
+      </p:nvGrpSpPr>
+      <p:grpSpPr>
+        <a:xfrm>
+          <a:off x="0" y="0"/>
+          <a:ext cx="0" cy="0"/>
+          <a:chOff x="0" y="0"/>
+          <a:chExt cx="0" cy="0"/>
+        </a:xfrm>
+      </p:grpSpPr>
+      <p:grpSp>
+        <p:nvGrpSpPr>
+          <p:cNvPr id="27" name="Group 26">
+            <a:extLst>
+              <a:ext uri="{FF2B5EF4-FFF2-40B4-BE49-F238E27FC236}">
+                <a16:creationId xmlns:a16="http://schemas.microsoft.com/office/drawing/2014/main" id="{79E0FB4D-076E-D04A-83E9-AE5870CC6CE5}"/>
+              </a:ext>
+            </a:extLst>
+          </p:cNvPr>
+          <p:cNvGrpSpPr/>
+          <p:nvPr/>
+        </p:nvGrpSpPr>
+        <p:grpSpPr>
+          <a:xfrm>
+            <a:off x="2610294" y="252984"/>
+            <a:ext cx="18528412" cy="13679488"/>
+            <a:chOff x="2610294" y="252984"/>
+            <a:chExt cx="18528412" cy="13679488"/>
+          </a:xfrm>
+        </p:grpSpPr>
+        <p:pic>
+          <p:nvPicPr>
+            <p:cNvPr id="14" name="Picture 13">
+              <a:extLst>
+                <a:ext uri="{FF2B5EF4-FFF2-40B4-BE49-F238E27FC236}">
+                  <a16:creationId xmlns:a16="http://schemas.microsoft.com/office/drawing/2014/main" id="{1E8F6F8C-533A-3B42-A9BF-2E1D2F7DE7A8}"/>
+                </a:ext>
+              </a:extLst>
+            </p:cNvPr>
+            <p:cNvPicPr>
+              <a:picLocks noChangeAspect="1"/>
+            </p:cNvPicPr>
+            <p:nvPr/>
+          </p:nvPicPr>
+          <p:blipFill>
+            <a:blip r:embed="rId2"/>
+            <a:stretch>
+              <a:fillRect/>
+            </a:stretch>
+          </p:blipFill>
+          <p:spPr>
+            <a:xfrm>
+              <a:off x="2610294" y="252984"/>
+              <a:ext cx="18528412" cy="13679488"/>
+            </a:xfrm>
+            <a:prstGeom prst="rect">
+              <a:avLst/>
+            </a:prstGeom>
+          </p:spPr>
+        </p:pic>
+        <p:cxnSp>
+          <p:nvCxnSpPr>
+            <p:cNvPr id="17" name="Straight Connector 16">
+              <a:extLst>
+                <a:ext uri="{FF2B5EF4-FFF2-40B4-BE49-F238E27FC236}">
+                  <a16:creationId xmlns:a16="http://schemas.microsoft.com/office/drawing/2014/main" id="{09C1FBC9-6061-6047-BFEB-FB3931FD30FF}"/>
+                </a:ext>
+              </a:extLst>
+            </p:cNvPr>
+            <p:cNvCxnSpPr>
+              <a:cxnSpLocks/>
+            </p:cNvCxnSpPr>
+            <p:nvPr/>
+          </p:nvCxnSpPr>
+          <p:spPr>
+            <a:xfrm flipH="1">
+              <a:off x="14300200" y="5422900"/>
+              <a:ext cx="342900" cy="876300"/>
+            </a:xfrm>
+            <a:prstGeom prst="line">
+              <a:avLst/>
+            </a:prstGeom>
+            <a:ln w="76200">
+              <a:solidFill>
+                <a:srgbClr val="FF0000"/>
+              </a:solidFill>
+              <a:headEnd type="oval" w="sm" len="sm"/>
+              <a:tailEnd type="oval" w="sm" len="sm"/>
+            </a:ln>
+          </p:spPr>
+          <p:style>
+            <a:lnRef idx="1">
+              <a:schemeClr val="accent1"/>
+            </a:lnRef>
+            <a:fillRef idx="0">
+              <a:schemeClr val="accent1"/>
+            </a:fillRef>
+            <a:effectRef idx="0">
+              <a:schemeClr val="accent1"/>
+            </a:effectRef>
+            <a:fontRef idx="minor">
+              <a:schemeClr val="tx1"/>
+            </a:fontRef>
+          </p:style>
+        </p:cxnSp>
+        <p:cxnSp>
+          <p:nvCxnSpPr>
+            <p:cNvPr id="18" name="Straight Connector 17">
+              <a:extLst>
+                <a:ext uri="{FF2B5EF4-FFF2-40B4-BE49-F238E27FC236}">
+                  <a16:creationId xmlns:a16="http://schemas.microsoft.com/office/drawing/2014/main" id="{EDB6A8DC-DE47-9940-9741-B7156E910D3F}"/>
+                </a:ext>
+              </a:extLst>
+            </p:cNvPr>
+            <p:cNvCxnSpPr>
+              <a:cxnSpLocks/>
+            </p:cNvCxnSpPr>
+            <p:nvPr/>
+          </p:nvCxnSpPr>
+          <p:spPr>
+            <a:xfrm flipH="1">
+              <a:off x="12763500" y="6299200"/>
+              <a:ext cx="1536700" cy="1317321"/>
+            </a:xfrm>
+            <a:prstGeom prst="line">
+              <a:avLst/>
+            </a:prstGeom>
+            <a:ln w="76200">
+              <a:solidFill>
+                <a:srgbClr val="FF0000"/>
+              </a:solidFill>
+              <a:headEnd type="oval" w="sm" len="sm"/>
+              <a:tailEnd type="oval" w="sm" len="sm"/>
+            </a:ln>
+          </p:spPr>
+          <p:style>
+            <a:lnRef idx="1">
+              <a:schemeClr val="accent1"/>
+            </a:lnRef>
+            <a:fillRef idx="0">
+              <a:schemeClr val="accent1"/>
+            </a:fillRef>
+            <a:effectRef idx="0">
+              <a:schemeClr val="accent1"/>
+            </a:effectRef>
+            <a:fontRef idx="minor">
+              <a:schemeClr val="tx1"/>
+            </a:fontRef>
+          </p:style>
+        </p:cxnSp>
+        <p:cxnSp>
+          <p:nvCxnSpPr>
+            <p:cNvPr id="20" name="Straight Connector 19">
+              <a:extLst>
+                <a:ext uri="{FF2B5EF4-FFF2-40B4-BE49-F238E27FC236}">
+                  <a16:creationId xmlns:a16="http://schemas.microsoft.com/office/drawing/2014/main" id="{0B7FFB91-BF04-FE4A-8E71-B0DBBBB7592E}"/>
+                </a:ext>
+              </a:extLst>
+            </p:cNvPr>
+            <p:cNvCxnSpPr>
+              <a:cxnSpLocks/>
+            </p:cNvCxnSpPr>
+            <p:nvPr/>
+          </p:nvCxnSpPr>
+          <p:spPr>
+            <a:xfrm flipH="1">
+              <a:off x="11601450" y="7616521"/>
+              <a:ext cx="1162050" cy="457539"/>
+            </a:xfrm>
+            <a:prstGeom prst="line">
+              <a:avLst/>
+            </a:prstGeom>
+            <a:ln w="76200">
+              <a:solidFill>
+                <a:srgbClr val="FF0000"/>
+              </a:solidFill>
+              <a:headEnd type="oval" w="sm" len="sm"/>
+              <a:tailEnd type="oval" w="sm" len="sm"/>
+            </a:ln>
+          </p:spPr>
+          <p:style>
+            <a:lnRef idx="1">
+              <a:schemeClr val="accent1"/>
+            </a:lnRef>
+            <a:fillRef idx="0">
+              <a:schemeClr val="accent1"/>
+            </a:fillRef>
+            <a:effectRef idx="0">
+              <a:schemeClr val="accent1"/>
+            </a:effectRef>
+            <a:fontRef idx="minor">
+              <a:schemeClr val="tx1"/>
+            </a:fontRef>
+          </p:style>
+        </p:cxnSp>
+        <mc:AlternateContent xmlns:mc="http://schemas.openxmlformats.org/markup-compatibility/2006">
+          <mc:Choice xmlns:a14="http://schemas.microsoft.com/office/drawing/2010/main" Requires="a14">
+            <p:sp>
+              <p:nvSpPr>
+                <p:cNvPr id="23" name="TextBox 22">
+                  <a:extLst>
+                    <a:ext uri="{FF2B5EF4-FFF2-40B4-BE49-F238E27FC236}">
+                      <a16:creationId xmlns:a16="http://schemas.microsoft.com/office/drawing/2014/main" id="{28B8EDF8-0DBF-F34D-84D8-B0F7642CF3AF}"/>
+                    </a:ext>
+                  </a:extLst>
+                </p:cNvPr>
+                <p:cNvSpPr txBox="1"/>
+                <p:nvPr/>
+              </p:nvSpPr>
+              <p:spPr>
+                <a:xfrm>
+                  <a:off x="9503553" y="7656530"/>
+                  <a:ext cx="1985993" cy="830997"/>
+                </a:xfrm>
+                <a:prstGeom prst="rect">
+                  <a:avLst/>
+                </a:prstGeom>
+                <a:noFill/>
+                <a:effectLst>
+                  <a:outerShdw blurRad="101600" algn="tl" rotWithShape="0">
+                    <a:schemeClr val="bg1"/>
+                  </a:outerShdw>
+                </a:effectLst>
+              </p:spPr>
+              <p:txBody>
+                <a:bodyPr wrap="none" lIns="0" tIns="0" rIns="0" bIns="0" rtlCol="0">
+                  <a:spAutoFit/>
+                </a:bodyPr>
+                <a:lstStyle/>
+                <a:p>
+                  <a14:m>
+                    <m:oMathPara xmlns:m="http://schemas.openxmlformats.org/officeDocument/2006/math">
+                      <m:oMathParaPr>
+                        <m:jc m:val="centerGroup"/>
+                      </m:oMathParaPr>
+                      <m:oMath xmlns:m="http://schemas.openxmlformats.org/officeDocument/2006/math">
+                        <m:sSub>
+                          <m:sSubPr>
+                            <m:ctrlPr>
+                              <a:rPr lang="nl-NL" sz="5400" b="0" i="1" smtClean="0">
+                                <a:latin typeface="Cambria Math" panose="02040503050406030204" pitchFamily="18" charset="0"/>
+                              </a:rPr>
+                            </m:ctrlPr>
+                          </m:sSubPr>
+                          <m:e>
+                            <m:r>
+                              <a:rPr lang="nl-NL" sz="5400" i="1">
+                                <a:latin typeface="Cambria Math" panose="02040503050406030204" pitchFamily="18" charset="0"/>
+                              </a:rPr>
+                              <m:t>𝑝</m:t>
+                            </m:r>
+                          </m:e>
+                          <m:sub>
+                            <m:r>
+                              <a:rPr lang="nl-NL" sz="5400" b="0" i="1" smtClean="0">
+                                <a:latin typeface="Cambria Math" panose="02040503050406030204" pitchFamily="18" charset="0"/>
+                              </a:rPr>
+                              <m:t>0</m:t>
+                            </m:r>
+                          </m:sub>
+                        </m:sSub>
+                        <m:r>
+                          <a:rPr lang="nl-NL" sz="5400" b="0" i="1" smtClean="0">
+                            <a:latin typeface="Cambria Math" panose="02040503050406030204" pitchFamily="18" charset="0"/>
+                          </a:rPr>
+                          <m:t>=</m:t>
+                        </m:r>
+                        <m:r>
+                          <a:rPr lang="nl-NL" sz="5400" b="0" i="1" smtClean="0">
+                            <a:latin typeface="Cambria Math" panose="02040503050406030204" pitchFamily="18" charset="0"/>
+                          </a:rPr>
+                          <m:t>𝑖</m:t>
+                        </m:r>
+                      </m:oMath>
+                    </m:oMathPara>
+                  </a14:m>
+                  <a:endParaRPr lang="en-US" sz="5400" dirty="0"/>
+                </a:p>
+              </p:txBody>
+            </p:sp>
+          </mc:Choice>
+          <mc:Fallback>
+            <p:sp>
+              <p:nvSpPr>
+                <p:cNvPr id="23" name="TextBox 22">
+                  <a:extLst>
+                    <a:ext uri="{FF2B5EF4-FFF2-40B4-BE49-F238E27FC236}">
+                      <a16:creationId xmlns:a16="http://schemas.microsoft.com/office/drawing/2014/main" id="{28B8EDF8-0DBF-F34D-84D8-B0F7642CF3AF}"/>
+                    </a:ext>
+                  </a:extLst>
+                </p:cNvPr>
+                <p:cNvSpPr txBox="1">
+                  <a:spLocks noRot="1" noChangeAspect="1" noMove="1" noResize="1" noEditPoints="1" noAdjustHandles="1" noChangeArrowheads="1" noChangeShapeType="1" noTextEdit="1"/>
+                </p:cNvSpPr>
+                <p:nvPr/>
+              </p:nvSpPr>
+              <p:spPr>
+                <a:xfrm>
+                  <a:off x="9503553" y="7656530"/>
+                  <a:ext cx="1985993" cy="830997"/>
+                </a:xfrm>
+                <a:prstGeom prst="rect">
+                  <a:avLst/>
+                </a:prstGeom>
+                <a:blipFill>
+                  <a:blip r:embed="rId3"/>
+                  <a:stretch>
+                    <a:fillRect/>
+                  </a:stretch>
+                </a:blipFill>
+                <a:effectLst>
+                  <a:outerShdw blurRad="101600" algn="tl" rotWithShape="0">
+                    <a:schemeClr val="bg1"/>
+                  </a:outerShdw>
+                </a:effectLst>
+              </p:spPr>
+              <p:txBody>
+                <a:bodyPr/>
+                <a:lstStyle/>
+                <a:p>
+                  <a:r>
+                    <a:rPr lang="en-US">
+                      <a:noFill/>
+                    </a:rPr>
+                    <a:t> </a:t>
+                  </a:r>
+                </a:p>
+              </p:txBody>
+            </p:sp>
+          </mc:Fallback>
+        </mc:AlternateContent>
+        <mc:AlternateContent xmlns:mc="http://schemas.openxmlformats.org/markup-compatibility/2006">
+          <mc:Choice xmlns:a14="http://schemas.microsoft.com/office/drawing/2010/main" Requires="a14">
+            <p:sp>
+              <p:nvSpPr>
+                <p:cNvPr id="24" name="TextBox 23">
+                  <a:extLst>
+                    <a:ext uri="{FF2B5EF4-FFF2-40B4-BE49-F238E27FC236}">
+                      <a16:creationId xmlns:a16="http://schemas.microsoft.com/office/drawing/2014/main" id="{61F9F1B8-24DC-3441-8A67-A80BDB80B28E}"/>
+                    </a:ext>
+                  </a:extLst>
+                </p:cNvPr>
+                <p:cNvSpPr txBox="1"/>
+                <p:nvPr/>
+              </p:nvSpPr>
+              <p:spPr>
+                <a:xfrm>
+                  <a:off x="14807057" y="4865969"/>
+                  <a:ext cx="2004716" cy="830997"/>
+                </a:xfrm>
+                <a:prstGeom prst="rect">
+                  <a:avLst/>
+                </a:prstGeom>
+                <a:noFill/>
+                <a:effectLst>
+                  <a:outerShdw blurRad="101600" dir="2700000" algn="tl" rotWithShape="0">
+                    <a:schemeClr val="bg1"/>
+                  </a:outerShdw>
+                </a:effectLst>
+              </p:spPr>
+              <p:txBody>
+                <a:bodyPr wrap="none" lIns="0" tIns="0" rIns="0" bIns="0" rtlCol="0">
+                  <a:spAutoFit/>
+                </a:bodyPr>
+                <a:lstStyle/>
+                <a:p>
+                  <a14:m>
+                    <m:oMathPara xmlns:m="http://schemas.openxmlformats.org/officeDocument/2006/math">
+                      <m:oMathParaPr>
+                        <m:jc m:val="centerGroup"/>
+                      </m:oMathParaPr>
+                      <m:oMath xmlns:m="http://schemas.openxmlformats.org/officeDocument/2006/math">
+                        <m:sSub>
+                          <m:sSubPr>
+                            <m:ctrlPr>
+                              <a:rPr lang="nl-NL" sz="5400" b="0" i="1" smtClean="0">
+                                <a:latin typeface="Cambria Math" panose="02040503050406030204" pitchFamily="18" charset="0"/>
+                              </a:rPr>
+                            </m:ctrlPr>
+                          </m:sSubPr>
+                          <m:e>
+                            <m:r>
+                              <a:rPr lang="nl-NL" sz="5400" i="1">
+                                <a:latin typeface="Cambria Math" panose="02040503050406030204" pitchFamily="18" charset="0"/>
+                              </a:rPr>
+                              <m:t>𝑝</m:t>
+                            </m:r>
+                          </m:e>
+                          <m:sub>
+                            <m:r>
+                              <a:rPr lang="nl-NL" sz="5400" b="0" i="1" smtClean="0">
+                                <a:latin typeface="Cambria Math" panose="02040503050406030204" pitchFamily="18" charset="0"/>
+                              </a:rPr>
+                              <m:t>3</m:t>
+                            </m:r>
+                          </m:sub>
+                        </m:sSub>
+                        <m:r>
+                          <a:rPr lang="nl-NL" sz="5400" b="0" i="1" smtClean="0">
+                            <a:latin typeface="Cambria Math" panose="02040503050406030204" pitchFamily="18" charset="0"/>
+                          </a:rPr>
+                          <m:t>=</m:t>
+                        </m:r>
+                        <m:r>
+                          <a:rPr lang="nl-NL" sz="5400" b="0" i="1" smtClean="0">
+                            <a:latin typeface="Cambria Math" panose="02040503050406030204" pitchFamily="18" charset="0"/>
+                          </a:rPr>
+                          <m:t>𝑗</m:t>
+                        </m:r>
+                      </m:oMath>
+                    </m:oMathPara>
+                  </a14:m>
+                  <a:endParaRPr lang="en-US" sz="5400" dirty="0"/>
+                </a:p>
+              </p:txBody>
+            </p:sp>
+          </mc:Choice>
+          <mc:Fallback>
+            <p:sp>
+              <p:nvSpPr>
+                <p:cNvPr id="24" name="TextBox 23">
+                  <a:extLst>
+                    <a:ext uri="{FF2B5EF4-FFF2-40B4-BE49-F238E27FC236}">
+                      <a16:creationId xmlns:a16="http://schemas.microsoft.com/office/drawing/2014/main" id="{61F9F1B8-24DC-3441-8A67-A80BDB80B28E}"/>
+                    </a:ext>
+                  </a:extLst>
+                </p:cNvPr>
+                <p:cNvSpPr txBox="1">
+                  <a:spLocks noRot="1" noChangeAspect="1" noMove="1" noResize="1" noEditPoints="1" noAdjustHandles="1" noChangeArrowheads="1" noChangeShapeType="1" noTextEdit="1"/>
+                </p:cNvSpPr>
+                <p:nvPr/>
+              </p:nvSpPr>
+              <p:spPr>
+                <a:xfrm>
+                  <a:off x="14807057" y="4865969"/>
+                  <a:ext cx="2004716" cy="830997"/>
+                </a:xfrm>
+                <a:prstGeom prst="rect">
+                  <a:avLst/>
+                </a:prstGeom>
+                <a:blipFill>
+                  <a:blip r:embed="rId4"/>
+                  <a:stretch>
+                    <a:fillRect/>
+                  </a:stretch>
+                </a:blipFill>
+                <a:effectLst>
+                  <a:outerShdw blurRad="101600" dir="2700000" algn="tl" rotWithShape="0">
+                    <a:schemeClr val="bg1"/>
+                  </a:outerShdw>
+                </a:effectLst>
+              </p:spPr>
+              <p:txBody>
+                <a:bodyPr/>
+                <a:lstStyle/>
+                <a:p>
+                  <a:r>
+                    <a:rPr lang="en-US">
+                      <a:noFill/>
+                    </a:rPr>
+                    <a:t> </a:t>
+                  </a:r>
+                </a:p>
+              </p:txBody>
+            </p:sp>
+          </mc:Fallback>
+        </mc:AlternateContent>
+        <mc:AlternateContent xmlns:mc="http://schemas.openxmlformats.org/markup-compatibility/2006">
+          <mc:Choice xmlns:a14="http://schemas.microsoft.com/office/drawing/2010/main" Requires="a14">
+            <p:sp>
+              <p:nvSpPr>
+                <p:cNvPr id="25" name="TextBox 24">
+                  <a:extLst>
+                    <a:ext uri="{FF2B5EF4-FFF2-40B4-BE49-F238E27FC236}">
+                      <a16:creationId xmlns:a16="http://schemas.microsoft.com/office/drawing/2014/main" id="{45BB8965-2B35-4347-BF74-13052B5820D1}"/>
+                    </a:ext>
+                  </a:extLst>
+                </p:cNvPr>
+                <p:cNvSpPr txBox="1"/>
+                <p:nvPr/>
+              </p:nvSpPr>
+              <p:spPr>
+                <a:xfrm>
+                  <a:off x="14401800" y="6085158"/>
+                  <a:ext cx="841897" cy="830997"/>
+                </a:xfrm>
+                <a:prstGeom prst="rect">
+                  <a:avLst/>
+                </a:prstGeom>
+                <a:noFill/>
+                <a:effectLst>
+                  <a:outerShdw blurRad="101600" dir="2700000" algn="tl" rotWithShape="0">
+                    <a:schemeClr val="bg1"/>
+                  </a:outerShdw>
+                </a:effectLst>
+              </p:spPr>
+              <p:txBody>
+                <a:bodyPr wrap="none" lIns="0" tIns="0" rIns="0" bIns="0" rtlCol="0">
+                  <a:spAutoFit/>
+                </a:bodyPr>
+                <a:lstStyle/>
+                <a:p>
+                  <a14:m>
+                    <m:oMathPara xmlns:m="http://schemas.openxmlformats.org/officeDocument/2006/math">
+                      <m:oMathParaPr>
+                        <m:jc m:val="centerGroup"/>
+                      </m:oMathParaPr>
+                      <m:oMath xmlns:m="http://schemas.openxmlformats.org/officeDocument/2006/math">
+                        <m:sSub>
+                          <m:sSubPr>
+                            <m:ctrlPr>
+                              <a:rPr lang="nl-NL" sz="5400" b="0" i="1" smtClean="0">
+                                <a:latin typeface="Cambria Math" panose="02040503050406030204" pitchFamily="18" charset="0"/>
+                              </a:rPr>
+                            </m:ctrlPr>
+                          </m:sSubPr>
+                          <m:e>
+                            <m:r>
+                              <a:rPr lang="nl-NL" sz="5400" i="1">
+                                <a:latin typeface="Cambria Math" panose="02040503050406030204" pitchFamily="18" charset="0"/>
+                              </a:rPr>
+                              <m:t>𝑝</m:t>
+                            </m:r>
+                          </m:e>
+                          <m:sub>
+                            <m:r>
+                              <a:rPr lang="nl-NL" sz="5400" b="0" i="1" smtClean="0">
+                                <a:latin typeface="Cambria Math" panose="02040503050406030204" pitchFamily="18" charset="0"/>
+                              </a:rPr>
+                              <m:t>2</m:t>
+                            </m:r>
+                          </m:sub>
+                        </m:sSub>
+                      </m:oMath>
+                    </m:oMathPara>
+                  </a14:m>
+                  <a:endParaRPr lang="en-US" sz="5400" dirty="0"/>
+                </a:p>
+              </p:txBody>
+            </p:sp>
+          </mc:Choice>
+          <mc:Fallback>
+            <p:sp>
+              <p:nvSpPr>
+                <p:cNvPr id="25" name="TextBox 24">
+                  <a:extLst>
+                    <a:ext uri="{FF2B5EF4-FFF2-40B4-BE49-F238E27FC236}">
+                      <a16:creationId xmlns:a16="http://schemas.microsoft.com/office/drawing/2014/main" id="{45BB8965-2B35-4347-BF74-13052B5820D1}"/>
+                    </a:ext>
+                  </a:extLst>
+                </p:cNvPr>
+                <p:cNvSpPr txBox="1">
+                  <a:spLocks noRot="1" noChangeAspect="1" noMove="1" noResize="1" noEditPoints="1" noAdjustHandles="1" noChangeArrowheads="1" noChangeShapeType="1" noTextEdit="1"/>
+                </p:cNvSpPr>
+                <p:nvPr/>
+              </p:nvSpPr>
+              <p:spPr>
+                <a:xfrm>
+                  <a:off x="14401800" y="6085158"/>
+                  <a:ext cx="841897" cy="830997"/>
+                </a:xfrm>
+                <a:prstGeom prst="rect">
+                  <a:avLst/>
+                </a:prstGeom>
+                <a:blipFill>
+                  <a:blip r:embed="rId5"/>
+                  <a:stretch>
+                    <a:fillRect/>
+                  </a:stretch>
+                </a:blipFill>
+                <a:effectLst>
+                  <a:outerShdw blurRad="101600" dir="2700000" algn="tl" rotWithShape="0">
+                    <a:schemeClr val="bg1"/>
+                  </a:outerShdw>
+                </a:effectLst>
+              </p:spPr>
+              <p:txBody>
+                <a:bodyPr/>
+                <a:lstStyle/>
+                <a:p>
+                  <a:r>
+                    <a:rPr lang="en-US">
+                      <a:noFill/>
+                    </a:rPr>
+                    <a:t> </a:t>
+                  </a:r>
+                </a:p>
+              </p:txBody>
+            </p:sp>
+          </mc:Fallback>
+        </mc:AlternateContent>
+        <mc:AlternateContent xmlns:mc="http://schemas.openxmlformats.org/markup-compatibility/2006">
+          <mc:Choice xmlns:a14="http://schemas.microsoft.com/office/drawing/2010/main" Requires="a14">
+            <p:sp>
+              <p:nvSpPr>
+                <p:cNvPr id="26" name="TextBox 25">
+                  <a:extLst>
+                    <a:ext uri="{FF2B5EF4-FFF2-40B4-BE49-F238E27FC236}">
+                      <a16:creationId xmlns:a16="http://schemas.microsoft.com/office/drawing/2014/main" id="{CA4FF101-A2A7-1344-B8AB-E17B5AC63942}"/>
+                    </a:ext>
+                  </a:extLst>
+                </p:cNvPr>
+                <p:cNvSpPr txBox="1"/>
+                <p:nvPr/>
+              </p:nvSpPr>
+              <p:spPr>
+                <a:xfrm>
+                  <a:off x="12837304" y="7480591"/>
+                  <a:ext cx="825867" cy="830997"/>
+                </a:xfrm>
+                <a:prstGeom prst="rect">
+                  <a:avLst/>
+                </a:prstGeom>
+                <a:noFill/>
+                <a:effectLst>
+                  <a:outerShdw blurRad="101600" dir="2700000" algn="tl" rotWithShape="0">
+                    <a:schemeClr val="bg1"/>
+                  </a:outerShdw>
+                </a:effectLst>
+              </p:spPr>
+              <p:txBody>
+                <a:bodyPr wrap="none" lIns="0" tIns="0" rIns="0" bIns="0" rtlCol="0">
+                  <a:spAutoFit/>
+                </a:bodyPr>
+                <a:lstStyle/>
+                <a:p>
+                  <a14:m>
+                    <m:oMathPara xmlns:m="http://schemas.openxmlformats.org/officeDocument/2006/math">
+                      <m:oMathParaPr>
+                        <m:jc m:val="centerGroup"/>
+                      </m:oMathParaPr>
+                      <m:oMath xmlns:m="http://schemas.openxmlformats.org/officeDocument/2006/math">
+                        <m:sSub>
+                          <m:sSubPr>
+                            <m:ctrlPr>
+                              <a:rPr lang="nl-NL" sz="5400" b="0" i="1" smtClean="0">
+                                <a:latin typeface="Cambria Math" panose="02040503050406030204" pitchFamily="18" charset="0"/>
+                              </a:rPr>
+                            </m:ctrlPr>
+                          </m:sSubPr>
+                          <m:e>
+                            <m:r>
+                              <a:rPr lang="nl-NL" sz="5400" i="1">
+                                <a:latin typeface="Cambria Math" panose="02040503050406030204" pitchFamily="18" charset="0"/>
+                              </a:rPr>
+                              <m:t>𝑝</m:t>
+                            </m:r>
+                          </m:e>
+                          <m:sub>
+                            <m:r>
+                              <a:rPr lang="nl-NL" sz="5400" b="0" i="1" smtClean="0">
+                                <a:latin typeface="Cambria Math" panose="02040503050406030204" pitchFamily="18" charset="0"/>
+                              </a:rPr>
+                              <m:t>1</m:t>
+                            </m:r>
+                          </m:sub>
+                        </m:sSub>
+                      </m:oMath>
+                    </m:oMathPara>
+                  </a14:m>
+                  <a:endParaRPr lang="en-US" sz="5400" dirty="0"/>
+                </a:p>
+              </p:txBody>
+            </p:sp>
+          </mc:Choice>
+          <mc:Fallback>
+            <p:sp>
+              <p:nvSpPr>
+                <p:cNvPr id="26" name="TextBox 25">
+                  <a:extLst>
+                    <a:ext uri="{FF2B5EF4-FFF2-40B4-BE49-F238E27FC236}">
+                      <a16:creationId xmlns:a16="http://schemas.microsoft.com/office/drawing/2014/main" id="{CA4FF101-A2A7-1344-B8AB-E17B5AC63942}"/>
+                    </a:ext>
+                  </a:extLst>
+                </p:cNvPr>
+                <p:cNvSpPr txBox="1">
+                  <a:spLocks noRot="1" noChangeAspect="1" noMove="1" noResize="1" noEditPoints="1" noAdjustHandles="1" noChangeArrowheads="1" noChangeShapeType="1" noTextEdit="1"/>
+                </p:cNvSpPr>
+                <p:nvPr/>
+              </p:nvSpPr>
+              <p:spPr>
+                <a:xfrm>
+                  <a:off x="12837304" y="7480591"/>
+                  <a:ext cx="825867" cy="830997"/>
+                </a:xfrm>
+                <a:prstGeom prst="rect">
+                  <a:avLst/>
+                </a:prstGeom>
+                <a:blipFill>
+                  <a:blip r:embed="rId6"/>
+                  <a:stretch>
+                    <a:fillRect/>
+                  </a:stretch>
+                </a:blipFill>
+                <a:effectLst>
+                  <a:outerShdw blurRad="101600" dir="2700000" algn="tl" rotWithShape="0">
+                    <a:schemeClr val="bg1"/>
+                  </a:outerShdw>
+                </a:effectLst>
+              </p:spPr>
+              <p:txBody>
+                <a:bodyPr/>
+                <a:lstStyle/>
+                <a:p>
+                  <a:r>
+                    <a:rPr lang="en-US">
+                      <a:noFill/>
+                    </a:rPr>
+                    <a:t> </a:t>
+                  </a:r>
+                </a:p>
+              </p:txBody>
+            </p:sp>
+          </mc:Fallback>
+        </mc:AlternateContent>
+      </p:grpSp>
+    </p:spTree>
+    <p:extLst>
+      <p:ext uri="{BB962C8B-B14F-4D97-AF65-F5344CB8AC3E}">
+        <p14:creationId xmlns:p14="http://schemas.microsoft.com/office/powerpoint/2010/main" val="2040794634"/>
+      </p:ext>
+    </p:extLst>
+  </p:cSld>
+  <p:clrMapOvr>
+    <a:masterClrMapping/>
+  </p:clrMapOvr>
+</p:sld>
+</file>
+
 <file path=ppt/theme/theme1.xml><?xml version="1.0" encoding="utf-8"?>
 <a:theme xmlns:a="http://schemas.openxmlformats.org/drawingml/2006/main" name="Office Theme">
   <a:themeElements>
-    <a:clrScheme name="Office">
+    <a:clrScheme name="Office Theme">
       <a:dk1>
         <a:sysClr val="windowText" lastClr="000000"/>
       </a:dk1>
@@ -6405,7 +6789,7 @@
         <a:srgbClr val="954F72"/>
       </a:folHlink>
     </a:clrScheme>
-    <a:fontScheme name="Office">
+    <a:fontScheme name="Office Theme">
       <a:majorFont>
         <a:latin typeface="Calibri Light" panose="020F0302020204030204"/>
         <a:ea typeface=""/>
@@ -6440,23 +6824,6 @@
         <a:font script="Viet" typeface="Times New Roman"/>
         <a:font script="Uigh" typeface="Microsoft Uighur"/>
         <a:font script="Geor" typeface="Sylfaen"/>
-        <a:font script="Armn" typeface="Arial"/>
-        <a:font script="Bugi" typeface="Leelawadee UI"/>
-        <a:font script="Bopo" typeface="Microsoft JhengHei"/>
-        <a:font script="Java" typeface="Javanese Text"/>
-        <a:font script="Lisu" typeface="Segoe UI"/>
-        <a:font script="Mymr" typeface="Myanmar Text"/>
-        <a:font script="Nkoo" typeface="Ebrima"/>
-        <a:font script="Olck" typeface="Nirmala UI"/>
-        <a:font script="Osma" typeface="Ebrima"/>
-        <a:font script="Phag" typeface="Phagspa"/>
-        <a:font script="Syrn" typeface="Estrangelo Edessa"/>
-        <a:font script="Syrj" typeface="Estrangelo Edessa"/>
-        <a:font script="Syre" typeface="Estrangelo Edessa"/>
-        <a:font script="Sora" typeface="Nirmala UI"/>
-        <a:font script="Tale" typeface="Microsoft Tai Le"/>
-        <a:font script="Talu" typeface="Microsoft New Tai Lue"/>
-        <a:font script="Tfng" typeface="Ebrima"/>
       </a:majorFont>
       <a:minorFont>
         <a:latin typeface="Calibri" panose="020F0502020204030204"/>
@@ -6492,26 +6859,9 @@
         <a:font script="Viet" typeface="Arial"/>
         <a:font script="Uigh" typeface="Microsoft Uighur"/>
         <a:font script="Geor" typeface="Sylfaen"/>
-        <a:font script="Armn" typeface="Arial"/>
-        <a:font script="Bugi" typeface="Leelawadee UI"/>
-        <a:font script="Bopo" typeface="Microsoft JhengHei"/>
-        <a:font script="Java" typeface="Javanese Text"/>
-        <a:font script="Lisu" typeface="Segoe UI"/>
-        <a:font script="Mymr" typeface="Myanmar Text"/>
-        <a:font script="Nkoo" typeface="Ebrima"/>
-        <a:font script="Olck" typeface="Nirmala UI"/>
-        <a:font script="Osma" typeface="Ebrima"/>
-        <a:font script="Phag" typeface="Phagspa"/>
-        <a:font script="Syrn" typeface="Estrangelo Edessa"/>
-        <a:font script="Syrj" typeface="Estrangelo Edessa"/>
-        <a:font script="Syre" typeface="Estrangelo Edessa"/>
-        <a:font script="Sora" typeface="Nirmala UI"/>
-        <a:font script="Tale" typeface="Microsoft Tai Le"/>
-        <a:font script="Talu" typeface="Microsoft New Tai Lue"/>
-        <a:font script="Tfng" typeface="Ebrima"/>
       </a:minorFont>
     </a:fontScheme>
-    <a:fmtScheme name="Office">
+    <a:fmtScheme name="Office Theme">
       <a:fillStyleLst>
         <a:solidFill>
           <a:schemeClr val="phClr"/>
